--- a/git_workshop.pptx
+++ b/git_workshop.pptx
@@ -12719,8 +12719,8 @@
         </p:nvSpPr>
         <p:spPr>
           <a:xfrm>
-            <a:off x="6121400" y="4399428"/>
-            <a:ext cx="5832845" cy="2224391"/>
+            <a:off x="6121400" y="4072467"/>
+            <a:ext cx="5832845" cy="2551352"/>
           </a:xfrm>
           <a:prstGeom prst="roundRect">
             <a:avLst/>
@@ -12940,7 +12940,24 @@
             </a:pPr>
             <a:r>
               <a:rPr lang="en-US" dirty="0"/>
-              <a:t>Go back to the most recent commit.</a:t>
+              <a:t>Go back to the most recent commit with  </a:t>
+            </a:r>
+            <a:r>
+              <a:rPr lang="en-US" dirty="0">
+                <a:solidFill>
+                  <a:schemeClr val="accent1">
+                    <a:lumMod val="50000"/>
+                  </a:schemeClr>
+                </a:solidFill>
+                <a:latin typeface="JuliaMono" panose="020B0609060300020004" pitchFamily="49" charset="0"/>
+                <a:ea typeface="JuliaMono" panose="020B0609060300020004" pitchFamily="49" charset="0"/>
+                <a:cs typeface="JuliaMono" panose="020B0609060300020004" pitchFamily="49" charset="0"/>
+              </a:rPr>
+              <a:t>git checkout master</a:t>
+            </a:r>
+            <a:r>
+              <a:rPr lang="en-US" dirty="0"/>
+              <a:t>.</a:t>
             </a:r>
           </a:p>
         </p:txBody>

--- a/git_workshop.pptx
+++ b/git_workshop.pptx
@@ -5,7 +5,7 @@
     <p:sldMasterId id="2147483648" r:id="rId1"/>
   </p:sldMasterIdLst>
   <p:notesMasterIdLst>
-    <p:notesMasterId r:id="rId27"/>
+    <p:notesMasterId r:id="rId28"/>
   </p:notesMasterIdLst>
   <p:sldIdLst>
     <p:sldId id="256" r:id="rId2"/>
@@ -29,10 +29,11 @@
     <p:sldId id="275" r:id="rId20"/>
     <p:sldId id="276" r:id="rId21"/>
     <p:sldId id="277" r:id="rId22"/>
-    <p:sldId id="278" r:id="rId23"/>
-    <p:sldId id="279" r:id="rId24"/>
-    <p:sldId id="280" r:id="rId25"/>
-    <p:sldId id="281" r:id="rId26"/>
+    <p:sldId id="282" r:id="rId23"/>
+    <p:sldId id="278" r:id="rId24"/>
+    <p:sldId id="279" r:id="rId25"/>
+    <p:sldId id="280" r:id="rId26"/>
+    <p:sldId id="281" r:id="rId27"/>
   </p:sldIdLst>
   <p:sldSz cx="12192000" cy="6858000"/>
   <p:notesSz cx="6858000" cy="9144000"/>
@@ -224,7 +225,7 @@
           <a:p>
             <a:fld id="{8832BF7F-0261-4F51-AF13-938BC57E176B}" type="datetimeFigureOut">
               <a:rPr lang="en-US" smtClean="0"/>
-              <a:t>11/7/2022</a:t>
+              <a:t>11/12/2022</a:t>
             </a:fld>
             <a:endParaRPr lang="en-US"/>
           </a:p>
@@ -641,7 +642,7 @@
           <a:p>
             <a:fld id="{AD71D156-9C99-4C3F-ABC3-90060C8B2E82}" type="datetimeFigureOut">
               <a:rPr lang="en-US" smtClean="0"/>
-              <a:t>11/7/2022</a:t>
+              <a:t>11/12/2022</a:t>
             </a:fld>
             <a:endParaRPr lang="en-US"/>
           </a:p>
@@ -841,7 +842,7 @@
           <a:p>
             <a:fld id="{AD71D156-9C99-4C3F-ABC3-90060C8B2E82}" type="datetimeFigureOut">
               <a:rPr lang="en-US" smtClean="0"/>
-              <a:t>11/7/2022</a:t>
+              <a:t>11/12/2022</a:t>
             </a:fld>
             <a:endParaRPr lang="en-US"/>
           </a:p>
@@ -1051,7 +1052,7 @@
           <a:p>
             <a:fld id="{AD71D156-9C99-4C3F-ABC3-90060C8B2E82}" type="datetimeFigureOut">
               <a:rPr lang="en-US" smtClean="0"/>
-              <a:t>11/7/2022</a:t>
+              <a:t>11/12/2022</a:t>
             </a:fld>
             <a:endParaRPr lang="en-US"/>
           </a:p>
@@ -1251,7 +1252,7 @@
           <a:p>
             <a:fld id="{AD71D156-9C99-4C3F-ABC3-90060C8B2E82}" type="datetimeFigureOut">
               <a:rPr lang="en-US" smtClean="0"/>
-              <a:t>11/7/2022</a:t>
+              <a:t>11/12/2022</a:t>
             </a:fld>
             <a:endParaRPr lang="en-US"/>
           </a:p>
@@ -1527,7 +1528,7 @@
           <a:p>
             <a:fld id="{AD71D156-9C99-4C3F-ABC3-90060C8B2E82}" type="datetimeFigureOut">
               <a:rPr lang="en-US" smtClean="0"/>
-              <a:t>11/7/2022</a:t>
+              <a:t>11/12/2022</a:t>
             </a:fld>
             <a:endParaRPr lang="en-US"/>
           </a:p>
@@ -1795,7 +1796,7 @@
           <a:p>
             <a:fld id="{AD71D156-9C99-4C3F-ABC3-90060C8B2E82}" type="datetimeFigureOut">
               <a:rPr lang="en-US" smtClean="0"/>
-              <a:t>11/7/2022</a:t>
+              <a:t>11/12/2022</a:t>
             </a:fld>
             <a:endParaRPr lang="en-US"/>
           </a:p>
@@ -2210,7 +2211,7 @@
           <a:p>
             <a:fld id="{AD71D156-9C99-4C3F-ABC3-90060C8B2E82}" type="datetimeFigureOut">
               <a:rPr lang="en-US" smtClean="0"/>
-              <a:t>11/7/2022</a:t>
+              <a:t>11/12/2022</a:t>
             </a:fld>
             <a:endParaRPr lang="en-US"/>
           </a:p>
@@ -2352,7 +2353,7 @@
           <a:p>
             <a:fld id="{AD71D156-9C99-4C3F-ABC3-90060C8B2E82}" type="datetimeFigureOut">
               <a:rPr lang="en-US" smtClean="0"/>
-              <a:t>11/7/2022</a:t>
+              <a:t>11/12/2022</a:t>
             </a:fld>
             <a:endParaRPr lang="en-US"/>
           </a:p>
@@ -2465,7 +2466,7 @@
           <a:p>
             <a:fld id="{AD71D156-9C99-4C3F-ABC3-90060C8B2E82}" type="datetimeFigureOut">
               <a:rPr lang="en-US" smtClean="0"/>
-              <a:t>11/7/2022</a:t>
+              <a:t>11/12/2022</a:t>
             </a:fld>
             <a:endParaRPr lang="en-US"/>
           </a:p>
@@ -2778,7 +2779,7 @@
           <a:p>
             <a:fld id="{AD71D156-9C99-4C3F-ABC3-90060C8B2E82}" type="datetimeFigureOut">
               <a:rPr lang="en-US" smtClean="0"/>
-              <a:t>11/7/2022</a:t>
+              <a:t>11/12/2022</a:t>
             </a:fld>
             <a:endParaRPr lang="en-US"/>
           </a:p>
@@ -3067,7 +3068,7 @@
           <a:p>
             <a:fld id="{AD71D156-9C99-4C3F-ABC3-90060C8B2E82}" type="datetimeFigureOut">
               <a:rPr lang="en-US" smtClean="0"/>
-              <a:t>11/7/2022</a:t>
+              <a:t>11/12/2022</a:t>
             </a:fld>
             <a:endParaRPr lang="en-US"/>
           </a:p>
@@ -3312,7 +3313,7 @@
             <a:fld id="{AD71D156-9C99-4C3F-ABC3-90060C8B2E82}" type="datetimeFigureOut">
               <a:rPr lang="en-US" smtClean="0"/>
               <a:pPr/>
-              <a:t>11/7/2022</a:t>
+              <a:t>11/12/2022</a:t>
             </a:fld>
             <a:endParaRPr lang="en-US"/>
           </a:p>
@@ -10274,7 +10275,7 @@
             </a:r>
             <a:r>
               <a:rPr lang="en-US" dirty="0"/>
-              <a:t>) open the default system editor to get the message</a:t>
+              <a:t>) open the default system editor for you to write the message</a:t>
             </a:r>
           </a:p>
           <a:p>
@@ -13232,7 +13233,7 @@
             </a:r>
             <a:r>
               <a:rPr lang="en-US" dirty="0"/>
-              <a:t> tell you who did what and when in your file</a:t>
+              <a:t> tell you who did what and when to your files</a:t>
             </a:r>
           </a:p>
         </p:txBody>
@@ -34349,6 +34350,1080 @@
       </p:grpSpPr>
       <p:sp>
         <p:nvSpPr>
+          <p:cNvPr id="3" name="Titre 2">
+            <a:extLst>
+              <a:ext uri="{FF2B5EF4-FFF2-40B4-BE49-F238E27FC236}">
+                <a16:creationId xmlns:a16="http://schemas.microsoft.com/office/drawing/2014/main" id="{30B8EB4A-EA36-471C-B589-536985DE43BE}"/>
+              </a:ext>
+            </a:extLst>
+          </p:cNvPr>
+          <p:cNvSpPr>
+            <a:spLocks noGrp="1"/>
+          </p:cNvSpPr>
+          <p:nvPr>
+            <p:ph type="title"/>
+          </p:nvPr>
+        </p:nvSpPr>
+        <p:spPr/>
+        <p:txBody>
+          <a:bodyPr/>
+          <a:lstStyle/>
+          <a:p>
+            <a:r>
+              <a:rPr lang="en-US" dirty="0"/>
+              <a:t>There a two ways to </a:t>
+            </a:r>
+            <a:r>
+              <a:rPr lang="en-US" dirty="0" err="1"/>
+              <a:t>init</a:t>
+            </a:r>
+            <a:r>
+              <a:rPr lang="en-US" dirty="0"/>
+              <a:t> a remote repo</a:t>
+            </a:r>
+          </a:p>
+        </p:txBody>
+      </p:sp>
+      <p:sp>
+        <p:nvSpPr>
+          <p:cNvPr id="4" name="Espace réservé du contenu 3">
+            <a:extLst>
+              <a:ext uri="{FF2B5EF4-FFF2-40B4-BE49-F238E27FC236}">
+                <a16:creationId xmlns:a16="http://schemas.microsoft.com/office/drawing/2014/main" id="{C0F990D0-2E34-4B1B-833F-C2CA43841EE3}"/>
+              </a:ext>
+            </a:extLst>
+          </p:cNvPr>
+          <p:cNvSpPr>
+            <a:spLocks noGrp="1"/>
+          </p:cNvSpPr>
+          <p:nvPr>
+            <p:ph sz="half" idx="1"/>
+          </p:nvPr>
+        </p:nvSpPr>
+        <p:spPr/>
+        <p:txBody>
+          <a:bodyPr/>
+          <a:lstStyle/>
+          <a:p>
+            <a:pPr marL="514350" indent="-514350">
+              <a:buAutoNum type="alphaUcPeriod"/>
+            </a:pPr>
+            <a:r>
+              <a:rPr lang="en-US" dirty="0"/>
+              <a:t>Remote first</a:t>
+            </a:r>
+          </a:p>
+          <a:p>
+            <a:pPr marL="914400" lvl="1" indent="-457200">
+              <a:buAutoNum type="arabicPeriod"/>
+            </a:pPr>
+            <a:r>
+              <a:rPr lang="en-US" dirty="0"/>
+              <a:t>Create the remote</a:t>
+            </a:r>
+          </a:p>
+          <a:p>
+            <a:pPr marL="914400" lvl="1" indent="-457200">
+              <a:buAutoNum type="arabicPeriod"/>
+            </a:pPr>
+            <a:r>
+              <a:rPr lang="en-US" dirty="0">
+                <a:solidFill>
+                  <a:schemeClr val="accent1">
+                    <a:lumMod val="50000"/>
+                  </a:schemeClr>
+                </a:solidFill>
+                <a:latin typeface="JuliaMono" panose="020B0609060300020004" pitchFamily="49" charset="0"/>
+                <a:ea typeface="JuliaMono" panose="020B0609060300020004" pitchFamily="49" charset="0"/>
+                <a:cs typeface="JuliaMono" panose="020B0609060300020004" pitchFamily="49" charset="0"/>
+              </a:rPr>
+              <a:t>clone </a:t>
+            </a:r>
+            <a:r>
+              <a:rPr lang="en-US" dirty="0"/>
+              <a:t>it locally</a:t>
+            </a:r>
+          </a:p>
+          <a:p>
+            <a:pPr marL="914400" lvl="1" indent="-457200">
+              <a:buAutoNum type="arabicPeriod"/>
+            </a:pPr>
+            <a:r>
+              <a:rPr lang="en-US" dirty="0"/>
+              <a:t>Put everything in the local repo</a:t>
+            </a:r>
+          </a:p>
+          <a:p>
+            <a:pPr marL="914400" lvl="1" indent="-457200">
+              <a:buAutoNum type="arabicPeriod"/>
+            </a:pPr>
+            <a:r>
+              <a:rPr lang="en-US" dirty="0">
+                <a:solidFill>
+                  <a:schemeClr val="accent1">
+                    <a:lumMod val="50000"/>
+                  </a:schemeClr>
+                </a:solidFill>
+                <a:latin typeface="JuliaMono" panose="020B0609060300020004" pitchFamily="49" charset="0"/>
+                <a:ea typeface="JuliaMono" panose="020B0609060300020004" pitchFamily="49" charset="0"/>
+                <a:cs typeface="JuliaMono" panose="020B0609060300020004" pitchFamily="49" charset="0"/>
+              </a:rPr>
+              <a:t>push </a:t>
+            </a:r>
+            <a:r>
+              <a:rPr lang="en-US" dirty="0"/>
+              <a:t>everything to the remote</a:t>
+            </a:r>
+          </a:p>
+        </p:txBody>
+      </p:sp>
+      <p:sp>
+        <p:nvSpPr>
+          <p:cNvPr id="5" name="Espace réservé du contenu 4">
+            <a:extLst>
+              <a:ext uri="{FF2B5EF4-FFF2-40B4-BE49-F238E27FC236}">
+                <a16:creationId xmlns:a16="http://schemas.microsoft.com/office/drawing/2014/main" id="{7505D2FD-7A4A-4A7B-9E7C-E0441F7225D2}"/>
+              </a:ext>
+            </a:extLst>
+          </p:cNvPr>
+          <p:cNvSpPr>
+            <a:spLocks noGrp="1"/>
+          </p:cNvSpPr>
+          <p:nvPr>
+            <p:ph sz="half" idx="2"/>
+          </p:nvPr>
+        </p:nvSpPr>
+        <p:spPr/>
+        <p:txBody>
+          <a:bodyPr/>
+          <a:lstStyle/>
+          <a:p>
+            <a:pPr marL="0" indent="0">
+              <a:buNone/>
+            </a:pPr>
+            <a:r>
+              <a:rPr lang="en-US" dirty="0"/>
+              <a:t>B. Local first</a:t>
+            </a:r>
+          </a:p>
+          <a:p>
+            <a:pPr marL="914400" lvl="1" indent="-457200">
+              <a:buAutoNum type="arabicPeriod"/>
+            </a:pPr>
+            <a:r>
+              <a:rPr lang="en-US" dirty="0" err="1">
+                <a:solidFill>
+                  <a:schemeClr val="accent1">
+                    <a:lumMod val="50000"/>
+                  </a:schemeClr>
+                </a:solidFill>
+                <a:latin typeface="JuliaMono" panose="020B0609060300020004" pitchFamily="49" charset="0"/>
+                <a:ea typeface="JuliaMono" panose="020B0609060300020004" pitchFamily="49" charset="0"/>
+                <a:cs typeface="JuliaMono" panose="020B0609060300020004" pitchFamily="49" charset="0"/>
+              </a:rPr>
+              <a:t>init</a:t>
+            </a:r>
+            <a:r>
+              <a:rPr lang="en-US" dirty="0">
+                <a:solidFill>
+                  <a:schemeClr val="accent1">
+                    <a:lumMod val="50000"/>
+                  </a:schemeClr>
+                </a:solidFill>
+                <a:latin typeface="JuliaMono" panose="020B0609060300020004" pitchFamily="49" charset="0"/>
+                <a:ea typeface="JuliaMono" panose="020B0609060300020004" pitchFamily="49" charset="0"/>
+                <a:cs typeface="JuliaMono" panose="020B0609060300020004" pitchFamily="49" charset="0"/>
+              </a:rPr>
+              <a:t> </a:t>
+            </a:r>
+            <a:r>
+              <a:rPr lang="en-US" dirty="0"/>
+              <a:t>a local repository</a:t>
+            </a:r>
+          </a:p>
+          <a:p>
+            <a:pPr marL="914400" lvl="1" indent="-457200">
+              <a:buAutoNum type="arabicPeriod"/>
+            </a:pPr>
+            <a:r>
+              <a:rPr lang="en-US" dirty="0"/>
+              <a:t>Create a remote</a:t>
+            </a:r>
+          </a:p>
+          <a:p>
+            <a:pPr marL="914400" lvl="1" indent="-457200">
+              <a:buAutoNum type="arabicPeriod"/>
+            </a:pPr>
+            <a:r>
+              <a:rPr lang="en-US" dirty="0"/>
+              <a:t>Add the remote to the local with </a:t>
+            </a:r>
+            <a:r>
+              <a:rPr lang="en-US" dirty="0">
+                <a:solidFill>
+                  <a:schemeClr val="accent1">
+                    <a:lumMod val="50000"/>
+                  </a:schemeClr>
+                </a:solidFill>
+                <a:latin typeface="JuliaMono" panose="020B0609060300020004" pitchFamily="49" charset="0"/>
+                <a:ea typeface="JuliaMono" panose="020B0609060300020004" pitchFamily="49" charset="0"/>
+                <a:cs typeface="JuliaMono" panose="020B0609060300020004" pitchFamily="49" charset="0"/>
+              </a:rPr>
+              <a:t>git remote add</a:t>
+            </a:r>
+          </a:p>
+          <a:p>
+            <a:pPr marL="914400" lvl="1" indent="-457200">
+              <a:buAutoNum type="arabicPeriod"/>
+            </a:pPr>
+            <a:r>
+              <a:rPr lang="en-US" dirty="0"/>
+              <a:t>Force push with 	           </a:t>
+            </a:r>
+            <a:r>
+              <a:rPr lang="en-US" dirty="0">
+                <a:solidFill>
+                  <a:schemeClr val="accent1">
+                    <a:lumMod val="50000"/>
+                  </a:schemeClr>
+                </a:solidFill>
+                <a:latin typeface="JuliaMono" panose="020B0609060300020004" pitchFamily="49" charset="0"/>
+                <a:ea typeface="JuliaMono" panose="020B0609060300020004" pitchFamily="49" charset="0"/>
+                <a:cs typeface="JuliaMono" panose="020B0609060300020004" pitchFamily="49" charset="0"/>
+              </a:rPr>
+              <a:t>git push –force</a:t>
+            </a:r>
+            <a:endParaRPr lang="en-US" dirty="0"/>
+          </a:p>
+        </p:txBody>
+      </p:sp>
+      <p:sp>
+        <p:nvSpPr>
+          <p:cNvPr id="6" name="Espace réservé du contenu 11">
+            <a:extLst>
+              <a:ext uri="{FF2B5EF4-FFF2-40B4-BE49-F238E27FC236}">
+                <a16:creationId xmlns:a16="http://schemas.microsoft.com/office/drawing/2014/main" id="{45ACAD60-0E4B-4E34-8819-46A78B758656}"/>
+              </a:ext>
+            </a:extLst>
+          </p:cNvPr>
+          <p:cNvSpPr txBox="1">
+            <a:spLocks/>
+          </p:cNvSpPr>
+          <p:nvPr/>
+        </p:nvSpPr>
+        <p:spPr>
+          <a:xfrm>
+            <a:off x="6172200" y="4634158"/>
+            <a:ext cx="5565373" cy="1918327"/>
+          </a:xfrm>
+          <a:prstGeom prst="roundRect">
+            <a:avLst/>
+          </a:prstGeom>
+          <a:solidFill>
+            <a:schemeClr val="accent2">
+              <a:lumMod val="20000"/>
+              <a:lumOff val="80000"/>
+            </a:schemeClr>
+          </a:solidFill>
+          <a:ln w="38100">
+            <a:solidFill>
+              <a:schemeClr val="accent2">
+                <a:lumMod val="50000"/>
+              </a:schemeClr>
+            </a:solidFill>
+          </a:ln>
+        </p:spPr>
+        <p:txBody>
+          <a:bodyPr vert="horz" lIns="91440" tIns="45720" rIns="91440" bIns="45720" rtlCol="0">
+            <a:noAutofit/>
+          </a:bodyPr>
+          <a:lstStyle>
+            <a:lvl1pPr marL="228600" indent="-228600" algn="l" defTabSz="914400" rtl="0" eaLnBrk="1" latinLnBrk="0" hangingPunct="1">
+              <a:lnSpc>
+                <a:spcPct val="90000"/>
+              </a:lnSpc>
+              <a:spcBef>
+                <a:spcPts val="1000"/>
+              </a:spcBef>
+              <a:buFont typeface="Arial" panose="020B0604020202020204" pitchFamily="34" charset="0"/>
+              <a:buChar char="•"/>
+              <a:defRPr sz="2800" kern="1200">
+                <a:solidFill>
+                  <a:schemeClr val="tx1"/>
+                </a:solidFill>
+                <a:latin typeface="Palatino Linotype" panose="02040502050505030304" pitchFamily="18" charset="0"/>
+                <a:ea typeface="+mn-ea"/>
+                <a:cs typeface="+mn-cs"/>
+              </a:defRPr>
+            </a:lvl1pPr>
+            <a:lvl2pPr marL="685800" indent="-228600" algn="l" defTabSz="914400" rtl="0" eaLnBrk="1" latinLnBrk="0" hangingPunct="1">
+              <a:lnSpc>
+                <a:spcPct val="90000"/>
+              </a:lnSpc>
+              <a:spcBef>
+                <a:spcPts val="500"/>
+              </a:spcBef>
+              <a:buFont typeface="Arial" panose="020B0604020202020204" pitchFamily="34" charset="0"/>
+              <a:buChar char="•"/>
+              <a:defRPr sz="2400" kern="1200">
+                <a:solidFill>
+                  <a:schemeClr val="tx1"/>
+                </a:solidFill>
+                <a:latin typeface="Palatino Linotype" panose="02040502050505030304" pitchFamily="18" charset="0"/>
+                <a:ea typeface="+mn-ea"/>
+                <a:cs typeface="+mn-cs"/>
+              </a:defRPr>
+            </a:lvl2pPr>
+            <a:lvl3pPr marL="1143000" indent="-228600" algn="l" defTabSz="914400" rtl="0" eaLnBrk="1" latinLnBrk="0" hangingPunct="1">
+              <a:lnSpc>
+                <a:spcPct val="90000"/>
+              </a:lnSpc>
+              <a:spcBef>
+                <a:spcPts val="500"/>
+              </a:spcBef>
+              <a:buFont typeface="Arial" panose="020B0604020202020204" pitchFamily="34" charset="0"/>
+              <a:buChar char="•"/>
+              <a:defRPr sz="2000" kern="1200">
+                <a:solidFill>
+                  <a:schemeClr val="tx1"/>
+                </a:solidFill>
+                <a:latin typeface="Palatino Linotype" panose="02040502050505030304" pitchFamily="18" charset="0"/>
+                <a:ea typeface="+mn-ea"/>
+                <a:cs typeface="+mn-cs"/>
+              </a:defRPr>
+            </a:lvl3pPr>
+            <a:lvl4pPr marL="1600200" indent="-228600" algn="l" defTabSz="914400" rtl="0" eaLnBrk="1" latinLnBrk="0" hangingPunct="1">
+              <a:lnSpc>
+                <a:spcPct val="90000"/>
+              </a:lnSpc>
+              <a:spcBef>
+                <a:spcPts val="500"/>
+              </a:spcBef>
+              <a:buFont typeface="Arial" panose="020B0604020202020204" pitchFamily="34" charset="0"/>
+              <a:buChar char="•"/>
+              <a:defRPr sz="1800" kern="1200">
+                <a:solidFill>
+                  <a:schemeClr val="tx1"/>
+                </a:solidFill>
+                <a:latin typeface="Palatino Linotype" panose="02040502050505030304" pitchFamily="18" charset="0"/>
+                <a:ea typeface="+mn-ea"/>
+                <a:cs typeface="+mn-cs"/>
+              </a:defRPr>
+            </a:lvl4pPr>
+            <a:lvl5pPr marL="2057400" indent="-228600" algn="l" defTabSz="914400" rtl="0" eaLnBrk="1" latinLnBrk="0" hangingPunct="1">
+              <a:lnSpc>
+                <a:spcPct val="90000"/>
+              </a:lnSpc>
+              <a:spcBef>
+                <a:spcPts val="500"/>
+              </a:spcBef>
+              <a:buFont typeface="Arial" panose="020B0604020202020204" pitchFamily="34" charset="0"/>
+              <a:buChar char="•"/>
+              <a:defRPr sz="1800" kern="1200">
+                <a:solidFill>
+                  <a:schemeClr val="tx1"/>
+                </a:solidFill>
+                <a:latin typeface="Palatino Linotype" panose="02040502050505030304" pitchFamily="18" charset="0"/>
+                <a:ea typeface="+mn-ea"/>
+                <a:cs typeface="+mn-cs"/>
+              </a:defRPr>
+            </a:lvl5pPr>
+            <a:lvl6pPr marL="2514600" indent="-228600" algn="l" defTabSz="914400" rtl="0" eaLnBrk="1" latinLnBrk="0" hangingPunct="1">
+              <a:lnSpc>
+                <a:spcPct val="90000"/>
+              </a:lnSpc>
+              <a:spcBef>
+                <a:spcPts val="500"/>
+              </a:spcBef>
+              <a:buFont typeface="Arial" panose="020B0604020202020204" pitchFamily="34" charset="0"/>
+              <a:buChar char="•"/>
+              <a:defRPr sz="1800" kern="1200">
+                <a:solidFill>
+                  <a:schemeClr val="tx1"/>
+                </a:solidFill>
+                <a:latin typeface="+mn-lt"/>
+                <a:ea typeface="+mn-ea"/>
+                <a:cs typeface="+mn-cs"/>
+              </a:defRPr>
+            </a:lvl6pPr>
+            <a:lvl7pPr marL="2971800" indent="-228600" algn="l" defTabSz="914400" rtl="0" eaLnBrk="1" latinLnBrk="0" hangingPunct="1">
+              <a:lnSpc>
+                <a:spcPct val="90000"/>
+              </a:lnSpc>
+              <a:spcBef>
+                <a:spcPts val="500"/>
+              </a:spcBef>
+              <a:buFont typeface="Arial" panose="020B0604020202020204" pitchFamily="34" charset="0"/>
+              <a:buChar char="•"/>
+              <a:defRPr sz="1800" kern="1200">
+                <a:solidFill>
+                  <a:schemeClr val="tx1"/>
+                </a:solidFill>
+                <a:latin typeface="+mn-lt"/>
+                <a:ea typeface="+mn-ea"/>
+                <a:cs typeface="+mn-cs"/>
+              </a:defRPr>
+            </a:lvl7pPr>
+            <a:lvl8pPr marL="3429000" indent="-228600" algn="l" defTabSz="914400" rtl="0" eaLnBrk="1" latinLnBrk="0" hangingPunct="1">
+              <a:lnSpc>
+                <a:spcPct val="90000"/>
+              </a:lnSpc>
+              <a:spcBef>
+                <a:spcPts val="500"/>
+              </a:spcBef>
+              <a:buFont typeface="Arial" panose="020B0604020202020204" pitchFamily="34" charset="0"/>
+              <a:buChar char="•"/>
+              <a:defRPr sz="1800" kern="1200">
+                <a:solidFill>
+                  <a:schemeClr val="tx1"/>
+                </a:solidFill>
+                <a:latin typeface="+mn-lt"/>
+                <a:ea typeface="+mn-ea"/>
+                <a:cs typeface="+mn-cs"/>
+              </a:defRPr>
+            </a:lvl8pPr>
+            <a:lvl9pPr marL="3886200" indent="-228600" algn="l" defTabSz="914400" rtl="0" eaLnBrk="1" latinLnBrk="0" hangingPunct="1">
+              <a:lnSpc>
+                <a:spcPct val="90000"/>
+              </a:lnSpc>
+              <a:spcBef>
+                <a:spcPts val="500"/>
+              </a:spcBef>
+              <a:buFont typeface="Arial" panose="020B0604020202020204" pitchFamily="34" charset="0"/>
+              <a:buChar char="•"/>
+              <a:defRPr sz="1800" kern="1200">
+                <a:solidFill>
+                  <a:schemeClr val="tx1"/>
+                </a:solidFill>
+                <a:latin typeface="+mn-lt"/>
+                <a:ea typeface="+mn-ea"/>
+                <a:cs typeface="+mn-cs"/>
+              </a:defRPr>
+            </a:lvl9pPr>
+          </a:lstStyle>
+          <a:p>
+            <a:pPr marL="0" indent="0">
+              <a:buNone/>
+            </a:pPr>
+            <a:r>
+              <a:rPr lang="en-US" sz="2400" b="1" dirty="0"/>
+              <a:t>Warning</a:t>
+            </a:r>
+          </a:p>
+          <a:p>
+            <a:pPr marL="0" indent="0">
+              <a:buNone/>
+            </a:pPr>
+            <a:r>
+              <a:rPr lang="en-US" sz="2400" dirty="0"/>
+              <a:t>Force push rewrite the history.</a:t>
+            </a:r>
+          </a:p>
+          <a:p>
+            <a:pPr marL="0" indent="0">
+              <a:buNone/>
+            </a:pPr>
+            <a:r>
+              <a:rPr lang="en-US" sz="2400" dirty="0"/>
+              <a:t>It is one of the </a:t>
+            </a:r>
+            <a:r>
+              <a:rPr lang="en-US" sz="2400"/>
+              <a:t>few ways </a:t>
+            </a:r>
+            <a:r>
+              <a:rPr lang="en-US" sz="2400" dirty="0"/>
+              <a:t>to permanently lose information with git</a:t>
+            </a:r>
+          </a:p>
+        </p:txBody>
+      </p:sp>
+    </p:spTree>
+    <p:extLst>
+      <p:ext uri="{BB962C8B-B14F-4D97-AF65-F5344CB8AC3E}">
+        <p14:creationId xmlns:p14="http://schemas.microsoft.com/office/powerpoint/2010/main" val="3705518740"/>
+      </p:ext>
+    </p:extLst>
+  </p:cSld>
+  <p:clrMapOvr>
+    <a:masterClrMapping/>
+  </p:clrMapOvr>
+  <p:timing>
+    <p:tnLst>
+      <p:par>
+        <p:cTn id="1" dur="indefinite" restart="never" nodeType="tmRoot">
+          <p:childTnLst>
+            <p:seq concurrent="1" nextAc="seek">
+              <p:cTn id="2" dur="indefinite" nodeType="mainSeq">
+                <p:childTnLst>
+                  <p:par>
+                    <p:cTn id="3" fill="hold">
+                      <p:stCondLst>
+                        <p:cond delay="indefinite"/>
+                      </p:stCondLst>
+                      <p:childTnLst>
+                        <p:par>
+                          <p:cTn id="4" fill="hold">
+                            <p:stCondLst>
+                              <p:cond delay="0"/>
+                            </p:stCondLst>
+                            <p:childTnLst>
+                              <p:par>
+                                <p:cTn id="5" presetID="10" presetClass="entr" presetSubtype="0" fill="hold" grpId="0" nodeType="clickEffect">
+                                  <p:stCondLst>
+                                    <p:cond delay="0"/>
+                                  </p:stCondLst>
+                                  <p:childTnLst>
+                                    <p:set>
+                                      <p:cBhvr>
+                                        <p:cTn id="6" dur="1" fill="hold">
+                                          <p:stCondLst>
+                                            <p:cond delay="0"/>
+                                          </p:stCondLst>
+                                        </p:cTn>
+                                        <p:tgtEl>
+                                          <p:spTgt spid="4">
+                                            <p:txEl>
+                                              <p:pRg st="0" end="0"/>
+                                            </p:txEl>
+                                          </p:spTgt>
+                                        </p:tgtEl>
+                                        <p:attrNameLst>
+                                          <p:attrName>style.visibility</p:attrName>
+                                        </p:attrNameLst>
+                                      </p:cBhvr>
+                                      <p:to>
+                                        <p:strVal val="visible"/>
+                                      </p:to>
+                                    </p:set>
+                                    <p:animEffect transition="in" filter="fade">
+                                      <p:cBhvr>
+                                        <p:cTn id="7" dur="500"/>
+                                        <p:tgtEl>
+                                          <p:spTgt spid="4">
+                                            <p:txEl>
+                                              <p:pRg st="0" end="0"/>
+                                            </p:txEl>
+                                          </p:spTgt>
+                                        </p:tgtEl>
+                                      </p:cBhvr>
+                                    </p:animEffect>
+                                  </p:childTnLst>
+                                </p:cTn>
+                              </p:par>
+                              <p:par>
+                                <p:cTn id="8" presetID="10" presetClass="entr" presetSubtype="0" fill="hold" grpId="0" nodeType="withEffect">
+                                  <p:stCondLst>
+                                    <p:cond delay="0"/>
+                                  </p:stCondLst>
+                                  <p:childTnLst>
+                                    <p:set>
+                                      <p:cBhvr>
+                                        <p:cTn id="9" dur="1" fill="hold">
+                                          <p:stCondLst>
+                                            <p:cond delay="0"/>
+                                          </p:stCondLst>
+                                        </p:cTn>
+                                        <p:tgtEl>
+                                          <p:spTgt spid="4">
+                                            <p:txEl>
+                                              <p:pRg st="1" end="1"/>
+                                            </p:txEl>
+                                          </p:spTgt>
+                                        </p:tgtEl>
+                                        <p:attrNameLst>
+                                          <p:attrName>style.visibility</p:attrName>
+                                        </p:attrNameLst>
+                                      </p:cBhvr>
+                                      <p:to>
+                                        <p:strVal val="visible"/>
+                                      </p:to>
+                                    </p:set>
+                                    <p:animEffect transition="in" filter="fade">
+                                      <p:cBhvr>
+                                        <p:cTn id="10" dur="500"/>
+                                        <p:tgtEl>
+                                          <p:spTgt spid="4">
+                                            <p:txEl>
+                                              <p:pRg st="1" end="1"/>
+                                            </p:txEl>
+                                          </p:spTgt>
+                                        </p:tgtEl>
+                                      </p:cBhvr>
+                                    </p:animEffect>
+                                  </p:childTnLst>
+                                </p:cTn>
+                              </p:par>
+                              <p:par>
+                                <p:cTn id="11" presetID="10" presetClass="entr" presetSubtype="0" fill="hold" grpId="0" nodeType="withEffect">
+                                  <p:stCondLst>
+                                    <p:cond delay="0"/>
+                                  </p:stCondLst>
+                                  <p:childTnLst>
+                                    <p:set>
+                                      <p:cBhvr>
+                                        <p:cTn id="12" dur="1" fill="hold">
+                                          <p:stCondLst>
+                                            <p:cond delay="0"/>
+                                          </p:stCondLst>
+                                        </p:cTn>
+                                        <p:tgtEl>
+                                          <p:spTgt spid="4">
+                                            <p:txEl>
+                                              <p:pRg st="2" end="2"/>
+                                            </p:txEl>
+                                          </p:spTgt>
+                                        </p:tgtEl>
+                                        <p:attrNameLst>
+                                          <p:attrName>style.visibility</p:attrName>
+                                        </p:attrNameLst>
+                                      </p:cBhvr>
+                                      <p:to>
+                                        <p:strVal val="visible"/>
+                                      </p:to>
+                                    </p:set>
+                                    <p:animEffect transition="in" filter="fade">
+                                      <p:cBhvr>
+                                        <p:cTn id="13" dur="500"/>
+                                        <p:tgtEl>
+                                          <p:spTgt spid="4">
+                                            <p:txEl>
+                                              <p:pRg st="2" end="2"/>
+                                            </p:txEl>
+                                          </p:spTgt>
+                                        </p:tgtEl>
+                                      </p:cBhvr>
+                                    </p:animEffect>
+                                  </p:childTnLst>
+                                </p:cTn>
+                              </p:par>
+                              <p:par>
+                                <p:cTn id="14" presetID="10" presetClass="entr" presetSubtype="0" fill="hold" grpId="0" nodeType="withEffect">
+                                  <p:stCondLst>
+                                    <p:cond delay="0"/>
+                                  </p:stCondLst>
+                                  <p:childTnLst>
+                                    <p:set>
+                                      <p:cBhvr>
+                                        <p:cTn id="15" dur="1" fill="hold">
+                                          <p:stCondLst>
+                                            <p:cond delay="0"/>
+                                          </p:stCondLst>
+                                        </p:cTn>
+                                        <p:tgtEl>
+                                          <p:spTgt spid="4">
+                                            <p:txEl>
+                                              <p:pRg st="3" end="3"/>
+                                            </p:txEl>
+                                          </p:spTgt>
+                                        </p:tgtEl>
+                                        <p:attrNameLst>
+                                          <p:attrName>style.visibility</p:attrName>
+                                        </p:attrNameLst>
+                                      </p:cBhvr>
+                                      <p:to>
+                                        <p:strVal val="visible"/>
+                                      </p:to>
+                                    </p:set>
+                                    <p:animEffect transition="in" filter="fade">
+                                      <p:cBhvr>
+                                        <p:cTn id="16" dur="500"/>
+                                        <p:tgtEl>
+                                          <p:spTgt spid="4">
+                                            <p:txEl>
+                                              <p:pRg st="3" end="3"/>
+                                            </p:txEl>
+                                          </p:spTgt>
+                                        </p:tgtEl>
+                                      </p:cBhvr>
+                                    </p:animEffect>
+                                  </p:childTnLst>
+                                </p:cTn>
+                              </p:par>
+                              <p:par>
+                                <p:cTn id="17" presetID="10" presetClass="entr" presetSubtype="0" fill="hold" grpId="0" nodeType="withEffect">
+                                  <p:stCondLst>
+                                    <p:cond delay="0"/>
+                                  </p:stCondLst>
+                                  <p:childTnLst>
+                                    <p:set>
+                                      <p:cBhvr>
+                                        <p:cTn id="18" dur="1" fill="hold">
+                                          <p:stCondLst>
+                                            <p:cond delay="0"/>
+                                          </p:stCondLst>
+                                        </p:cTn>
+                                        <p:tgtEl>
+                                          <p:spTgt spid="4">
+                                            <p:txEl>
+                                              <p:pRg st="4" end="4"/>
+                                            </p:txEl>
+                                          </p:spTgt>
+                                        </p:tgtEl>
+                                        <p:attrNameLst>
+                                          <p:attrName>style.visibility</p:attrName>
+                                        </p:attrNameLst>
+                                      </p:cBhvr>
+                                      <p:to>
+                                        <p:strVal val="visible"/>
+                                      </p:to>
+                                    </p:set>
+                                    <p:animEffect transition="in" filter="fade">
+                                      <p:cBhvr>
+                                        <p:cTn id="19" dur="500"/>
+                                        <p:tgtEl>
+                                          <p:spTgt spid="4">
+                                            <p:txEl>
+                                              <p:pRg st="4" end="4"/>
+                                            </p:txEl>
+                                          </p:spTgt>
+                                        </p:tgtEl>
+                                      </p:cBhvr>
+                                    </p:animEffect>
+                                  </p:childTnLst>
+                                </p:cTn>
+                              </p:par>
+                            </p:childTnLst>
+                          </p:cTn>
+                        </p:par>
+                      </p:childTnLst>
+                    </p:cTn>
+                  </p:par>
+                  <p:par>
+                    <p:cTn id="20" fill="hold">
+                      <p:stCondLst>
+                        <p:cond delay="indefinite"/>
+                      </p:stCondLst>
+                      <p:childTnLst>
+                        <p:par>
+                          <p:cTn id="21" fill="hold">
+                            <p:stCondLst>
+                              <p:cond delay="0"/>
+                            </p:stCondLst>
+                            <p:childTnLst>
+                              <p:par>
+                                <p:cTn id="22" presetID="10" presetClass="entr" presetSubtype="0" fill="hold" grpId="0" nodeType="clickEffect">
+                                  <p:stCondLst>
+                                    <p:cond delay="0"/>
+                                  </p:stCondLst>
+                                  <p:childTnLst>
+                                    <p:set>
+                                      <p:cBhvr>
+                                        <p:cTn id="23" dur="1" fill="hold">
+                                          <p:stCondLst>
+                                            <p:cond delay="0"/>
+                                          </p:stCondLst>
+                                        </p:cTn>
+                                        <p:tgtEl>
+                                          <p:spTgt spid="5">
+                                            <p:txEl>
+                                              <p:pRg st="0" end="0"/>
+                                            </p:txEl>
+                                          </p:spTgt>
+                                        </p:tgtEl>
+                                        <p:attrNameLst>
+                                          <p:attrName>style.visibility</p:attrName>
+                                        </p:attrNameLst>
+                                      </p:cBhvr>
+                                      <p:to>
+                                        <p:strVal val="visible"/>
+                                      </p:to>
+                                    </p:set>
+                                    <p:animEffect transition="in" filter="fade">
+                                      <p:cBhvr>
+                                        <p:cTn id="24" dur="500"/>
+                                        <p:tgtEl>
+                                          <p:spTgt spid="5">
+                                            <p:txEl>
+                                              <p:pRg st="0" end="0"/>
+                                            </p:txEl>
+                                          </p:spTgt>
+                                        </p:tgtEl>
+                                      </p:cBhvr>
+                                    </p:animEffect>
+                                  </p:childTnLst>
+                                </p:cTn>
+                              </p:par>
+                              <p:par>
+                                <p:cTn id="25" presetID="10" presetClass="entr" presetSubtype="0" fill="hold" grpId="0" nodeType="withEffect">
+                                  <p:stCondLst>
+                                    <p:cond delay="0"/>
+                                  </p:stCondLst>
+                                  <p:childTnLst>
+                                    <p:set>
+                                      <p:cBhvr>
+                                        <p:cTn id="26" dur="1" fill="hold">
+                                          <p:stCondLst>
+                                            <p:cond delay="0"/>
+                                          </p:stCondLst>
+                                        </p:cTn>
+                                        <p:tgtEl>
+                                          <p:spTgt spid="5">
+                                            <p:txEl>
+                                              <p:pRg st="1" end="1"/>
+                                            </p:txEl>
+                                          </p:spTgt>
+                                        </p:tgtEl>
+                                        <p:attrNameLst>
+                                          <p:attrName>style.visibility</p:attrName>
+                                        </p:attrNameLst>
+                                      </p:cBhvr>
+                                      <p:to>
+                                        <p:strVal val="visible"/>
+                                      </p:to>
+                                    </p:set>
+                                    <p:animEffect transition="in" filter="fade">
+                                      <p:cBhvr>
+                                        <p:cTn id="27" dur="500"/>
+                                        <p:tgtEl>
+                                          <p:spTgt spid="5">
+                                            <p:txEl>
+                                              <p:pRg st="1" end="1"/>
+                                            </p:txEl>
+                                          </p:spTgt>
+                                        </p:tgtEl>
+                                      </p:cBhvr>
+                                    </p:animEffect>
+                                  </p:childTnLst>
+                                </p:cTn>
+                              </p:par>
+                              <p:par>
+                                <p:cTn id="28" presetID="10" presetClass="entr" presetSubtype="0" fill="hold" grpId="0" nodeType="withEffect">
+                                  <p:stCondLst>
+                                    <p:cond delay="0"/>
+                                  </p:stCondLst>
+                                  <p:childTnLst>
+                                    <p:set>
+                                      <p:cBhvr>
+                                        <p:cTn id="29" dur="1" fill="hold">
+                                          <p:stCondLst>
+                                            <p:cond delay="0"/>
+                                          </p:stCondLst>
+                                        </p:cTn>
+                                        <p:tgtEl>
+                                          <p:spTgt spid="5">
+                                            <p:txEl>
+                                              <p:pRg st="2" end="2"/>
+                                            </p:txEl>
+                                          </p:spTgt>
+                                        </p:tgtEl>
+                                        <p:attrNameLst>
+                                          <p:attrName>style.visibility</p:attrName>
+                                        </p:attrNameLst>
+                                      </p:cBhvr>
+                                      <p:to>
+                                        <p:strVal val="visible"/>
+                                      </p:to>
+                                    </p:set>
+                                    <p:animEffect transition="in" filter="fade">
+                                      <p:cBhvr>
+                                        <p:cTn id="30" dur="500"/>
+                                        <p:tgtEl>
+                                          <p:spTgt spid="5">
+                                            <p:txEl>
+                                              <p:pRg st="2" end="2"/>
+                                            </p:txEl>
+                                          </p:spTgt>
+                                        </p:tgtEl>
+                                      </p:cBhvr>
+                                    </p:animEffect>
+                                  </p:childTnLst>
+                                </p:cTn>
+                              </p:par>
+                              <p:par>
+                                <p:cTn id="31" presetID="10" presetClass="entr" presetSubtype="0" fill="hold" grpId="0" nodeType="withEffect">
+                                  <p:stCondLst>
+                                    <p:cond delay="0"/>
+                                  </p:stCondLst>
+                                  <p:childTnLst>
+                                    <p:set>
+                                      <p:cBhvr>
+                                        <p:cTn id="32" dur="1" fill="hold">
+                                          <p:stCondLst>
+                                            <p:cond delay="0"/>
+                                          </p:stCondLst>
+                                        </p:cTn>
+                                        <p:tgtEl>
+                                          <p:spTgt spid="5">
+                                            <p:txEl>
+                                              <p:pRg st="3" end="3"/>
+                                            </p:txEl>
+                                          </p:spTgt>
+                                        </p:tgtEl>
+                                        <p:attrNameLst>
+                                          <p:attrName>style.visibility</p:attrName>
+                                        </p:attrNameLst>
+                                      </p:cBhvr>
+                                      <p:to>
+                                        <p:strVal val="visible"/>
+                                      </p:to>
+                                    </p:set>
+                                    <p:animEffect transition="in" filter="fade">
+                                      <p:cBhvr>
+                                        <p:cTn id="33" dur="500"/>
+                                        <p:tgtEl>
+                                          <p:spTgt spid="5">
+                                            <p:txEl>
+                                              <p:pRg st="3" end="3"/>
+                                            </p:txEl>
+                                          </p:spTgt>
+                                        </p:tgtEl>
+                                      </p:cBhvr>
+                                    </p:animEffect>
+                                  </p:childTnLst>
+                                </p:cTn>
+                              </p:par>
+                              <p:par>
+                                <p:cTn id="34" presetID="10" presetClass="entr" presetSubtype="0" fill="hold" grpId="0" nodeType="withEffect">
+                                  <p:stCondLst>
+                                    <p:cond delay="0"/>
+                                  </p:stCondLst>
+                                  <p:childTnLst>
+                                    <p:set>
+                                      <p:cBhvr>
+                                        <p:cTn id="35" dur="1" fill="hold">
+                                          <p:stCondLst>
+                                            <p:cond delay="0"/>
+                                          </p:stCondLst>
+                                        </p:cTn>
+                                        <p:tgtEl>
+                                          <p:spTgt spid="5">
+                                            <p:txEl>
+                                              <p:pRg st="4" end="4"/>
+                                            </p:txEl>
+                                          </p:spTgt>
+                                        </p:tgtEl>
+                                        <p:attrNameLst>
+                                          <p:attrName>style.visibility</p:attrName>
+                                        </p:attrNameLst>
+                                      </p:cBhvr>
+                                      <p:to>
+                                        <p:strVal val="visible"/>
+                                      </p:to>
+                                    </p:set>
+                                    <p:animEffect transition="in" filter="fade">
+                                      <p:cBhvr>
+                                        <p:cTn id="36" dur="500"/>
+                                        <p:tgtEl>
+                                          <p:spTgt spid="5">
+                                            <p:txEl>
+                                              <p:pRg st="4" end="4"/>
+                                            </p:txEl>
+                                          </p:spTgt>
+                                        </p:tgtEl>
+                                      </p:cBhvr>
+                                    </p:animEffect>
+                                  </p:childTnLst>
+                                </p:cTn>
+                              </p:par>
+                            </p:childTnLst>
+                          </p:cTn>
+                        </p:par>
+                      </p:childTnLst>
+                    </p:cTn>
+                  </p:par>
+                  <p:par>
+                    <p:cTn id="37" fill="hold">
+                      <p:stCondLst>
+                        <p:cond delay="indefinite"/>
+                      </p:stCondLst>
+                      <p:childTnLst>
+                        <p:par>
+                          <p:cTn id="38" fill="hold">
+                            <p:stCondLst>
+                              <p:cond delay="0"/>
+                            </p:stCondLst>
+                            <p:childTnLst>
+                              <p:par>
+                                <p:cTn id="39" presetID="10" presetClass="entr" presetSubtype="0" fill="hold" grpId="0" nodeType="clickEffect">
+                                  <p:stCondLst>
+                                    <p:cond delay="0"/>
+                                  </p:stCondLst>
+                                  <p:childTnLst>
+                                    <p:set>
+                                      <p:cBhvr>
+                                        <p:cTn id="40" dur="1" fill="hold">
+                                          <p:stCondLst>
+                                            <p:cond delay="0"/>
+                                          </p:stCondLst>
+                                        </p:cTn>
+                                        <p:tgtEl>
+                                          <p:spTgt spid="6"/>
+                                        </p:tgtEl>
+                                        <p:attrNameLst>
+                                          <p:attrName>style.visibility</p:attrName>
+                                        </p:attrNameLst>
+                                      </p:cBhvr>
+                                      <p:to>
+                                        <p:strVal val="visible"/>
+                                      </p:to>
+                                    </p:set>
+                                    <p:animEffect transition="in" filter="fade">
+                                      <p:cBhvr>
+                                        <p:cTn id="41" dur="500"/>
+                                        <p:tgtEl>
+                                          <p:spTgt spid="6"/>
+                                        </p:tgtEl>
+                                      </p:cBhvr>
+                                    </p:animEffect>
+                                  </p:childTnLst>
+                                </p:cTn>
+                              </p:par>
+                            </p:childTnLst>
+                          </p:cTn>
+                        </p:par>
+                      </p:childTnLst>
+                    </p:cTn>
+                  </p:par>
+                </p:childTnLst>
+              </p:cTn>
+              <p:prevCondLst>
+                <p:cond evt="onPrev" delay="0">
+                  <p:tgtEl>
+                    <p:sldTgt/>
+                  </p:tgtEl>
+                </p:cond>
+              </p:prevCondLst>
+              <p:nextCondLst>
+                <p:cond evt="onNext" delay="0">
+                  <p:tgtEl>
+                    <p:sldTgt/>
+                  </p:tgtEl>
+                </p:cond>
+              </p:nextCondLst>
+            </p:seq>
+          </p:childTnLst>
+        </p:cTn>
+      </p:par>
+    </p:tnLst>
+    <p:bldLst>
+      <p:bldP spid="4" grpId="0" build="p"/>
+      <p:bldP spid="5" grpId="0" build="p"/>
+      <p:bldP spid="6" grpId="0" animBg="1"/>
+    </p:bldLst>
+  </p:timing>
+</p:sld>
+</file>
+
+<file path=ppt/slides/slide23.xml><?xml version="1.0" encoding="utf-8"?>
+<p:sld xmlns:a="http://schemas.openxmlformats.org/drawingml/2006/main" xmlns:r="http://schemas.openxmlformats.org/officeDocument/2006/relationships" xmlns:p="http://schemas.openxmlformats.org/presentationml/2006/main">
+  <p:cSld>
+    <p:spTree>
+      <p:nvGrpSpPr>
+        <p:cNvPr id="1" name=""/>
+        <p:cNvGrpSpPr/>
+        <p:nvPr/>
+      </p:nvGrpSpPr>
+      <p:grpSpPr>
+        <a:xfrm>
+          <a:off x="0" y="0"/>
+          <a:ext cx="0" cy="0"/>
+          <a:chOff x="0" y="0"/>
+          <a:chExt cx="0" cy="0"/>
+        </a:xfrm>
+      </p:grpSpPr>
+      <p:sp>
+        <p:nvSpPr>
           <p:cNvPr id="4" name="Titre 3">
             <a:extLst>
               <a:ext uri="{FF2B5EF4-FFF2-40B4-BE49-F238E27FC236}">
@@ -34413,7 +35488,7 @@
 </p:sld>
 </file>
 
-<file path=ppt/slides/slide23.xml><?xml version="1.0" encoding="utf-8"?>
+<file path=ppt/slides/slide24.xml><?xml version="1.0" encoding="utf-8"?>
 <p:sld xmlns:a="http://schemas.openxmlformats.org/drawingml/2006/main" xmlns:r="http://schemas.openxmlformats.org/officeDocument/2006/relationships" xmlns:p="http://schemas.openxmlformats.org/presentationml/2006/main">
   <p:cSld>
     <p:spTree>
@@ -36719,7 +37794,7 @@
 </p:sld>
 </file>
 
-<file path=ppt/slides/slide24.xml><?xml version="1.0" encoding="utf-8"?>
+<file path=ppt/slides/slide25.xml><?xml version="1.0" encoding="utf-8"?>
 <p:sld xmlns:a="http://schemas.openxmlformats.org/drawingml/2006/main" xmlns:r="http://schemas.openxmlformats.org/officeDocument/2006/relationships" xmlns:p="http://schemas.openxmlformats.org/presentationml/2006/main">
   <p:cSld>
     <p:spTree>
@@ -36845,7 +37920,7 @@
 </p:sld>
 </file>
 
-<file path=ppt/slides/slide25.xml><?xml version="1.0" encoding="utf-8"?>
+<file path=ppt/slides/slide26.xml><?xml version="1.0" encoding="utf-8"?>
 <p:sld xmlns:a="http://schemas.openxmlformats.org/drawingml/2006/main" xmlns:r="http://schemas.openxmlformats.org/officeDocument/2006/relationships" xmlns:p="http://schemas.openxmlformats.org/presentationml/2006/main">
   <p:cSld>
     <p:spTree>
@@ -39573,6 +40648,230 @@
           </p:style>
         </p:cxnSp>
       </p:grpSp>
+      <p:sp>
+        <p:nvSpPr>
+          <p:cNvPr id="34" name="Espace réservé du contenu 11">
+            <a:extLst>
+              <a:ext uri="{FF2B5EF4-FFF2-40B4-BE49-F238E27FC236}">
+                <a16:creationId xmlns:a16="http://schemas.microsoft.com/office/drawing/2014/main" id="{8FF35BA8-6EEC-4817-8CE1-83C6E18553C6}"/>
+              </a:ext>
+            </a:extLst>
+          </p:cNvPr>
+          <p:cNvSpPr txBox="1">
+            <a:spLocks/>
+          </p:cNvSpPr>
+          <p:nvPr/>
+        </p:nvSpPr>
+        <p:spPr>
+          <a:xfrm>
+            <a:off x="5512381" y="4629379"/>
+            <a:ext cx="5281743" cy="1863496"/>
+          </a:xfrm>
+          <a:prstGeom prst="roundRect">
+            <a:avLst/>
+          </a:prstGeom>
+          <a:solidFill>
+            <a:schemeClr val="accent2">
+              <a:lumMod val="20000"/>
+              <a:lumOff val="80000"/>
+            </a:schemeClr>
+          </a:solidFill>
+          <a:ln w="38100">
+            <a:solidFill>
+              <a:schemeClr val="accent2">
+                <a:lumMod val="50000"/>
+              </a:schemeClr>
+            </a:solidFill>
+          </a:ln>
+        </p:spPr>
+        <p:txBody>
+          <a:bodyPr vert="horz" lIns="91440" tIns="45720" rIns="91440" bIns="45720" rtlCol="0">
+            <a:noAutofit/>
+          </a:bodyPr>
+          <a:lstStyle>
+            <a:lvl1pPr marL="228600" indent="-228600" algn="l" defTabSz="914400" rtl="0" eaLnBrk="1" latinLnBrk="0" hangingPunct="1">
+              <a:lnSpc>
+                <a:spcPct val="90000"/>
+              </a:lnSpc>
+              <a:spcBef>
+                <a:spcPts val="1000"/>
+              </a:spcBef>
+              <a:buFont typeface="Arial" panose="020B0604020202020204" pitchFamily="34" charset="0"/>
+              <a:buChar char="•"/>
+              <a:defRPr sz="2800" kern="1200">
+                <a:solidFill>
+                  <a:schemeClr val="tx1"/>
+                </a:solidFill>
+                <a:latin typeface="Palatino Linotype" panose="02040502050505030304" pitchFamily="18" charset="0"/>
+                <a:ea typeface="+mn-ea"/>
+                <a:cs typeface="+mn-cs"/>
+              </a:defRPr>
+            </a:lvl1pPr>
+            <a:lvl2pPr marL="685800" indent="-228600" algn="l" defTabSz="914400" rtl="0" eaLnBrk="1" latinLnBrk="0" hangingPunct="1">
+              <a:lnSpc>
+                <a:spcPct val="90000"/>
+              </a:lnSpc>
+              <a:spcBef>
+                <a:spcPts val="500"/>
+              </a:spcBef>
+              <a:buFont typeface="Arial" panose="020B0604020202020204" pitchFamily="34" charset="0"/>
+              <a:buChar char="•"/>
+              <a:defRPr sz="2400" kern="1200">
+                <a:solidFill>
+                  <a:schemeClr val="tx1"/>
+                </a:solidFill>
+                <a:latin typeface="Palatino Linotype" panose="02040502050505030304" pitchFamily="18" charset="0"/>
+                <a:ea typeface="+mn-ea"/>
+                <a:cs typeface="+mn-cs"/>
+              </a:defRPr>
+            </a:lvl2pPr>
+            <a:lvl3pPr marL="1143000" indent="-228600" algn="l" defTabSz="914400" rtl="0" eaLnBrk="1" latinLnBrk="0" hangingPunct="1">
+              <a:lnSpc>
+                <a:spcPct val="90000"/>
+              </a:lnSpc>
+              <a:spcBef>
+                <a:spcPts val="500"/>
+              </a:spcBef>
+              <a:buFont typeface="Arial" panose="020B0604020202020204" pitchFamily="34" charset="0"/>
+              <a:buChar char="•"/>
+              <a:defRPr sz="2000" kern="1200">
+                <a:solidFill>
+                  <a:schemeClr val="tx1"/>
+                </a:solidFill>
+                <a:latin typeface="Palatino Linotype" panose="02040502050505030304" pitchFamily="18" charset="0"/>
+                <a:ea typeface="+mn-ea"/>
+                <a:cs typeface="+mn-cs"/>
+              </a:defRPr>
+            </a:lvl3pPr>
+            <a:lvl4pPr marL="1600200" indent="-228600" algn="l" defTabSz="914400" rtl="0" eaLnBrk="1" latinLnBrk="0" hangingPunct="1">
+              <a:lnSpc>
+                <a:spcPct val="90000"/>
+              </a:lnSpc>
+              <a:spcBef>
+                <a:spcPts val="500"/>
+              </a:spcBef>
+              <a:buFont typeface="Arial" panose="020B0604020202020204" pitchFamily="34" charset="0"/>
+              <a:buChar char="•"/>
+              <a:defRPr sz="1800" kern="1200">
+                <a:solidFill>
+                  <a:schemeClr val="tx1"/>
+                </a:solidFill>
+                <a:latin typeface="Palatino Linotype" panose="02040502050505030304" pitchFamily="18" charset="0"/>
+                <a:ea typeface="+mn-ea"/>
+                <a:cs typeface="+mn-cs"/>
+              </a:defRPr>
+            </a:lvl4pPr>
+            <a:lvl5pPr marL="2057400" indent="-228600" algn="l" defTabSz="914400" rtl="0" eaLnBrk="1" latinLnBrk="0" hangingPunct="1">
+              <a:lnSpc>
+                <a:spcPct val="90000"/>
+              </a:lnSpc>
+              <a:spcBef>
+                <a:spcPts val="500"/>
+              </a:spcBef>
+              <a:buFont typeface="Arial" panose="020B0604020202020204" pitchFamily="34" charset="0"/>
+              <a:buChar char="•"/>
+              <a:defRPr sz="1800" kern="1200">
+                <a:solidFill>
+                  <a:schemeClr val="tx1"/>
+                </a:solidFill>
+                <a:latin typeface="Palatino Linotype" panose="02040502050505030304" pitchFamily="18" charset="0"/>
+                <a:ea typeface="+mn-ea"/>
+                <a:cs typeface="+mn-cs"/>
+              </a:defRPr>
+            </a:lvl5pPr>
+            <a:lvl6pPr marL="2514600" indent="-228600" algn="l" defTabSz="914400" rtl="0" eaLnBrk="1" latinLnBrk="0" hangingPunct="1">
+              <a:lnSpc>
+                <a:spcPct val="90000"/>
+              </a:lnSpc>
+              <a:spcBef>
+                <a:spcPts val="500"/>
+              </a:spcBef>
+              <a:buFont typeface="Arial" panose="020B0604020202020204" pitchFamily="34" charset="0"/>
+              <a:buChar char="•"/>
+              <a:defRPr sz="1800" kern="1200">
+                <a:solidFill>
+                  <a:schemeClr val="tx1"/>
+                </a:solidFill>
+                <a:latin typeface="+mn-lt"/>
+                <a:ea typeface="+mn-ea"/>
+                <a:cs typeface="+mn-cs"/>
+              </a:defRPr>
+            </a:lvl6pPr>
+            <a:lvl7pPr marL="2971800" indent="-228600" algn="l" defTabSz="914400" rtl="0" eaLnBrk="1" latinLnBrk="0" hangingPunct="1">
+              <a:lnSpc>
+                <a:spcPct val="90000"/>
+              </a:lnSpc>
+              <a:spcBef>
+                <a:spcPts val="500"/>
+              </a:spcBef>
+              <a:buFont typeface="Arial" panose="020B0604020202020204" pitchFamily="34" charset="0"/>
+              <a:buChar char="•"/>
+              <a:defRPr sz="1800" kern="1200">
+                <a:solidFill>
+                  <a:schemeClr val="tx1"/>
+                </a:solidFill>
+                <a:latin typeface="+mn-lt"/>
+                <a:ea typeface="+mn-ea"/>
+                <a:cs typeface="+mn-cs"/>
+              </a:defRPr>
+            </a:lvl7pPr>
+            <a:lvl8pPr marL="3429000" indent="-228600" algn="l" defTabSz="914400" rtl="0" eaLnBrk="1" latinLnBrk="0" hangingPunct="1">
+              <a:lnSpc>
+                <a:spcPct val="90000"/>
+              </a:lnSpc>
+              <a:spcBef>
+                <a:spcPts val="500"/>
+              </a:spcBef>
+              <a:buFont typeface="Arial" panose="020B0604020202020204" pitchFamily="34" charset="0"/>
+              <a:buChar char="•"/>
+              <a:defRPr sz="1800" kern="1200">
+                <a:solidFill>
+                  <a:schemeClr val="tx1"/>
+                </a:solidFill>
+                <a:latin typeface="+mn-lt"/>
+                <a:ea typeface="+mn-ea"/>
+                <a:cs typeface="+mn-cs"/>
+              </a:defRPr>
+            </a:lvl8pPr>
+            <a:lvl9pPr marL="3886200" indent="-228600" algn="l" defTabSz="914400" rtl="0" eaLnBrk="1" latinLnBrk="0" hangingPunct="1">
+              <a:lnSpc>
+                <a:spcPct val="90000"/>
+              </a:lnSpc>
+              <a:spcBef>
+                <a:spcPts val="500"/>
+              </a:spcBef>
+              <a:buFont typeface="Arial" panose="020B0604020202020204" pitchFamily="34" charset="0"/>
+              <a:buChar char="•"/>
+              <a:defRPr sz="1800" kern="1200">
+                <a:solidFill>
+                  <a:schemeClr val="tx1"/>
+                </a:solidFill>
+                <a:latin typeface="+mn-lt"/>
+                <a:ea typeface="+mn-ea"/>
+                <a:cs typeface="+mn-cs"/>
+              </a:defRPr>
+            </a:lvl9pPr>
+          </a:lstStyle>
+          <a:p>
+            <a:pPr marL="0" indent="0">
+              <a:buNone/>
+            </a:pPr>
+            <a:r>
+              <a:rPr lang="en-US" sz="2400" b="1" dirty="0"/>
+              <a:t>Warning</a:t>
+            </a:r>
+          </a:p>
+          <a:p>
+            <a:pPr marL="0" indent="0">
+              <a:buNone/>
+            </a:pPr>
+            <a:r>
+              <a:rPr lang="en-US" sz="2400" dirty="0"/>
+              <a:t>Once you shared a folder with someone their modification change your files locally</a:t>
+            </a:r>
+          </a:p>
+        </p:txBody>
+      </p:sp>
     </p:spTree>
     <p:extLst>
       <p:ext uri="{BB962C8B-B14F-4D97-AF65-F5344CB8AC3E}">
@@ -39583,6 +40882,92 @@
   <p:clrMapOvr>
     <a:masterClrMapping/>
   </p:clrMapOvr>
+  <p:timing>
+    <p:tnLst>
+      <p:par>
+        <p:cTn id="1" dur="indefinite" restart="never" nodeType="tmRoot">
+          <p:childTnLst>
+            <p:seq concurrent="1" nextAc="seek">
+              <p:cTn id="2" dur="indefinite" nodeType="mainSeq">
+                <p:childTnLst>
+                  <p:par>
+                    <p:cTn id="3" fill="hold">
+                      <p:stCondLst>
+                        <p:cond delay="indefinite"/>
+                      </p:stCondLst>
+                      <p:childTnLst>
+                        <p:par>
+                          <p:cTn id="4" fill="hold">
+                            <p:stCondLst>
+                              <p:cond delay="0"/>
+                            </p:stCondLst>
+                            <p:childTnLst>
+                              <p:par>
+                                <p:cTn id="5" presetID="10" presetClass="entr" presetSubtype="0" fill="hold" grpId="0" nodeType="clickEffect">
+                                  <p:stCondLst>
+                                    <p:cond delay="0"/>
+                                  </p:stCondLst>
+                                  <p:childTnLst>
+                                    <p:set>
+                                      <p:cBhvr>
+                                        <p:cTn id="6" dur="1" fill="hold">
+                                          <p:stCondLst>
+                                            <p:cond delay="0"/>
+                                          </p:stCondLst>
+                                        </p:cTn>
+                                        <p:tgtEl>
+                                          <p:spTgt spid="34"/>
+                                        </p:tgtEl>
+                                        <p:attrNameLst>
+                                          <p:attrName>style.visibility</p:attrName>
+                                        </p:attrNameLst>
+                                      </p:cBhvr>
+                                      <p:to>
+                                        <p:strVal val="visible"/>
+                                      </p:to>
+                                    </p:set>
+                                    <p:animEffect transition="in" filter="fade">
+                                      <p:cBhvr>
+                                        <p:cTn id="7" dur="500"/>
+                                        <p:tgtEl>
+                                          <p:spTgt spid="34"/>
+                                        </p:tgtEl>
+                                      </p:cBhvr>
+                                    </p:animEffect>
+                                  </p:childTnLst>
+                                </p:cTn>
+                              </p:par>
+                            </p:childTnLst>
+                          </p:cTn>
+                        </p:par>
+                      </p:childTnLst>
+                    </p:cTn>
+                  </p:par>
+                </p:childTnLst>
+              </p:cTn>
+              <p:prevCondLst>
+                <p:cond evt="onPrev" delay="0">
+                  <p:tgtEl>
+                    <p:sldTgt/>
+                  </p:tgtEl>
+                </p:cond>
+              </p:prevCondLst>
+              <p:nextCondLst>
+                <p:cond evt="onNext" delay="0">
+                  <p:tgtEl>
+                    <p:sldTgt/>
+                  </p:tgtEl>
+                </p:cond>
+              </p:nextCondLst>
+            </p:seq>
+          </p:childTnLst>
+        </p:cTn>
+      </p:par>
+    </p:tnLst>
+    <p:bldLst>
+      <p:bldP spid="34" grpId="0" animBg="1"/>
+    </p:bldLst>
+  </p:timing>
 </p:sld>
 </file>
 
@@ -41153,7 +42538,7 @@
                 <a:ea typeface="JuliaMono" panose="020B0609060300020004" pitchFamily="49" charset="0"/>
                 <a:cs typeface="JuliaMono" panose="020B0609060300020004" pitchFamily="49" charset="0"/>
               </a:rPr>
-              <a:t>With a special program</a:t>
+              <a:t>With a specialized software with user interface</a:t>
             </a:r>
           </a:p>
           <a:p>
@@ -41200,7 +42585,7 @@
                 <a:ea typeface="JuliaMono" panose="020B0609060300020004" pitchFamily="49" charset="0"/>
                 <a:cs typeface="JuliaMono" panose="020B0609060300020004" pitchFamily="49" charset="0"/>
               </a:rPr>
-              <a:t> (native support and extensions e.g. </a:t>
+              <a:t> (native support and extensions: </a:t>
             </a:r>
             <a:r>
               <a:rPr lang="en-US" dirty="0" err="1">

--- a/git_workshop.pptx
+++ b/git_workshop.pptx
@@ -5,7 +5,7 @@
     <p:sldMasterId id="2147483648" r:id="rId1"/>
   </p:sldMasterIdLst>
   <p:notesMasterIdLst>
-    <p:notesMasterId r:id="rId28"/>
+    <p:notesMasterId r:id="rId31"/>
   </p:notesMasterIdLst>
   <p:sldIdLst>
     <p:sldId id="256" r:id="rId2"/>
@@ -28,12 +28,15 @@
     <p:sldId id="274" r:id="rId19"/>
     <p:sldId id="275" r:id="rId20"/>
     <p:sldId id="276" r:id="rId21"/>
-    <p:sldId id="277" r:id="rId22"/>
-    <p:sldId id="282" r:id="rId23"/>
-    <p:sldId id="278" r:id="rId24"/>
-    <p:sldId id="279" r:id="rId25"/>
-    <p:sldId id="280" r:id="rId26"/>
-    <p:sldId id="281" r:id="rId27"/>
+    <p:sldId id="283" r:id="rId22"/>
+    <p:sldId id="277" r:id="rId23"/>
+    <p:sldId id="282" r:id="rId24"/>
+    <p:sldId id="278" r:id="rId25"/>
+    <p:sldId id="284" r:id="rId26"/>
+    <p:sldId id="279" r:id="rId27"/>
+    <p:sldId id="280" r:id="rId28"/>
+    <p:sldId id="281" r:id="rId29"/>
+    <p:sldId id="285" r:id="rId30"/>
   </p:sldIdLst>
   <p:sldSz cx="12192000" cy="6858000"/>
   <p:notesSz cx="6858000" cy="9144000"/>
@@ -225,7 +228,7 @@
           <a:p>
             <a:fld id="{8832BF7F-0261-4F51-AF13-938BC57E176B}" type="datetimeFigureOut">
               <a:rPr lang="en-US" smtClean="0"/>
-              <a:t>11/12/2022</a:t>
+              <a:t>11/13/2022</a:t>
             </a:fld>
             <a:endParaRPr lang="en-US"/>
           </a:p>
@@ -642,7 +645,7 @@
           <a:p>
             <a:fld id="{AD71D156-9C99-4C3F-ABC3-90060C8B2E82}" type="datetimeFigureOut">
               <a:rPr lang="en-US" smtClean="0"/>
-              <a:t>11/12/2022</a:t>
+              <a:t>11/13/2022</a:t>
             </a:fld>
             <a:endParaRPr lang="en-US"/>
           </a:p>
@@ -842,7 +845,7 @@
           <a:p>
             <a:fld id="{AD71D156-9C99-4C3F-ABC3-90060C8B2E82}" type="datetimeFigureOut">
               <a:rPr lang="en-US" smtClean="0"/>
-              <a:t>11/12/2022</a:t>
+              <a:t>11/13/2022</a:t>
             </a:fld>
             <a:endParaRPr lang="en-US"/>
           </a:p>
@@ -1052,7 +1055,7 @@
           <a:p>
             <a:fld id="{AD71D156-9C99-4C3F-ABC3-90060C8B2E82}" type="datetimeFigureOut">
               <a:rPr lang="en-US" smtClean="0"/>
-              <a:t>11/12/2022</a:t>
+              <a:t>11/13/2022</a:t>
             </a:fld>
             <a:endParaRPr lang="en-US"/>
           </a:p>
@@ -1252,7 +1255,7 @@
           <a:p>
             <a:fld id="{AD71D156-9C99-4C3F-ABC3-90060C8B2E82}" type="datetimeFigureOut">
               <a:rPr lang="en-US" smtClean="0"/>
-              <a:t>11/12/2022</a:t>
+              <a:t>11/13/2022</a:t>
             </a:fld>
             <a:endParaRPr lang="en-US"/>
           </a:p>
@@ -1528,7 +1531,7 @@
           <a:p>
             <a:fld id="{AD71D156-9C99-4C3F-ABC3-90060C8B2E82}" type="datetimeFigureOut">
               <a:rPr lang="en-US" smtClean="0"/>
-              <a:t>11/12/2022</a:t>
+              <a:t>11/13/2022</a:t>
             </a:fld>
             <a:endParaRPr lang="en-US"/>
           </a:p>
@@ -1796,7 +1799,7 @@
           <a:p>
             <a:fld id="{AD71D156-9C99-4C3F-ABC3-90060C8B2E82}" type="datetimeFigureOut">
               <a:rPr lang="en-US" smtClean="0"/>
-              <a:t>11/12/2022</a:t>
+              <a:t>11/13/2022</a:t>
             </a:fld>
             <a:endParaRPr lang="en-US"/>
           </a:p>
@@ -2211,7 +2214,7 @@
           <a:p>
             <a:fld id="{AD71D156-9C99-4C3F-ABC3-90060C8B2E82}" type="datetimeFigureOut">
               <a:rPr lang="en-US" smtClean="0"/>
-              <a:t>11/12/2022</a:t>
+              <a:t>11/13/2022</a:t>
             </a:fld>
             <a:endParaRPr lang="en-US"/>
           </a:p>
@@ -2353,7 +2356,7 @@
           <a:p>
             <a:fld id="{AD71D156-9C99-4C3F-ABC3-90060C8B2E82}" type="datetimeFigureOut">
               <a:rPr lang="en-US" smtClean="0"/>
-              <a:t>11/12/2022</a:t>
+              <a:t>11/13/2022</a:t>
             </a:fld>
             <a:endParaRPr lang="en-US"/>
           </a:p>
@@ -2466,7 +2469,7 @@
           <a:p>
             <a:fld id="{AD71D156-9C99-4C3F-ABC3-90060C8B2E82}" type="datetimeFigureOut">
               <a:rPr lang="en-US" smtClean="0"/>
-              <a:t>11/12/2022</a:t>
+              <a:t>11/13/2022</a:t>
             </a:fld>
             <a:endParaRPr lang="en-US"/>
           </a:p>
@@ -2779,7 +2782,7 @@
           <a:p>
             <a:fld id="{AD71D156-9C99-4C3F-ABC3-90060C8B2E82}" type="datetimeFigureOut">
               <a:rPr lang="en-US" smtClean="0"/>
-              <a:t>11/12/2022</a:t>
+              <a:t>11/13/2022</a:t>
             </a:fld>
             <a:endParaRPr lang="en-US"/>
           </a:p>
@@ -3068,7 +3071,7 @@
           <a:p>
             <a:fld id="{AD71D156-9C99-4C3F-ABC3-90060C8B2E82}" type="datetimeFigureOut">
               <a:rPr lang="en-US" smtClean="0"/>
-              <a:t>11/12/2022</a:t>
+              <a:t>11/13/2022</a:t>
             </a:fld>
             <a:endParaRPr lang="en-US"/>
           </a:p>
@@ -3313,7 +3316,7 @@
             <a:fld id="{AD71D156-9C99-4C3F-ABC3-90060C8B2E82}" type="datetimeFigureOut">
               <a:rPr lang="en-US" smtClean="0"/>
               <a:pPr/>
-              <a:t>11/12/2022</a:t>
+              <a:t>11/13/2022</a:t>
             </a:fld>
             <a:endParaRPr lang="en-US"/>
           </a:p>
@@ -5855,8 +5858,8 @@
         </p:nvSpPr>
         <p:spPr>
           <a:xfrm>
-            <a:off x="6172200" y="5540376"/>
-            <a:ext cx="5832845" cy="1098522"/>
+            <a:off x="6172200" y="5308786"/>
+            <a:ext cx="5832845" cy="1330112"/>
           </a:xfrm>
           <a:prstGeom prst="roundRect">
             <a:avLst/>
@@ -6074,6 +6077,230 @@
               <a:t>git log</a:t>
             </a:r>
             <a:endParaRPr lang="en-US" dirty="0"/>
+          </a:p>
+        </p:txBody>
+      </p:sp>
+      <p:sp>
+        <p:nvSpPr>
+          <p:cNvPr id="26" name="Espace réservé du contenu 11">
+            <a:extLst>
+              <a:ext uri="{FF2B5EF4-FFF2-40B4-BE49-F238E27FC236}">
+                <a16:creationId xmlns:a16="http://schemas.microsoft.com/office/drawing/2014/main" id="{F0F328FC-46EA-41EE-8266-053CC4F82ED6}"/>
+              </a:ext>
+            </a:extLst>
+          </p:cNvPr>
+          <p:cNvSpPr txBox="1">
+            <a:spLocks/>
+          </p:cNvSpPr>
+          <p:nvPr/>
+        </p:nvSpPr>
+        <p:spPr>
+          <a:xfrm>
+            <a:off x="838200" y="5308786"/>
+            <a:ext cx="5186430" cy="1325563"/>
+          </a:xfrm>
+          <a:prstGeom prst="roundRect">
+            <a:avLst/>
+          </a:prstGeom>
+          <a:solidFill>
+            <a:schemeClr val="accent2">
+              <a:lumMod val="20000"/>
+              <a:lumOff val="80000"/>
+            </a:schemeClr>
+          </a:solidFill>
+          <a:ln w="38100">
+            <a:solidFill>
+              <a:schemeClr val="accent2">
+                <a:lumMod val="50000"/>
+              </a:schemeClr>
+            </a:solidFill>
+          </a:ln>
+        </p:spPr>
+        <p:txBody>
+          <a:bodyPr vert="horz" lIns="91440" tIns="45720" rIns="91440" bIns="45720" rtlCol="0">
+            <a:noAutofit/>
+          </a:bodyPr>
+          <a:lstStyle>
+            <a:lvl1pPr marL="228600" indent="-228600" algn="l" defTabSz="914400" rtl="0" eaLnBrk="1" latinLnBrk="0" hangingPunct="1">
+              <a:lnSpc>
+                <a:spcPct val="90000"/>
+              </a:lnSpc>
+              <a:spcBef>
+                <a:spcPts val="1000"/>
+              </a:spcBef>
+              <a:buFont typeface="Arial" panose="020B0604020202020204" pitchFamily="34" charset="0"/>
+              <a:buChar char="•"/>
+              <a:defRPr sz="2800" kern="1200">
+                <a:solidFill>
+                  <a:schemeClr val="tx1"/>
+                </a:solidFill>
+                <a:latin typeface="Palatino Linotype" panose="02040502050505030304" pitchFamily="18" charset="0"/>
+                <a:ea typeface="+mn-ea"/>
+                <a:cs typeface="+mn-cs"/>
+              </a:defRPr>
+            </a:lvl1pPr>
+            <a:lvl2pPr marL="685800" indent="-228600" algn="l" defTabSz="914400" rtl="0" eaLnBrk="1" latinLnBrk="0" hangingPunct="1">
+              <a:lnSpc>
+                <a:spcPct val="90000"/>
+              </a:lnSpc>
+              <a:spcBef>
+                <a:spcPts val="500"/>
+              </a:spcBef>
+              <a:buFont typeface="Arial" panose="020B0604020202020204" pitchFamily="34" charset="0"/>
+              <a:buChar char="•"/>
+              <a:defRPr sz="2400" kern="1200">
+                <a:solidFill>
+                  <a:schemeClr val="tx1"/>
+                </a:solidFill>
+                <a:latin typeface="Palatino Linotype" panose="02040502050505030304" pitchFamily="18" charset="0"/>
+                <a:ea typeface="+mn-ea"/>
+                <a:cs typeface="+mn-cs"/>
+              </a:defRPr>
+            </a:lvl2pPr>
+            <a:lvl3pPr marL="1143000" indent="-228600" algn="l" defTabSz="914400" rtl="0" eaLnBrk="1" latinLnBrk="0" hangingPunct="1">
+              <a:lnSpc>
+                <a:spcPct val="90000"/>
+              </a:lnSpc>
+              <a:spcBef>
+                <a:spcPts val="500"/>
+              </a:spcBef>
+              <a:buFont typeface="Arial" panose="020B0604020202020204" pitchFamily="34" charset="0"/>
+              <a:buChar char="•"/>
+              <a:defRPr sz="2000" kern="1200">
+                <a:solidFill>
+                  <a:schemeClr val="tx1"/>
+                </a:solidFill>
+                <a:latin typeface="Palatino Linotype" panose="02040502050505030304" pitchFamily="18" charset="0"/>
+                <a:ea typeface="+mn-ea"/>
+                <a:cs typeface="+mn-cs"/>
+              </a:defRPr>
+            </a:lvl3pPr>
+            <a:lvl4pPr marL="1600200" indent="-228600" algn="l" defTabSz="914400" rtl="0" eaLnBrk="1" latinLnBrk="0" hangingPunct="1">
+              <a:lnSpc>
+                <a:spcPct val="90000"/>
+              </a:lnSpc>
+              <a:spcBef>
+                <a:spcPts val="500"/>
+              </a:spcBef>
+              <a:buFont typeface="Arial" panose="020B0604020202020204" pitchFamily="34" charset="0"/>
+              <a:buChar char="•"/>
+              <a:defRPr sz="1800" kern="1200">
+                <a:solidFill>
+                  <a:schemeClr val="tx1"/>
+                </a:solidFill>
+                <a:latin typeface="Palatino Linotype" panose="02040502050505030304" pitchFamily="18" charset="0"/>
+                <a:ea typeface="+mn-ea"/>
+                <a:cs typeface="+mn-cs"/>
+              </a:defRPr>
+            </a:lvl4pPr>
+            <a:lvl5pPr marL="2057400" indent="-228600" algn="l" defTabSz="914400" rtl="0" eaLnBrk="1" latinLnBrk="0" hangingPunct="1">
+              <a:lnSpc>
+                <a:spcPct val="90000"/>
+              </a:lnSpc>
+              <a:spcBef>
+                <a:spcPts val="500"/>
+              </a:spcBef>
+              <a:buFont typeface="Arial" panose="020B0604020202020204" pitchFamily="34" charset="0"/>
+              <a:buChar char="•"/>
+              <a:defRPr sz="1800" kern="1200">
+                <a:solidFill>
+                  <a:schemeClr val="tx1"/>
+                </a:solidFill>
+                <a:latin typeface="Palatino Linotype" panose="02040502050505030304" pitchFamily="18" charset="0"/>
+                <a:ea typeface="+mn-ea"/>
+                <a:cs typeface="+mn-cs"/>
+              </a:defRPr>
+            </a:lvl5pPr>
+            <a:lvl6pPr marL="2514600" indent="-228600" algn="l" defTabSz="914400" rtl="0" eaLnBrk="1" latinLnBrk="0" hangingPunct="1">
+              <a:lnSpc>
+                <a:spcPct val="90000"/>
+              </a:lnSpc>
+              <a:spcBef>
+                <a:spcPts val="500"/>
+              </a:spcBef>
+              <a:buFont typeface="Arial" panose="020B0604020202020204" pitchFamily="34" charset="0"/>
+              <a:buChar char="•"/>
+              <a:defRPr sz="1800" kern="1200">
+                <a:solidFill>
+                  <a:schemeClr val="tx1"/>
+                </a:solidFill>
+                <a:latin typeface="+mn-lt"/>
+                <a:ea typeface="+mn-ea"/>
+                <a:cs typeface="+mn-cs"/>
+              </a:defRPr>
+            </a:lvl6pPr>
+            <a:lvl7pPr marL="2971800" indent="-228600" algn="l" defTabSz="914400" rtl="0" eaLnBrk="1" latinLnBrk="0" hangingPunct="1">
+              <a:lnSpc>
+                <a:spcPct val="90000"/>
+              </a:lnSpc>
+              <a:spcBef>
+                <a:spcPts val="500"/>
+              </a:spcBef>
+              <a:buFont typeface="Arial" panose="020B0604020202020204" pitchFamily="34" charset="0"/>
+              <a:buChar char="•"/>
+              <a:defRPr sz="1800" kern="1200">
+                <a:solidFill>
+                  <a:schemeClr val="tx1"/>
+                </a:solidFill>
+                <a:latin typeface="+mn-lt"/>
+                <a:ea typeface="+mn-ea"/>
+                <a:cs typeface="+mn-cs"/>
+              </a:defRPr>
+            </a:lvl7pPr>
+            <a:lvl8pPr marL="3429000" indent="-228600" algn="l" defTabSz="914400" rtl="0" eaLnBrk="1" latinLnBrk="0" hangingPunct="1">
+              <a:lnSpc>
+                <a:spcPct val="90000"/>
+              </a:lnSpc>
+              <a:spcBef>
+                <a:spcPts val="500"/>
+              </a:spcBef>
+              <a:buFont typeface="Arial" panose="020B0604020202020204" pitchFamily="34" charset="0"/>
+              <a:buChar char="•"/>
+              <a:defRPr sz="1800" kern="1200">
+                <a:solidFill>
+                  <a:schemeClr val="tx1"/>
+                </a:solidFill>
+                <a:latin typeface="+mn-lt"/>
+                <a:ea typeface="+mn-ea"/>
+                <a:cs typeface="+mn-cs"/>
+              </a:defRPr>
+            </a:lvl8pPr>
+            <a:lvl9pPr marL="3886200" indent="-228600" algn="l" defTabSz="914400" rtl="0" eaLnBrk="1" latinLnBrk="0" hangingPunct="1">
+              <a:lnSpc>
+                <a:spcPct val="90000"/>
+              </a:lnSpc>
+              <a:spcBef>
+                <a:spcPts val="500"/>
+              </a:spcBef>
+              <a:buFont typeface="Arial" panose="020B0604020202020204" pitchFamily="34" charset="0"/>
+              <a:buChar char="•"/>
+              <a:defRPr sz="1800" kern="1200">
+                <a:solidFill>
+                  <a:schemeClr val="tx1"/>
+                </a:solidFill>
+                <a:latin typeface="+mn-lt"/>
+                <a:ea typeface="+mn-ea"/>
+                <a:cs typeface="+mn-cs"/>
+              </a:defRPr>
+            </a:lvl9pPr>
+          </a:lstStyle>
+          <a:p>
+            <a:pPr marL="0" indent="0">
+              <a:buNone/>
+            </a:pPr>
+            <a:r>
+              <a:rPr lang="en-US" sz="2400" b="1" dirty="0"/>
+              <a:t>Note</a:t>
+            </a:r>
+          </a:p>
+          <a:p>
+            <a:pPr marL="0" indent="0">
+              <a:buNone/>
+            </a:pPr>
+            <a:r>
+              <a:rPr lang="en-US" sz="2400" dirty="0"/>
+              <a:t>The full hash is quite long, but you can always use the first few digits</a:t>
+            </a:r>
           </a:p>
         </p:txBody>
       </p:sp>
@@ -6108,7 +6335,7 @@
                             </p:stCondLst>
                             <p:childTnLst>
                               <p:par>
-                                <p:cTn id="5" presetID="1" presetClass="entr" presetSubtype="0" fill="hold" grpId="0" nodeType="clickEffect">
+                                <p:cTn id="5" presetID="10" presetClass="entr" presetSubtype="0" fill="hold" grpId="0" nodeType="clickEffect">
                                   <p:stCondLst>
                                     <p:cond delay="0"/>
                                   </p:stCondLst>
@@ -6116,6 +6343,59 @@
                                     <p:set>
                                       <p:cBhvr>
                                         <p:cTn id="6" dur="1" fill="hold">
+                                          <p:stCondLst>
+                                            <p:cond delay="0"/>
+                                          </p:stCondLst>
+                                        </p:cTn>
+                                        <p:tgtEl>
+                                          <p:spTgt spid="26"/>
+                                        </p:tgtEl>
+                                        <p:attrNameLst>
+                                          <p:attrName>style.visibility</p:attrName>
+                                        </p:attrNameLst>
+                                      </p:cBhvr>
+                                      <p:to>
+                                        <p:strVal val="visible"/>
+                                      </p:to>
+                                    </p:set>
+                                    <p:animEffect transition="in" filter="fade">
+                                      <p:cBhvr>
+                                        <p:cTn id="7" dur="500"/>
+                                        <p:tgtEl>
+                                          <p:spTgt spid="26"/>
+                                        </p:tgtEl>
+                                      </p:cBhvr>
+                                    </p:animEffect>
+                                  </p:childTnLst>
+                                </p:cTn>
+                              </p:par>
+                            </p:childTnLst>
+                          </p:cTn>
+                        </p:par>
+                      </p:childTnLst>
+                    </p:cTn>
+                  </p:par>
+                  <p:par>
+                    <p:cTn id="8" fill="hold">
+                      <p:stCondLst>
+                        <p:cond delay="indefinite"/>
+                      </p:stCondLst>
+                      <p:childTnLst>
+                        <p:par>
+                          <p:cTn id="9" fill="hold">
+                            <p:stCondLst>
+                              <p:cond delay="0"/>
+                            </p:stCondLst>
+                            <p:childTnLst>
+                              <p:par>
+                                <p:cTn id="10" presetID="1" presetClass="entr" presetSubtype="0" fill="hold" grpId="0" nodeType="clickEffect">
+                                  <p:stCondLst>
+                                    <p:cond delay="0"/>
+                                  </p:stCondLst>
+                                  <p:childTnLst>
+                                    <p:set>
+                                      <p:cBhvr>
+                                        <p:cTn id="11" dur="1" fill="hold">
                                           <p:stCondLst>
                                             <p:cond delay="0"/>
                                           </p:stCondLst>
@@ -6163,6 +6443,7 @@
     </p:tnLst>
     <p:bldLst>
       <p:bldP spid="137" grpId="0" animBg="1"/>
+      <p:bldP spid="26" grpId="0" animBg="1"/>
     </p:bldLst>
   </p:timing>
 </p:sld>
@@ -31050,6 +31331,557 @@
           <p:cNvPr id="2" name="Titre 1">
             <a:extLst>
               <a:ext uri="{FF2B5EF4-FFF2-40B4-BE49-F238E27FC236}">
+                <a16:creationId xmlns:a16="http://schemas.microsoft.com/office/drawing/2014/main" id="{DE05AC53-76AC-4327-85F5-6677FFE00871}"/>
+              </a:ext>
+            </a:extLst>
+          </p:cNvPr>
+          <p:cNvSpPr>
+            <a:spLocks noGrp="1"/>
+          </p:cNvSpPr>
+          <p:nvPr>
+            <p:ph type="title"/>
+          </p:nvPr>
+        </p:nvSpPr>
+        <p:spPr/>
+        <p:txBody>
+          <a:bodyPr/>
+          <a:lstStyle/>
+          <a:p>
+            <a:r>
+              <a:rPr lang="en-US" dirty="0"/>
+              <a:t>Merge conflict are solved manually with a text editor</a:t>
+            </a:r>
+          </a:p>
+        </p:txBody>
+      </p:sp>
+      <p:sp>
+        <p:nvSpPr>
+          <p:cNvPr id="3" name="Espace réservé du contenu 2">
+            <a:extLst>
+              <a:ext uri="{FF2B5EF4-FFF2-40B4-BE49-F238E27FC236}">
+                <a16:creationId xmlns:a16="http://schemas.microsoft.com/office/drawing/2014/main" id="{046FEC3E-AE0E-40B3-8CB0-1D8EB6DDA586}"/>
+              </a:ext>
+            </a:extLst>
+          </p:cNvPr>
+          <p:cNvSpPr>
+            <a:spLocks noGrp="1"/>
+          </p:cNvSpPr>
+          <p:nvPr>
+            <p:ph sz="half" idx="1"/>
+          </p:nvPr>
+        </p:nvSpPr>
+        <p:spPr/>
+        <p:txBody>
+          <a:bodyPr>
+            <a:normAutofit/>
+          </a:bodyPr>
+          <a:lstStyle/>
+          <a:p>
+            <a:pPr marL="0" indent="0">
+              <a:buNone/>
+            </a:pPr>
+            <a:r>
+              <a:rPr lang="en-US" dirty="0"/>
+              <a:t>The conflicting file contain both information</a:t>
+            </a:r>
+          </a:p>
+          <a:p>
+            <a:pPr marL="0" indent="0">
+              <a:buNone/>
+            </a:pPr>
+            <a:endParaRPr lang="en-US" dirty="0"/>
+          </a:p>
+          <a:p>
+            <a:pPr marL="0" indent="0">
+              <a:buNone/>
+            </a:pPr>
+            <a:r>
+              <a:rPr lang="en-US" dirty="0">
+                <a:solidFill>
+                  <a:schemeClr val="accent1"/>
+                </a:solidFill>
+                <a:latin typeface="JuliaMono" panose="020B0609060300020004" pitchFamily="49" charset="0"/>
+                <a:ea typeface="JuliaMono" panose="020B0609060300020004" pitchFamily="49" charset="0"/>
+                <a:cs typeface="JuliaMono" panose="020B0609060300020004" pitchFamily="49" charset="0"/>
+              </a:rPr>
+              <a:t>&lt;&lt;&lt;&lt;&lt;&lt;&lt; HEAD</a:t>
+            </a:r>
+          </a:p>
+          <a:p>
+            <a:pPr marL="0" indent="0">
+              <a:buNone/>
+            </a:pPr>
+            <a:r>
+              <a:rPr lang="en-US" dirty="0">
+                <a:latin typeface="JuliaMono" panose="020B0609060300020004" pitchFamily="49" charset="0"/>
+                <a:ea typeface="JuliaMono" panose="020B0609060300020004" pitchFamily="49" charset="0"/>
+                <a:cs typeface="JuliaMono" panose="020B0609060300020004" pitchFamily="49" charset="0"/>
+              </a:rPr>
+              <a:t>The current version.</a:t>
+            </a:r>
+          </a:p>
+          <a:p>
+            <a:pPr marL="0" indent="0">
+              <a:buNone/>
+            </a:pPr>
+            <a:r>
+              <a:rPr lang="en-US" dirty="0">
+                <a:solidFill>
+                  <a:schemeClr val="accent1"/>
+                </a:solidFill>
+                <a:latin typeface="JuliaMono" panose="020B0609060300020004" pitchFamily="49" charset="0"/>
+                <a:ea typeface="JuliaMono" panose="020B0609060300020004" pitchFamily="49" charset="0"/>
+                <a:cs typeface="JuliaMono" panose="020B0609060300020004" pitchFamily="49" charset="0"/>
+              </a:rPr>
+              <a:t>=======</a:t>
+            </a:r>
+          </a:p>
+          <a:p>
+            <a:pPr marL="0" indent="0">
+              <a:buNone/>
+            </a:pPr>
+            <a:r>
+              <a:rPr lang="en-US" dirty="0">
+                <a:latin typeface="JuliaMono" panose="020B0609060300020004" pitchFamily="49" charset="0"/>
+                <a:ea typeface="JuliaMono" panose="020B0609060300020004" pitchFamily="49" charset="0"/>
+                <a:cs typeface="JuliaMono" panose="020B0609060300020004" pitchFamily="49" charset="0"/>
+              </a:rPr>
+              <a:t>Conflicting changes.</a:t>
+            </a:r>
+          </a:p>
+          <a:p>
+            <a:pPr marL="0" indent="0">
+              <a:buNone/>
+            </a:pPr>
+            <a:r>
+              <a:rPr lang="en-US" dirty="0">
+                <a:solidFill>
+                  <a:schemeClr val="accent1"/>
+                </a:solidFill>
+                <a:latin typeface="JuliaMono" panose="020B0609060300020004" pitchFamily="49" charset="0"/>
+                <a:ea typeface="JuliaMono" panose="020B0609060300020004" pitchFamily="49" charset="0"/>
+                <a:cs typeface="JuliaMono" panose="020B0609060300020004" pitchFamily="49" charset="0"/>
+              </a:rPr>
+              <a:t>&gt;&gt;&gt;&gt;&gt;&gt;&gt; exercise</a:t>
+            </a:r>
+          </a:p>
+          <a:p>
+            <a:pPr marL="0" indent="0">
+              <a:buNone/>
+            </a:pPr>
+            <a:endParaRPr lang="en-US" dirty="0"/>
+          </a:p>
+        </p:txBody>
+      </p:sp>
+      <p:sp>
+        <p:nvSpPr>
+          <p:cNvPr id="4" name="Espace réservé du contenu 3">
+            <a:extLst>
+              <a:ext uri="{FF2B5EF4-FFF2-40B4-BE49-F238E27FC236}">
+                <a16:creationId xmlns:a16="http://schemas.microsoft.com/office/drawing/2014/main" id="{C869CF5E-9CA4-405A-AF2D-50FDD6CD9081}"/>
+              </a:ext>
+            </a:extLst>
+          </p:cNvPr>
+          <p:cNvSpPr>
+            <a:spLocks noGrp="1"/>
+          </p:cNvSpPr>
+          <p:nvPr>
+            <p:ph sz="half" idx="2"/>
+          </p:nvPr>
+        </p:nvSpPr>
+        <p:spPr/>
+        <p:txBody>
+          <a:bodyPr>
+            <a:normAutofit/>
+          </a:bodyPr>
+          <a:lstStyle/>
+          <a:p>
+            <a:pPr marL="514350" indent="-514350">
+              <a:buAutoNum type="arabicPeriod"/>
+            </a:pPr>
+            <a:r>
+              <a:rPr lang="en-US" dirty="0"/>
+              <a:t>Open the conflicting file</a:t>
+            </a:r>
+          </a:p>
+          <a:p>
+            <a:pPr marL="514350" indent="-514350">
+              <a:buAutoNum type="arabicPeriod"/>
+            </a:pPr>
+            <a:r>
+              <a:rPr lang="en-US" dirty="0"/>
+              <a:t>Modify it to your liking</a:t>
+            </a:r>
+          </a:p>
+          <a:p>
+            <a:pPr marL="514350" indent="-514350">
+              <a:buAutoNum type="arabicPeriod"/>
+            </a:pPr>
+            <a:r>
+              <a:rPr lang="en-US" dirty="0"/>
+              <a:t>Commit it normally</a:t>
+            </a:r>
+          </a:p>
+        </p:txBody>
+      </p:sp>
+      <p:sp>
+        <p:nvSpPr>
+          <p:cNvPr id="7" name="Espace réservé du contenu 11">
+            <a:extLst>
+              <a:ext uri="{FF2B5EF4-FFF2-40B4-BE49-F238E27FC236}">
+                <a16:creationId xmlns:a16="http://schemas.microsoft.com/office/drawing/2014/main" id="{00F9FF59-632D-4449-BDD1-49BEBF2EABF5}"/>
+              </a:ext>
+            </a:extLst>
+          </p:cNvPr>
+          <p:cNvSpPr txBox="1">
+            <a:spLocks/>
+          </p:cNvSpPr>
+          <p:nvPr/>
+        </p:nvSpPr>
+        <p:spPr>
+          <a:xfrm>
+            <a:off x="6300595" y="3778430"/>
+            <a:ext cx="4693226" cy="1918327"/>
+          </a:xfrm>
+          <a:prstGeom prst="roundRect">
+            <a:avLst/>
+          </a:prstGeom>
+          <a:solidFill>
+            <a:schemeClr val="accent4">
+              <a:lumMod val="20000"/>
+              <a:lumOff val="80000"/>
+            </a:schemeClr>
+          </a:solidFill>
+          <a:ln w="38100">
+            <a:solidFill>
+              <a:schemeClr val="accent4">
+                <a:lumMod val="50000"/>
+              </a:schemeClr>
+            </a:solidFill>
+          </a:ln>
+        </p:spPr>
+        <p:txBody>
+          <a:bodyPr vert="horz" lIns="91440" tIns="45720" rIns="91440" bIns="45720" rtlCol="0">
+            <a:noAutofit/>
+          </a:bodyPr>
+          <a:lstStyle>
+            <a:lvl1pPr marL="228600" indent="-228600" algn="l" defTabSz="914400" rtl="0" eaLnBrk="1" latinLnBrk="0" hangingPunct="1">
+              <a:lnSpc>
+                <a:spcPct val="90000"/>
+              </a:lnSpc>
+              <a:spcBef>
+                <a:spcPts val="1000"/>
+              </a:spcBef>
+              <a:buFont typeface="Arial" panose="020B0604020202020204" pitchFamily="34" charset="0"/>
+              <a:buChar char="•"/>
+              <a:defRPr sz="2800" kern="1200">
+                <a:solidFill>
+                  <a:schemeClr val="tx1"/>
+                </a:solidFill>
+                <a:latin typeface="Palatino Linotype" panose="02040502050505030304" pitchFamily="18" charset="0"/>
+                <a:ea typeface="+mn-ea"/>
+                <a:cs typeface="+mn-cs"/>
+              </a:defRPr>
+            </a:lvl1pPr>
+            <a:lvl2pPr marL="685800" indent="-228600" algn="l" defTabSz="914400" rtl="0" eaLnBrk="1" latinLnBrk="0" hangingPunct="1">
+              <a:lnSpc>
+                <a:spcPct val="90000"/>
+              </a:lnSpc>
+              <a:spcBef>
+                <a:spcPts val="500"/>
+              </a:spcBef>
+              <a:buFont typeface="Arial" panose="020B0604020202020204" pitchFamily="34" charset="0"/>
+              <a:buChar char="•"/>
+              <a:defRPr sz="2400" kern="1200">
+                <a:solidFill>
+                  <a:schemeClr val="tx1"/>
+                </a:solidFill>
+                <a:latin typeface="Palatino Linotype" panose="02040502050505030304" pitchFamily="18" charset="0"/>
+                <a:ea typeface="+mn-ea"/>
+                <a:cs typeface="+mn-cs"/>
+              </a:defRPr>
+            </a:lvl2pPr>
+            <a:lvl3pPr marL="1143000" indent="-228600" algn="l" defTabSz="914400" rtl="0" eaLnBrk="1" latinLnBrk="0" hangingPunct="1">
+              <a:lnSpc>
+                <a:spcPct val="90000"/>
+              </a:lnSpc>
+              <a:spcBef>
+                <a:spcPts val="500"/>
+              </a:spcBef>
+              <a:buFont typeface="Arial" panose="020B0604020202020204" pitchFamily="34" charset="0"/>
+              <a:buChar char="•"/>
+              <a:defRPr sz="2000" kern="1200">
+                <a:solidFill>
+                  <a:schemeClr val="tx1"/>
+                </a:solidFill>
+                <a:latin typeface="Palatino Linotype" panose="02040502050505030304" pitchFamily="18" charset="0"/>
+                <a:ea typeface="+mn-ea"/>
+                <a:cs typeface="+mn-cs"/>
+              </a:defRPr>
+            </a:lvl3pPr>
+            <a:lvl4pPr marL="1600200" indent="-228600" algn="l" defTabSz="914400" rtl="0" eaLnBrk="1" latinLnBrk="0" hangingPunct="1">
+              <a:lnSpc>
+                <a:spcPct val="90000"/>
+              </a:lnSpc>
+              <a:spcBef>
+                <a:spcPts val="500"/>
+              </a:spcBef>
+              <a:buFont typeface="Arial" panose="020B0604020202020204" pitchFamily="34" charset="0"/>
+              <a:buChar char="•"/>
+              <a:defRPr sz="1800" kern="1200">
+                <a:solidFill>
+                  <a:schemeClr val="tx1"/>
+                </a:solidFill>
+                <a:latin typeface="Palatino Linotype" panose="02040502050505030304" pitchFamily="18" charset="0"/>
+                <a:ea typeface="+mn-ea"/>
+                <a:cs typeface="+mn-cs"/>
+              </a:defRPr>
+            </a:lvl4pPr>
+            <a:lvl5pPr marL="2057400" indent="-228600" algn="l" defTabSz="914400" rtl="0" eaLnBrk="1" latinLnBrk="0" hangingPunct="1">
+              <a:lnSpc>
+                <a:spcPct val="90000"/>
+              </a:lnSpc>
+              <a:spcBef>
+                <a:spcPts val="500"/>
+              </a:spcBef>
+              <a:buFont typeface="Arial" panose="020B0604020202020204" pitchFamily="34" charset="0"/>
+              <a:buChar char="•"/>
+              <a:defRPr sz="1800" kern="1200">
+                <a:solidFill>
+                  <a:schemeClr val="tx1"/>
+                </a:solidFill>
+                <a:latin typeface="Palatino Linotype" panose="02040502050505030304" pitchFamily="18" charset="0"/>
+                <a:ea typeface="+mn-ea"/>
+                <a:cs typeface="+mn-cs"/>
+              </a:defRPr>
+            </a:lvl5pPr>
+            <a:lvl6pPr marL="2514600" indent="-228600" algn="l" defTabSz="914400" rtl="0" eaLnBrk="1" latinLnBrk="0" hangingPunct="1">
+              <a:lnSpc>
+                <a:spcPct val="90000"/>
+              </a:lnSpc>
+              <a:spcBef>
+                <a:spcPts val="500"/>
+              </a:spcBef>
+              <a:buFont typeface="Arial" panose="020B0604020202020204" pitchFamily="34" charset="0"/>
+              <a:buChar char="•"/>
+              <a:defRPr sz="1800" kern="1200">
+                <a:solidFill>
+                  <a:schemeClr val="tx1"/>
+                </a:solidFill>
+                <a:latin typeface="+mn-lt"/>
+                <a:ea typeface="+mn-ea"/>
+                <a:cs typeface="+mn-cs"/>
+              </a:defRPr>
+            </a:lvl6pPr>
+            <a:lvl7pPr marL="2971800" indent="-228600" algn="l" defTabSz="914400" rtl="0" eaLnBrk="1" latinLnBrk="0" hangingPunct="1">
+              <a:lnSpc>
+                <a:spcPct val="90000"/>
+              </a:lnSpc>
+              <a:spcBef>
+                <a:spcPts val="500"/>
+              </a:spcBef>
+              <a:buFont typeface="Arial" panose="020B0604020202020204" pitchFamily="34" charset="0"/>
+              <a:buChar char="•"/>
+              <a:defRPr sz="1800" kern="1200">
+                <a:solidFill>
+                  <a:schemeClr val="tx1"/>
+                </a:solidFill>
+                <a:latin typeface="+mn-lt"/>
+                <a:ea typeface="+mn-ea"/>
+                <a:cs typeface="+mn-cs"/>
+              </a:defRPr>
+            </a:lvl7pPr>
+            <a:lvl8pPr marL="3429000" indent="-228600" algn="l" defTabSz="914400" rtl="0" eaLnBrk="1" latinLnBrk="0" hangingPunct="1">
+              <a:lnSpc>
+                <a:spcPct val="90000"/>
+              </a:lnSpc>
+              <a:spcBef>
+                <a:spcPts val="500"/>
+              </a:spcBef>
+              <a:buFont typeface="Arial" panose="020B0604020202020204" pitchFamily="34" charset="0"/>
+              <a:buChar char="•"/>
+              <a:defRPr sz="1800" kern="1200">
+                <a:solidFill>
+                  <a:schemeClr val="tx1"/>
+                </a:solidFill>
+                <a:latin typeface="+mn-lt"/>
+                <a:ea typeface="+mn-ea"/>
+                <a:cs typeface="+mn-cs"/>
+              </a:defRPr>
+            </a:lvl8pPr>
+            <a:lvl9pPr marL="3886200" indent="-228600" algn="l" defTabSz="914400" rtl="0" eaLnBrk="1" latinLnBrk="0" hangingPunct="1">
+              <a:lnSpc>
+                <a:spcPct val="90000"/>
+              </a:lnSpc>
+              <a:spcBef>
+                <a:spcPts val="500"/>
+              </a:spcBef>
+              <a:buFont typeface="Arial" panose="020B0604020202020204" pitchFamily="34" charset="0"/>
+              <a:buChar char="•"/>
+              <a:defRPr sz="1800" kern="1200">
+                <a:solidFill>
+                  <a:schemeClr val="tx1"/>
+                </a:solidFill>
+                <a:latin typeface="+mn-lt"/>
+                <a:ea typeface="+mn-ea"/>
+                <a:cs typeface="+mn-cs"/>
+              </a:defRPr>
+            </a:lvl9pPr>
+          </a:lstStyle>
+          <a:p>
+            <a:pPr marL="0" indent="0">
+              <a:buNone/>
+            </a:pPr>
+            <a:r>
+              <a:rPr lang="en-US" sz="2400" b="1" dirty="0"/>
+              <a:t>Exercise 7</a:t>
+            </a:r>
+          </a:p>
+          <a:p>
+            <a:pPr>
+              <a:buFontTx/>
+              <a:buChar char="-"/>
+            </a:pPr>
+            <a:r>
+              <a:rPr lang="en-US" sz="2400" dirty="0"/>
+              <a:t>Give me a minute again</a:t>
+            </a:r>
+          </a:p>
+          <a:p>
+            <a:pPr>
+              <a:buFontTx/>
+              <a:buChar char="-"/>
+            </a:pPr>
+            <a:r>
+              <a:rPr lang="en-US" sz="2400" dirty="0"/>
+              <a:t>Fetch and pull the changes</a:t>
+            </a:r>
+          </a:p>
+          <a:p>
+            <a:pPr>
+              <a:buFontTx/>
+              <a:buChar char="-"/>
+            </a:pPr>
+            <a:r>
+              <a:rPr lang="en-US" sz="2400" dirty="0"/>
+              <a:t>Resolve the merge conflict</a:t>
+            </a:r>
+          </a:p>
+        </p:txBody>
+      </p:sp>
+    </p:spTree>
+    <p:extLst>
+      <p:ext uri="{BB962C8B-B14F-4D97-AF65-F5344CB8AC3E}">
+        <p14:creationId xmlns:p14="http://schemas.microsoft.com/office/powerpoint/2010/main" val="2512930581"/>
+      </p:ext>
+    </p:extLst>
+  </p:cSld>
+  <p:clrMapOvr>
+    <a:masterClrMapping/>
+  </p:clrMapOvr>
+  <p:timing>
+    <p:tnLst>
+      <p:par>
+        <p:cTn id="1" dur="indefinite" restart="never" nodeType="tmRoot">
+          <p:childTnLst>
+            <p:seq concurrent="1" nextAc="seek">
+              <p:cTn id="2" dur="indefinite" nodeType="mainSeq">
+                <p:childTnLst>
+                  <p:par>
+                    <p:cTn id="3" fill="hold">
+                      <p:stCondLst>
+                        <p:cond delay="indefinite"/>
+                      </p:stCondLst>
+                      <p:childTnLst>
+                        <p:par>
+                          <p:cTn id="4" fill="hold">
+                            <p:stCondLst>
+                              <p:cond delay="0"/>
+                            </p:stCondLst>
+                            <p:childTnLst>
+                              <p:par>
+                                <p:cTn id="5" presetID="1" presetClass="entr" presetSubtype="0" fill="hold" grpId="0" nodeType="clickEffect">
+                                  <p:stCondLst>
+                                    <p:cond delay="0"/>
+                                  </p:stCondLst>
+                                  <p:childTnLst>
+                                    <p:set>
+                                      <p:cBhvr>
+                                        <p:cTn id="6" dur="1" fill="hold">
+                                          <p:stCondLst>
+                                            <p:cond delay="0"/>
+                                          </p:stCondLst>
+                                        </p:cTn>
+                                        <p:tgtEl>
+                                          <p:spTgt spid="7"/>
+                                        </p:tgtEl>
+                                        <p:attrNameLst>
+                                          <p:attrName>style.visibility</p:attrName>
+                                        </p:attrNameLst>
+                                      </p:cBhvr>
+                                      <p:to>
+                                        <p:strVal val="visible"/>
+                                      </p:to>
+                                    </p:set>
+                                  </p:childTnLst>
+                                </p:cTn>
+                              </p:par>
+                            </p:childTnLst>
+                          </p:cTn>
+                        </p:par>
+                      </p:childTnLst>
+                    </p:cTn>
+                  </p:par>
+                </p:childTnLst>
+              </p:cTn>
+              <p:prevCondLst>
+                <p:cond evt="onPrev" delay="0">
+                  <p:tgtEl>
+                    <p:sldTgt/>
+                  </p:tgtEl>
+                </p:cond>
+              </p:prevCondLst>
+              <p:nextCondLst>
+                <p:cond evt="onNext" delay="0">
+                  <p:tgtEl>
+                    <p:sldTgt/>
+                  </p:tgtEl>
+                </p:cond>
+              </p:nextCondLst>
+            </p:seq>
+          </p:childTnLst>
+        </p:cTn>
+      </p:par>
+    </p:tnLst>
+    <p:bldLst>
+      <p:bldP spid="7" grpId="0" animBg="1"/>
+    </p:bldLst>
+  </p:timing>
+</p:sld>
+</file>
+
+<file path=ppt/slides/slide22.xml><?xml version="1.0" encoding="utf-8"?>
+<p:sld xmlns:a="http://schemas.openxmlformats.org/drawingml/2006/main" xmlns:r="http://schemas.openxmlformats.org/officeDocument/2006/relationships" xmlns:p="http://schemas.openxmlformats.org/presentationml/2006/main">
+  <p:cSld>
+    <p:spTree>
+      <p:nvGrpSpPr>
+        <p:cNvPr id="1" name=""/>
+        <p:cNvGrpSpPr/>
+        <p:nvPr/>
+      </p:nvGrpSpPr>
+      <p:grpSpPr>
+        <a:xfrm>
+          <a:off x="0" y="0"/>
+          <a:ext cx="0" cy="0"/>
+          <a:chOff x="0" y="0"/>
+          <a:chExt cx="0" cy="0"/>
+        </a:xfrm>
+      </p:grpSpPr>
+      <p:sp>
+        <p:nvSpPr>
+          <p:cNvPr id="2" name="Titre 1">
+            <a:extLst>
+              <a:ext uri="{FF2B5EF4-FFF2-40B4-BE49-F238E27FC236}">
                 <a16:creationId xmlns:a16="http://schemas.microsoft.com/office/drawing/2014/main" id="{4906BABC-AF92-4620-893B-090627346661}"/>
               </a:ext>
             </a:extLst>
@@ -31068,7 +31900,7 @@
           <a:p>
             <a:r>
               <a:rPr lang="en-US" dirty="0"/>
-              <a:t>Branch : branch out locally</a:t>
+              <a:t>Branch : parallel histories that can be branched out or merged</a:t>
             </a:r>
           </a:p>
         </p:txBody>
@@ -34331,7 +35163,7 @@
 </p:sld>
 </file>
 
-<file path=ppt/slides/slide22.xml><?xml version="1.0" encoding="utf-8"?>
+<file path=ppt/slides/slide23.xml><?xml version="1.0" encoding="utf-8"?>
 <p:sld xmlns:a="http://schemas.openxmlformats.org/drawingml/2006/main" xmlns:r="http://schemas.openxmlformats.org/officeDocument/2006/relationships" xmlns:p="http://schemas.openxmlformats.org/presentationml/2006/main">
   <p:cSld>
     <p:spTree>
@@ -35405,7 +36237,7 @@
 </p:sld>
 </file>
 
-<file path=ppt/slides/slide23.xml><?xml version="1.0" encoding="utf-8"?>
+<file path=ppt/slides/slide24.xml><?xml version="1.0" encoding="utf-8"?>
 <p:sld xmlns:a="http://schemas.openxmlformats.org/drawingml/2006/main" xmlns:r="http://schemas.openxmlformats.org/officeDocument/2006/relationships" xmlns:p="http://schemas.openxmlformats.org/presentationml/2006/main">
   <p:cSld>
     <p:spTree>
@@ -35488,7 +36320,505 @@
 </p:sld>
 </file>
 
-<file path=ppt/slides/slide24.xml><?xml version="1.0" encoding="utf-8"?>
+<file path=ppt/slides/slide25.xml><?xml version="1.0" encoding="utf-8"?>
+<p:sld xmlns:a="http://schemas.openxmlformats.org/drawingml/2006/main" xmlns:r="http://schemas.openxmlformats.org/officeDocument/2006/relationships" xmlns:p="http://schemas.openxmlformats.org/presentationml/2006/main">
+  <p:cSld>
+    <p:spTree>
+      <p:nvGrpSpPr>
+        <p:cNvPr id="1" name=""/>
+        <p:cNvGrpSpPr/>
+        <p:nvPr/>
+      </p:nvGrpSpPr>
+      <p:grpSpPr>
+        <a:xfrm>
+          <a:off x="0" y="0"/>
+          <a:ext cx="0" cy="0"/>
+          <a:chOff x="0" y="0"/>
+          <a:chExt cx="0" cy="0"/>
+        </a:xfrm>
+      </p:grpSpPr>
+      <p:sp>
+        <p:nvSpPr>
+          <p:cNvPr id="2" name="Titre 1">
+            <a:extLst>
+              <a:ext uri="{FF2B5EF4-FFF2-40B4-BE49-F238E27FC236}">
+                <a16:creationId xmlns:a16="http://schemas.microsoft.com/office/drawing/2014/main" id="{68439DB6-7548-4585-A46C-5372048F84AE}"/>
+              </a:ext>
+            </a:extLst>
+          </p:cNvPr>
+          <p:cNvSpPr>
+            <a:spLocks noGrp="1"/>
+          </p:cNvSpPr>
+          <p:nvPr>
+            <p:ph type="title"/>
+          </p:nvPr>
+        </p:nvSpPr>
+        <p:spPr/>
+        <p:txBody>
+          <a:bodyPr/>
+          <a:lstStyle/>
+          <a:p>
+            <a:r>
+              <a:rPr lang="en-US" dirty="0">
+                <a:solidFill>
+                  <a:schemeClr val="accent1">
+                    <a:lumMod val="75000"/>
+                  </a:schemeClr>
+                </a:solidFill>
+                <a:latin typeface="JuliaMono" panose="020B0609060300020004" pitchFamily="49" charset="0"/>
+                <a:ea typeface="JuliaMono" panose="020B0609060300020004" pitchFamily="49" charset="0"/>
+                <a:cs typeface="JuliaMono" panose="020B0609060300020004" pitchFamily="49" charset="0"/>
+              </a:rPr>
+              <a:t>master</a:t>
+            </a:r>
+            <a:r>
+              <a:rPr lang="en-US" dirty="0">
+                <a:latin typeface="JuliaMono" panose="020B0609060300020004" pitchFamily="49" charset="0"/>
+                <a:ea typeface="JuliaMono" panose="020B0609060300020004" pitchFamily="49" charset="0"/>
+                <a:cs typeface="JuliaMono" panose="020B0609060300020004" pitchFamily="49" charset="0"/>
+              </a:rPr>
+              <a:t> </a:t>
+            </a:r>
+            <a:r>
+              <a:rPr lang="en-US" dirty="0"/>
+              <a:t>is the source of truth and should always be working</a:t>
+            </a:r>
+          </a:p>
+        </p:txBody>
+      </p:sp>
+      <p:sp>
+        <p:nvSpPr>
+          <p:cNvPr id="3" name="Espace réservé du contenu 2">
+            <a:extLst>
+              <a:ext uri="{FF2B5EF4-FFF2-40B4-BE49-F238E27FC236}">
+                <a16:creationId xmlns:a16="http://schemas.microsoft.com/office/drawing/2014/main" id="{797D11D5-1280-497B-B4D9-88891CA2C2A3}"/>
+              </a:ext>
+            </a:extLst>
+          </p:cNvPr>
+          <p:cNvSpPr>
+            <a:spLocks noGrp="1"/>
+          </p:cNvSpPr>
+          <p:nvPr>
+            <p:ph idx="1"/>
+          </p:nvPr>
+        </p:nvSpPr>
+        <p:spPr/>
+        <p:txBody>
+          <a:bodyPr/>
+          <a:lstStyle/>
+          <a:p>
+            <a:r>
+              <a:rPr lang="en-US" dirty="0"/>
+              <a:t>Development is done in separate branch</a:t>
+            </a:r>
+          </a:p>
+          <a:p>
+            <a:r>
+              <a:rPr lang="en-US" dirty="0"/>
+              <a:t>When a feature is implemented, the development branch is reviewed and merged into </a:t>
+            </a:r>
+            <a:r>
+              <a:rPr lang="en-US" dirty="0">
+                <a:solidFill>
+                  <a:schemeClr val="accent1">
+                    <a:lumMod val="75000"/>
+                  </a:schemeClr>
+                </a:solidFill>
+                <a:latin typeface="JuliaMono" panose="020B0609060300020004" pitchFamily="49" charset="0"/>
+                <a:ea typeface="JuliaMono" panose="020B0609060300020004" pitchFamily="49" charset="0"/>
+                <a:cs typeface="JuliaMono" panose="020B0609060300020004" pitchFamily="49" charset="0"/>
+              </a:rPr>
+              <a:t>master</a:t>
+            </a:r>
+          </a:p>
+          <a:p>
+            <a:r>
+              <a:rPr lang="en-US" dirty="0"/>
+              <a:t>On public repo it goes through pull requests</a:t>
+            </a:r>
+            <a:endParaRPr lang="en-US" dirty="0">
+              <a:solidFill>
+                <a:schemeClr val="accent1">
+                  <a:lumMod val="75000"/>
+                </a:schemeClr>
+              </a:solidFill>
+              <a:latin typeface="JuliaMono" panose="020B0609060300020004" pitchFamily="49" charset="0"/>
+              <a:ea typeface="JuliaMono" panose="020B0609060300020004" pitchFamily="49" charset="0"/>
+              <a:cs typeface="JuliaMono" panose="020B0609060300020004" pitchFamily="49" charset="0"/>
+            </a:endParaRPr>
+          </a:p>
+          <a:p>
+            <a:pPr marL="0" indent="0">
+              <a:buNone/>
+            </a:pPr>
+            <a:endParaRPr lang="en-US" dirty="0">
+              <a:solidFill>
+                <a:schemeClr val="accent1">
+                  <a:lumMod val="75000"/>
+                </a:schemeClr>
+              </a:solidFill>
+              <a:latin typeface="JuliaMono" panose="020B0609060300020004" pitchFamily="49" charset="0"/>
+              <a:ea typeface="JuliaMono" panose="020B0609060300020004" pitchFamily="49" charset="0"/>
+              <a:cs typeface="JuliaMono" panose="020B0609060300020004" pitchFamily="49" charset="0"/>
+            </a:endParaRPr>
+          </a:p>
+        </p:txBody>
+      </p:sp>
+      <p:sp>
+        <p:nvSpPr>
+          <p:cNvPr id="4" name="Espace réservé du contenu 11">
+            <a:extLst>
+              <a:ext uri="{FF2B5EF4-FFF2-40B4-BE49-F238E27FC236}">
+                <a16:creationId xmlns:a16="http://schemas.microsoft.com/office/drawing/2014/main" id="{3F4AACF6-99A2-41AD-93A4-EF1853C3FB8F}"/>
+              </a:ext>
+            </a:extLst>
+          </p:cNvPr>
+          <p:cNvSpPr txBox="1">
+            <a:spLocks/>
+          </p:cNvSpPr>
+          <p:nvPr/>
+        </p:nvSpPr>
+        <p:spPr>
+          <a:xfrm>
+            <a:off x="948559" y="5391807"/>
+            <a:ext cx="5565373" cy="1101068"/>
+          </a:xfrm>
+          <a:prstGeom prst="roundRect">
+            <a:avLst/>
+          </a:prstGeom>
+          <a:solidFill>
+            <a:schemeClr val="accent2">
+              <a:lumMod val="20000"/>
+              <a:lumOff val="80000"/>
+            </a:schemeClr>
+          </a:solidFill>
+          <a:ln w="38100">
+            <a:solidFill>
+              <a:schemeClr val="accent2">
+                <a:lumMod val="50000"/>
+              </a:schemeClr>
+            </a:solidFill>
+          </a:ln>
+        </p:spPr>
+        <p:txBody>
+          <a:bodyPr vert="horz" lIns="91440" tIns="45720" rIns="91440" bIns="45720" rtlCol="0">
+            <a:noAutofit/>
+          </a:bodyPr>
+          <a:lstStyle>
+            <a:lvl1pPr marL="228600" indent="-228600" algn="l" defTabSz="914400" rtl="0" eaLnBrk="1" latinLnBrk="0" hangingPunct="1">
+              <a:lnSpc>
+                <a:spcPct val="90000"/>
+              </a:lnSpc>
+              <a:spcBef>
+                <a:spcPts val="1000"/>
+              </a:spcBef>
+              <a:buFont typeface="Arial" panose="020B0604020202020204" pitchFamily="34" charset="0"/>
+              <a:buChar char="•"/>
+              <a:defRPr sz="2800" kern="1200">
+                <a:solidFill>
+                  <a:schemeClr val="tx1"/>
+                </a:solidFill>
+                <a:latin typeface="Palatino Linotype" panose="02040502050505030304" pitchFamily="18" charset="0"/>
+                <a:ea typeface="+mn-ea"/>
+                <a:cs typeface="+mn-cs"/>
+              </a:defRPr>
+            </a:lvl1pPr>
+            <a:lvl2pPr marL="685800" indent="-228600" algn="l" defTabSz="914400" rtl="0" eaLnBrk="1" latinLnBrk="0" hangingPunct="1">
+              <a:lnSpc>
+                <a:spcPct val="90000"/>
+              </a:lnSpc>
+              <a:spcBef>
+                <a:spcPts val="500"/>
+              </a:spcBef>
+              <a:buFont typeface="Arial" panose="020B0604020202020204" pitchFamily="34" charset="0"/>
+              <a:buChar char="•"/>
+              <a:defRPr sz="2400" kern="1200">
+                <a:solidFill>
+                  <a:schemeClr val="tx1"/>
+                </a:solidFill>
+                <a:latin typeface="Palatino Linotype" panose="02040502050505030304" pitchFamily="18" charset="0"/>
+                <a:ea typeface="+mn-ea"/>
+                <a:cs typeface="+mn-cs"/>
+              </a:defRPr>
+            </a:lvl2pPr>
+            <a:lvl3pPr marL="1143000" indent="-228600" algn="l" defTabSz="914400" rtl="0" eaLnBrk="1" latinLnBrk="0" hangingPunct="1">
+              <a:lnSpc>
+                <a:spcPct val="90000"/>
+              </a:lnSpc>
+              <a:spcBef>
+                <a:spcPts val="500"/>
+              </a:spcBef>
+              <a:buFont typeface="Arial" panose="020B0604020202020204" pitchFamily="34" charset="0"/>
+              <a:buChar char="•"/>
+              <a:defRPr sz="2000" kern="1200">
+                <a:solidFill>
+                  <a:schemeClr val="tx1"/>
+                </a:solidFill>
+                <a:latin typeface="Palatino Linotype" panose="02040502050505030304" pitchFamily="18" charset="0"/>
+                <a:ea typeface="+mn-ea"/>
+                <a:cs typeface="+mn-cs"/>
+              </a:defRPr>
+            </a:lvl3pPr>
+            <a:lvl4pPr marL="1600200" indent="-228600" algn="l" defTabSz="914400" rtl="0" eaLnBrk="1" latinLnBrk="0" hangingPunct="1">
+              <a:lnSpc>
+                <a:spcPct val="90000"/>
+              </a:lnSpc>
+              <a:spcBef>
+                <a:spcPts val="500"/>
+              </a:spcBef>
+              <a:buFont typeface="Arial" panose="020B0604020202020204" pitchFamily="34" charset="0"/>
+              <a:buChar char="•"/>
+              <a:defRPr sz="1800" kern="1200">
+                <a:solidFill>
+                  <a:schemeClr val="tx1"/>
+                </a:solidFill>
+                <a:latin typeface="Palatino Linotype" panose="02040502050505030304" pitchFamily="18" charset="0"/>
+                <a:ea typeface="+mn-ea"/>
+                <a:cs typeface="+mn-cs"/>
+              </a:defRPr>
+            </a:lvl4pPr>
+            <a:lvl5pPr marL="2057400" indent="-228600" algn="l" defTabSz="914400" rtl="0" eaLnBrk="1" latinLnBrk="0" hangingPunct="1">
+              <a:lnSpc>
+                <a:spcPct val="90000"/>
+              </a:lnSpc>
+              <a:spcBef>
+                <a:spcPts val="500"/>
+              </a:spcBef>
+              <a:buFont typeface="Arial" panose="020B0604020202020204" pitchFamily="34" charset="0"/>
+              <a:buChar char="•"/>
+              <a:defRPr sz="1800" kern="1200">
+                <a:solidFill>
+                  <a:schemeClr val="tx1"/>
+                </a:solidFill>
+                <a:latin typeface="Palatino Linotype" panose="02040502050505030304" pitchFamily="18" charset="0"/>
+                <a:ea typeface="+mn-ea"/>
+                <a:cs typeface="+mn-cs"/>
+              </a:defRPr>
+            </a:lvl5pPr>
+            <a:lvl6pPr marL="2514600" indent="-228600" algn="l" defTabSz="914400" rtl="0" eaLnBrk="1" latinLnBrk="0" hangingPunct="1">
+              <a:lnSpc>
+                <a:spcPct val="90000"/>
+              </a:lnSpc>
+              <a:spcBef>
+                <a:spcPts val="500"/>
+              </a:spcBef>
+              <a:buFont typeface="Arial" panose="020B0604020202020204" pitchFamily="34" charset="0"/>
+              <a:buChar char="•"/>
+              <a:defRPr sz="1800" kern="1200">
+                <a:solidFill>
+                  <a:schemeClr val="tx1"/>
+                </a:solidFill>
+                <a:latin typeface="+mn-lt"/>
+                <a:ea typeface="+mn-ea"/>
+                <a:cs typeface="+mn-cs"/>
+              </a:defRPr>
+            </a:lvl6pPr>
+            <a:lvl7pPr marL="2971800" indent="-228600" algn="l" defTabSz="914400" rtl="0" eaLnBrk="1" latinLnBrk="0" hangingPunct="1">
+              <a:lnSpc>
+                <a:spcPct val="90000"/>
+              </a:lnSpc>
+              <a:spcBef>
+                <a:spcPts val="500"/>
+              </a:spcBef>
+              <a:buFont typeface="Arial" panose="020B0604020202020204" pitchFamily="34" charset="0"/>
+              <a:buChar char="•"/>
+              <a:defRPr sz="1800" kern="1200">
+                <a:solidFill>
+                  <a:schemeClr val="tx1"/>
+                </a:solidFill>
+                <a:latin typeface="+mn-lt"/>
+                <a:ea typeface="+mn-ea"/>
+                <a:cs typeface="+mn-cs"/>
+              </a:defRPr>
+            </a:lvl7pPr>
+            <a:lvl8pPr marL="3429000" indent="-228600" algn="l" defTabSz="914400" rtl="0" eaLnBrk="1" latinLnBrk="0" hangingPunct="1">
+              <a:lnSpc>
+                <a:spcPct val="90000"/>
+              </a:lnSpc>
+              <a:spcBef>
+                <a:spcPts val="500"/>
+              </a:spcBef>
+              <a:buFont typeface="Arial" panose="020B0604020202020204" pitchFamily="34" charset="0"/>
+              <a:buChar char="•"/>
+              <a:defRPr sz="1800" kern="1200">
+                <a:solidFill>
+                  <a:schemeClr val="tx1"/>
+                </a:solidFill>
+                <a:latin typeface="+mn-lt"/>
+                <a:ea typeface="+mn-ea"/>
+                <a:cs typeface="+mn-cs"/>
+              </a:defRPr>
+            </a:lvl8pPr>
+            <a:lvl9pPr marL="3886200" indent="-228600" algn="l" defTabSz="914400" rtl="0" eaLnBrk="1" latinLnBrk="0" hangingPunct="1">
+              <a:lnSpc>
+                <a:spcPct val="90000"/>
+              </a:lnSpc>
+              <a:spcBef>
+                <a:spcPts val="500"/>
+              </a:spcBef>
+              <a:buFont typeface="Arial" panose="020B0604020202020204" pitchFamily="34" charset="0"/>
+              <a:buChar char="•"/>
+              <a:defRPr sz="1800" kern="1200">
+                <a:solidFill>
+                  <a:schemeClr val="tx1"/>
+                </a:solidFill>
+                <a:latin typeface="+mn-lt"/>
+                <a:ea typeface="+mn-ea"/>
+                <a:cs typeface="+mn-cs"/>
+              </a:defRPr>
+            </a:lvl9pPr>
+          </a:lstStyle>
+          <a:p>
+            <a:pPr marL="0" indent="0">
+              <a:buNone/>
+            </a:pPr>
+            <a:r>
+              <a:rPr lang="en-US" sz="2400" b="1" dirty="0"/>
+              <a:t>Note</a:t>
+            </a:r>
+            <a:endParaRPr lang="en-US" sz="2400" dirty="0"/>
+          </a:p>
+          <a:p>
+            <a:pPr marL="0" indent="0">
+              <a:buNone/>
+            </a:pPr>
+            <a:r>
+              <a:rPr lang="en-US" sz="2400" dirty="0"/>
+              <a:t>Sometime </a:t>
+            </a:r>
+            <a:r>
+              <a:rPr lang="en-US" sz="2400" dirty="0">
+                <a:solidFill>
+                  <a:schemeClr val="accent1">
+                    <a:lumMod val="75000"/>
+                  </a:schemeClr>
+                </a:solidFill>
+                <a:latin typeface="JuliaMono" panose="020B0609060300020004" pitchFamily="49" charset="0"/>
+                <a:ea typeface="JuliaMono" panose="020B0609060300020004" pitchFamily="49" charset="0"/>
+                <a:cs typeface="JuliaMono" panose="020B0609060300020004" pitchFamily="49" charset="0"/>
+              </a:rPr>
+              <a:t>master</a:t>
+            </a:r>
+            <a:r>
+              <a:rPr lang="en-US" sz="2400" dirty="0"/>
+              <a:t> is called </a:t>
+            </a:r>
+            <a:r>
+              <a:rPr lang="en-US" sz="2400" dirty="0">
+                <a:solidFill>
+                  <a:schemeClr val="accent1">
+                    <a:lumMod val="75000"/>
+                  </a:schemeClr>
+                </a:solidFill>
+                <a:latin typeface="JuliaMono" panose="020B0609060300020004" pitchFamily="49" charset="0"/>
+                <a:ea typeface="JuliaMono" panose="020B0609060300020004" pitchFamily="49" charset="0"/>
+                <a:cs typeface="JuliaMono" panose="020B0609060300020004" pitchFamily="49" charset="0"/>
+              </a:rPr>
+              <a:t>main</a:t>
+            </a:r>
+          </a:p>
+        </p:txBody>
+      </p:sp>
+    </p:spTree>
+    <p:extLst>
+      <p:ext uri="{BB962C8B-B14F-4D97-AF65-F5344CB8AC3E}">
+        <p14:creationId xmlns:p14="http://schemas.microsoft.com/office/powerpoint/2010/main" val="1708385374"/>
+      </p:ext>
+    </p:extLst>
+  </p:cSld>
+  <p:clrMapOvr>
+    <a:masterClrMapping/>
+  </p:clrMapOvr>
+  <p:timing>
+    <p:tnLst>
+      <p:par>
+        <p:cTn id="1" dur="indefinite" restart="never" nodeType="tmRoot">
+          <p:childTnLst>
+            <p:seq concurrent="1" nextAc="seek">
+              <p:cTn id="2" dur="indefinite" nodeType="mainSeq">
+                <p:childTnLst>
+                  <p:par>
+                    <p:cTn id="3" fill="hold">
+                      <p:stCondLst>
+                        <p:cond delay="indefinite"/>
+                      </p:stCondLst>
+                      <p:childTnLst>
+                        <p:par>
+                          <p:cTn id="4" fill="hold">
+                            <p:stCondLst>
+                              <p:cond delay="0"/>
+                            </p:stCondLst>
+                            <p:childTnLst>
+                              <p:par>
+                                <p:cTn id="5" presetID="10" presetClass="entr" presetSubtype="0" fill="hold" grpId="0" nodeType="clickEffect">
+                                  <p:stCondLst>
+                                    <p:cond delay="0"/>
+                                  </p:stCondLst>
+                                  <p:childTnLst>
+                                    <p:set>
+                                      <p:cBhvr>
+                                        <p:cTn id="6" dur="1" fill="hold">
+                                          <p:stCondLst>
+                                            <p:cond delay="0"/>
+                                          </p:stCondLst>
+                                        </p:cTn>
+                                        <p:tgtEl>
+                                          <p:spTgt spid="4"/>
+                                        </p:tgtEl>
+                                        <p:attrNameLst>
+                                          <p:attrName>style.visibility</p:attrName>
+                                        </p:attrNameLst>
+                                      </p:cBhvr>
+                                      <p:to>
+                                        <p:strVal val="visible"/>
+                                      </p:to>
+                                    </p:set>
+                                    <p:animEffect transition="in" filter="fade">
+                                      <p:cBhvr>
+                                        <p:cTn id="7" dur="500"/>
+                                        <p:tgtEl>
+                                          <p:spTgt spid="4"/>
+                                        </p:tgtEl>
+                                      </p:cBhvr>
+                                    </p:animEffect>
+                                  </p:childTnLst>
+                                </p:cTn>
+                              </p:par>
+                            </p:childTnLst>
+                          </p:cTn>
+                        </p:par>
+                      </p:childTnLst>
+                    </p:cTn>
+                  </p:par>
+                </p:childTnLst>
+              </p:cTn>
+              <p:prevCondLst>
+                <p:cond evt="onPrev" delay="0">
+                  <p:tgtEl>
+                    <p:sldTgt/>
+                  </p:tgtEl>
+                </p:cond>
+              </p:prevCondLst>
+              <p:nextCondLst>
+                <p:cond evt="onNext" delay="0">
+                  <p:tgtEl>
+                    <p:sldTgt/>
+                  </p:tgtEl>
+                </p:cond>
+              </p:nextCondLst>
+            </p:seq>
+          </p:childTnLst>
+        </p:cTn>
+      </p:par>
+    </p:tnLst>
+    <p:bldLst>
+      <p:bldP spid="4" grpId="0" animBg="1"/>
+    </p:bldLst>
+  </p:timing>
+</p:sld>
+</file>
+
+<file path=ppt/slides/slide26.xml><?xml version="1.0" encoding="utf-8"?>
 <p:sld xmlns:a="http://schemas.openxmlformats.org/drawingml/2006/main" xmlns:r="http://schemas.openxmlformats.org/officeDocument/2006/relationships" xmlns:p="http://schemas.openxmlformats.org/presentationml/2006/main">
   <p:cSld>
     <p:spTree>
@@ -37794,7 +39124,7 @@
 </p:sld>
 </file>
 
-<file path=ppt/slides/slide25.xml><?xml version="1.0" encoding="utf-8"?>
+<file path=ppt/slides/slide27.xml><?xml version="1.0" encoding="utf-8"?>
 <p:sld xmlns:a="http://schemas.openxmlformats.org/drawingml/2006/main" xmlns:r="http://schemas.openxmlformats.org/officeDocument/2006/relationships" xmlns:p="http://schemas.openxmlformats.org/presentationml/2006/main">
   <p:cSld>
     <p:spTree>
@@ -37920,7 +39250,7 @@
 </p:sld>
 </file>
 
-<file path=ppt/slides/slide26.xml><?xml version="1.0" encoding="utf-8"?>
+<file path=ppt/slides/slide28.xml><?xml version="1.0" encoding="utf-8"?>
 <p:sld xmlns:a="http://schemas.openxmlformats.org/drawingml/2006/main" xmlns:r="http://schemas.openxmlformats.org/officeDocument/2006/relationships" xmlns:p="http://schemas.openxmlformats.org/presentationml/2006/main">
   <p:cSld>
     <p:spTree>
@@ -38018,6 +39348,92 @@
     <p:extLst>
       <p:ext uri="{BB962C8B-B14F-4D97-AF65-F5344CB8AC3E}">
         <p14:creationId xmlns:p14="http://schemas.microsoft.com/office/powerpoint/2010/main" val="2956661915"/>
+      </p:ext>
+    </p:extLst>
+  </p:cSld>
+  <p:clrMapOvr>
+    <a:masterClrMapping/>
+  </p:clrMapOvr>
+</p:sld>
+</file>
+
+<file path=ppt/slides/slide29.xml><?xml version="1.0" encoding="utf-8"?>
+<p:sld xmlns:a="http://schemas.openxmlformats.org/drawingml/2006/main" xmlns:r="http://schemas.openxmlformats.org/officeDocument/2006/relationships" xmlns:p="http://schemas.openxmlformats.org/presentationml/2006/main">
+  <p:cSld>
+    <p:spTree>
+      <p:nvGrpSpPr>
+        <p:cNvPr id="1" name=""/>
+        <p:cNvGrpSpPr/>
+        <p:nvPr/>
+      </p:nvGrpSpPr>
+      <p:grpSpPr>
+        <a:xfrm>
+          <a:off x="0" y="0"/>
+          <a:ext cx="0" cy="0"/>
+          <a:chOff x="0" y="0"/>
+          <a:chExt cx="0" cy="0"/>
+        </a:xfrm>
+      </p:grpSpPr>
+      <p:sp>
+        <p:nvSpPr>
+          <p:cNvPr id="2" name="Titre 1">
+            <a:extLst>
+              <a:ext uri="{FF2B5EF4-FFF2-40B4-BE49-F238E27FC236}">
+                <a16:creationId xmlns:a16="http://schemas.microsoft.com/office/drawing/2014/main" id="{9B8AEF75-142F-4B6C-9861-985806D8037A}"/>
+              </a:ext>
+            </a:extLst>
+          </p:cNvPr>
+          <p:cNvSpPr>
+            <a:spLocks noGrp="1"/>
+          </p:cNvSpPr>
+          <p:nvPr>
+            <p:ph type="ctrTitle"/>
+          </p:nvPr>
+        </p:nvSpPr>
+        <p:spPr/>
+        <p:txBody>
+          <a:bodyPr/>
+          <a:lstStyle/>
+          <a:p>
+            <a:r>
+              <a:rPr lang="en-US" dirty="0"/>
+              <a:t>Those were the essentials of Git</a:t>
+            </a:r>
+          </a:p>
+        </p:txBody>
+      </p:sp>
+      <p:sp>
+        <p:nvSpPr>
+          <p:cNvPr id="3" name="Sous-titre 2">
+            <a:extLst>
+              <a:ext uri="{FF2B5EF4-FFF2-40B4-BE49-F238E27FC236}">
+                <a16:creationId xmlns:a16="http://schemas.microsoft.com/office/drawing/2014/main" id="{0D4A4271-2D57-490E-8007-3C32F0E7454A}"/>
+              </a:ext>
+            </a:extLst>
+          </p:cNvPr>
+          <p:cNvSpPr>
+            <a:spLocks noGrp="1"/>
+          </p:cNvSpPr>
+          <p:nvPr>
+            <p:ph type="subTitle" idx="1"/>
+          </p:nvPr>
+        </p:nvSpPr>
+        <p:spPr/>
+        <p:txBody>
+          <a:bodyPr/>
+          <a:lstStyle/>
+          <a:p>
+            <a:r>
+              <a:rPr lang="en-US" dirty="0"/>
+              <a:t>Thanks for your attention</a:t>
+            </a:r>
+          </a:p>
+        </p:txBody>
+      </p:sp>
+    </p:spTree>
+    <p:extLst>
+      <p:ext uri="{BB962C8B-B14F-4D97-AF65-F5344CB8AC3E}">
+        <p14:creationId xmlns:p14="http://schemas.microsoft.com/office/powerpoint/2010/main" val="750245488"/>
       </p:ext>
     </p:extLst>
   </p:cSld>

--- a/git_workshop.pptx
+++ b/git_workshop.pptx
@@ -5,7 +5,7 @@
     <p:sldMasterId id="2147483648" r:id="rId1"/>
   </p:sldMasterIdLst>
   <p:notesMasterIdLst>
-    <p:notesMasterId r:id="rId31"/>
+    <p:notesMasterId r:id="rId28"/>
   </p:notesMasterIdLst>
   <p:sldIdLst>
     <p:sldId id="256" r:id="rId2"/>
@@ -28,15 +28,12 @@
     <p:sldId id="274" r:id="rId19"/>
     <p:sldId id="275" r:id="rId20"/>
     <p:sldId id="276" r:id="rId21"/>
-    <p:sldId id="283" r:id="rId22"/>
-    <p:sldId id="277" r:id="rId23"/>
-    <p:sldId id="282" r:id="rId24"/>
-    <p:sldId id="278" r:id="rId25"/>
-    <p:sldId id="284" r:id="rId26"/>
-    <p:sldId id="279" r:id="rId27"/>
-    <p:sldId id="280" r:id="rId28"/>
-    <p:sldId id="281" r:id="rId29"/>
-    <p:sldId id="285" r:id="rId30"/>
+    <p:sldId id="277" r:id="rId22"/>
+    <p:sldId id="282" r:id="rId23"/>
+    <p:sldId id="278" r:id="rId24"/>
+    <p:sldId id="279" r:id="rId25"/>
+    <p:sldId id="280" r:id="rId26"/>
+    <p:sldId id="281" r:id="rId27"/>
   </p:sldIdLst>
   <p:sldSz cx="12192000" cy="6858000"/>
   <p:notesSz cx="6858000" cy="9144000"/>
@@ -228,7 +225,7 @@
           <a:p>
             <a:fld id="{8832BF7F-0261-4F51-AF13-938BC57E176B}" type="datetimeFigureOut">
               <a:rPr lang="en-US" smtClean="0"/>
-              <a:t>11/13/2022</a:t>
+              <a:t>11/12/2022</a:t>
             </a:fld>
             <a:endParaRPr lang="en-US"/>
           </a:p>
@@ -645,7 +642,7 @@
           <a:p>
             <a:fld id="{AD71D156-9C99-4C3F-ABC3-90060C8B2E82}" type="datetimeFigureOut">
               <a:rPr lang="en-US" smtClean="0"/>
-              <a:t>11/13/2022</a:t>
+              <a:t>11/12/2022</a:t>
             </a:fld>
             <a:endParaRPr lang="en-US"/>
           </a:p>
@@ -845,7 +842,7 @@
           <a:p>
             <a:fld id="{AD71D156-9C99-4C3F-ABC3-90060C8B2E82}" type="datetimeFigureOut">
               <a:rPr lang="en-US" smtClean="0"/>
-              <a:t>11/13/2022</a:t>
+              <a:t>11/12/2022</a:t>
             </a:fld>
             <a:endParaRPr lang="en-US"/>
           </a:p>
@@ -1055,7 +1052,7 @@
           <a:p>
             <a:fld id="{AD71D156-9C99-4C3F-ABC3-90060C8B2E82}" type="datetimeFigureOut">
               <a:rPr lang="en-US" smtClean="0"/>
-              <a:t>11/13/2022</a:t>
+              <a:t>11/12/2022</a:t>
             </a:fld>
             <a:endParaRPr lang="en-US"/>
           </a:p>
@@ -1255,7 +1252,7 @@
           <a:p>
             <a:fld id="{AD71D156-9C99-4C3F-ABC3-90060C8B2E82}" type="datetimeFigureOut">
               <a:rPr lang="en-US" smtClean="0"/>
-              <a:t>11/13/2022</a:t>
+              <a:t>11/12/2022</a:t>
             </a:fld>
             <a:endParaRPr lang="en-US"/>
           </a:p>
@@ -1531,7 +1528,7 @@
           <a:p>
             <a:fld id="{AD71D156-9C99-4C3F-ABC3-90060C8B2E82}" type="datetimeFigureOut">
               <a:rPr lang="en-US" smtClean="0"/>
-              <a:t>11/13/2022</a:t>
+              <a:t>11/12/2022</a:t>
             </a:fld>
             <a:endParaRPr lang="en-US"/>
           </a:p>
@@ -1799,7 +1796,7 @@
           <a:p>
             <a:fld id="{AD71D156-9C99-4C3F-ABC3-90060C8B2E82}" type="datetimeFigureOut">
               <a:rPr lang="en-US" smtClean="0"/>
-              <a:t>11/13/2022</a:t>
+              <a:t>11/12/2022</a:t>
             </a:fld>
             <a:endParaRPr lang="en-US"/>
           </a:p>
@@ -2214,7 +2211,7 @@
           <a:p>
             <a:fld id="{AD71D156-9C99-4C3F-ABC3-90060C8B2E82}" type="datetimeFigureOut">
               <a:rPr lang="en-US" smtClean="0"/>
-              <a:t>11/13/2022</a:t>
+              <a:t>11/12/2022</a:t>
             </a:fld>
             <a:endParaRPr lang="en-US"/>
           </a:p>
@@ -2356,7 +2353,7 @@
           <a:p>
             <a:fld id="{AD71D156-9C99-4C3F-ABC3-90060C8B2E82}" type="datetimeFigureOut">
               <a:rPr lang="en-US" smtClean="0"/>
-              <a:t>11/13/2022</a:t>
+              <a:t>11/12/2022</a:t>
             </a:fld>
             <a:endParaRPr lang="en-US"/>
           </a:p>
@@ -2469,7 +2466,7 @@
           <a:p>
             <a:fld id="{AD71D156-9C99-4C3F-ABC3-90060C8B2E82}" type="datetimeFigureOut">
               <a:rPr lang="en-US" smtClean="0"/>
-              <a:t>11/13/2022</a:t>
+              <a:t>11/12/2022</a:t>
             </a:fld>
             <a:endParaRPr lang="en-US"/>
           </a:p>
@@ -2782,7 +2779,7 @@
           <a:p>
             <a:fld id="{AD71D156-9C99-4C3F-ABC3-90060C8B2E82}" type="datetimeFigureOut">
               <a:rPr lang="en-US" smtClean="0"/>
-              <a:t>11/13/2022</a:t>
+              <a:t>11/12/2022</a:t>
             </a:fld>
             <a:endParaRPr lang="en-US"/>
           </a:p>
@@ -3071,7 +3068,7 @@
           <a:p>
             <a:fld id="{AD71D156-9C99-4C3F-ABC3-90060C8B2E82}" type="datetimeFigureOut">
               <a:rPr lang="en-US" smtClean="0"/>
-              <a:t>11/13/2022</a:t>
+              <a:t>11/12/2022</a:t>
             </a:fld>
             <a:endParaRPr lang="en-US"/>
           </a:p>
@@ -3316,7 +3313,7 @@
             <a:fld id="{AD71D156-9C99-4C3F-ABC3-90060C8B2E82}" type="datetimeFigureOut">
               <a:rPr lang="en-US" smtClean="0"/>
               <a:pPr/>
-              <a:t>11/13/2022</a:t>
+              <a:t>11/12/2022</a:t>
             </a:fld>
             <a:endParaRPr lang="en-US"/>
           </a:p>
@@ -5858,8 +5855,8 @@
         </p:nvSpPr>
         <p:spPr>
           <a:xfrm>
-            <a:off x="6172200" y="5308786"/>
-            <a:ext cx="5832845" cy="1330112"/>
+            <a:off x="6172200" y="5540376"/>
+            <a:ext cx="5832845" cy="1098522"/>
           </a:xfrm>
           <a:prstGeom prst="roundRect">
             <a:avLst/>
@@ -6077,230 +6074,6 @@
               <a:t>git log</a:t>
             </a:r>
             <a:endParaRPr lang="en-US" dirty="0"/>
-          </a:p>
-        </p:txBody>
-      </p:sp>
-      <p:sp>
-        <p:nvSpPr>
-          <p:cNvPr id="26" name="Espace réservé du contenu 11">
-            <a:extLst>
-              <a:ext uri="{FF2B5EF4-FFF2-40B4-BE49-F238E27FC236}">
-                <a16:creationId xmlns:a16="http://schemas.microsoft.com/office/drawing/2014/main" id="{F0F328FC-46EA-41EE-8266-053CC4F82ED6}"/>
-              </a:ext>
-            </a:extLst>
-          </p:cNvPr>
-          <p:cNvSpPr txBox="1">
-            <a:spLocks/>
-          </p:cNvSpPr>
-          <p:nvPr/>
-        </p:nvSpPr>
-        <p:spPr>
-          <a:xfrm>
-            <a:off x="838200" y="5308786"/>
-            <a:ext cx="5186430" cy="1325563"/>
-          </a:xfrm>
-          <a:prstGeom prst="roundRect">
-            <a:avLst/>
-          </a:prstGeom>
-          <a:solidFill>
-            <a:schemeClr val="accent2">
-              <a:lumMod val="20000"/>
-              <a:lumOff val="80000"/>
-            </a:schemeClr>
-          </a:solidFill>
-          <a:ln w="38100">
-            <a:solidFill>
-              <a:schemeClr val="accent2">
-                <a:lumMod val="50000"/>
-              </a:schemeClr>
-            </a:solidFill>
-          </a:ln>
-        </p:spPr>
-        <p:txBody>
-          <a:bodyPr vert="horz" lIns="91440" tIns="45720" rIns="91440" bIns="45720" rtlCol="0">
-            <a:noAutofit/>
-          </a:bodyPr>
-          <a:lstStyle>
-            <a:lvl1pPr marL="228600" indent="-228600" algn="l" defTabSz="914400" rtl="0" eaLnBrk="1" latinLnBrk="0" hangingPunct="1">
-              <a:lnSpc>
-                <a:spcPct val="90000"/>
-              </a:lnSpc>
-              <a:spcBef>
-                <a:spcPts val="1000"/>
-              </a:spcBef>
-              <a:buFont typeface="Arial" panose="020B0604020202020204" pitchFamily="34" charset="0"/>
-              <a:buChar char="•"/>
-              <a:defRPr sz="2800" kern="1200">
-                <a:solidFill>
-                  <a:schemeClr val="tx1"/>
-                </a:solidFill>
-                <a:latin typeface="Palatino Linotype" panose="02040502050505030304" pitchFamily="18" charset="0"/>
-                <a:ea typeface="+mn-ea"/>
-                <a:cs typeface="+mn-cs"/>
-              </a:defRPr>
-            </a:lvl1pPr>
-            <a:lvl2pPr marL="685800" indent="-228600" algn="l" defTabSz="914400" rtl="0" eaLnBrk="1" latinLnBrk="0" hangingPunct="1">
-              <a:lnSpc>
-                <a:spcPct val="90000"/>
-              </a:lnSpc>
-              <a:spcBef>
-                <a:spcPts val="500"/>
-              </a:spcBef>
-              <a:buFont typeface="Arial" panose="020B0604020202020204" pitchFamily="34" charset="0"/>
-              <a:buChar char="•"/>
-              <a:defRPr sz="2400" kern="1200">
-                <a:solidFill>
-                  <a:schemeClr val="tx1"/>
-                </a:solidFill>
-                <a:latin typeface="Palatino Linotype" panose="02040502050505030304" pitchFamily="18" charset="0"/>
-                <a:ea typeface="+mn-ea"/>
-                <a:cs typeface="+mn-cs"/>
-              </a:defRPr>
-            </a:lvl2pPr>
-            <a:lvl3pPr marL="1143000" indent="-228600" algn="l" defTabSz="914400" rtl="0" eaLnBrk="1" latinLnBrk="0" hangingPunct="1">
-              <a:lnSpc>
-                <a:spcPct val="90000"/>
-              </a:lnSpc>
-              <a:spcBef>
-                <a:spcPts val="500"/>
-              </a:spcBef>
-              <a:buFont typeface="Arial" panose="020B0604020202020204" pitchFamily="34" charset="0"/>
-              <a:buChar char="•"/>
-              <a:defRPr sz="2000" kern="1200">
-                <a:solidFill>
-                  <a:schemeClr val="tx1"/>
-                </a:solidFill>
-                <a:latin typeface="Palatino Linotype" panose="02040502050505030304" pitchFamily="18" charset="0"/>
-                <a:ea typeface="+mn-ea"/>
-                <a:cs typeface="+mn-cs"/>
-              </a:defRPr>
-            </a:lvl3pPr>
-            <a:lvl4pPr marL="1600200" indent="-228600" algn="l" defTabSz="914400" rtl="0" eaLnBrk="1" latinLnBrk="0" hangingPunct="1">
-              <a:lnSpc>
-                <a:spcPct val="90000"/>
-              </a:lnSpc>
-              <a:spcBef>
-                <a:spcPts val="500"/>
-              </a:spcBef>
-              <a:buFont typeface="Arial" panose="020B0604020202020204" pitchFamily="34" charset="0"/>
-              <a:buChar char="•"/>
-              <a:defRPr sz="1800" kern="1200">
-                <a:solidFill>
-                  <a:schemeClr val="tx1"/>
-                </a:solidFill>
-                <a:latin typeface="Palatino Linotype" panose="02040502050505030304" pitchFamily="18" charset="0"/>
-                <a:ea typeface="+mn-ea"/>
-                <a:cs typeface="+mn-cs"/>
-              </a:defRPr>
-            </a:lvl4pPr>
-            <a:lvl5pPr marL="2057400" indent="-228600" algn="l" defTabSz="914400" rtl="0" eaLnBrk="1" latinLnBrk="0" hangingPunct="1">
-              <a:lnSpc>
-                <a:spcPct val="90000"/>
-              </a:lnSpc>
-              <a:spcBef>
-                <a:spcPts val="500"/>
-              </a:spcBef>
-              <a:buFont typeface="Arial" panose="020B0604020202020204" pitchFamily="34" charset="0"/>
-              <a:buChar char="•"/>
-              <a:defRPr sz="1800" kern="1200">
-                <a:solidFill>
-                  <a:schemeClr val="tx1"/>
-                </a:solidFill>
-                <a:latin typeface="Palatino Linotype" panose="02040502050505030304" pitchFamily="18" charset="0"/>
-                <a:ea typeface="+mn-ea"/>
-                <a:cs typeface="+mn-cs"/>
-              </a:defRPr>
-            </a:lvl5pPr>
-            <a:lvl6pPr marL="2514600" indent="-228600" algn="l" defTabSz="914400" rtl="0" eaLnBrk="1" latinLnBrk="0" hangingPunct="1">
-              <a:lnSpc>
-                <a:spcPct val="90000"/>
-              </a:lnSpc>
-              <a:spcBef>
-                <a:spcPts val="500"/>
-              </a:spcBef>
-              <a:buFont typeface="Arial" panose="020B0604020202020204" pitchFamily="34" charset="0"/>
-              <a:buChar char="•"/>
-              <a:defRPr sz="1800" kern="1200">
-                <a:solidFill>
-                  <a:schemeClr val="tx1"/>
-                </a:solidFill>
-                <a:latin typeface="+mn-lt"/>
-                <a:ea typeface="+mn-ea"/>
-                <a:cs typeface="+mn-cs"/>
-              </a:defRPr>
-            </a:lvl6pPr>
-            <a:lvl7pPr marL="2971800" indent="-228600" algn="l" defTabSz="914400" rtl="0" eaLnBrk="1" latinLnBrk="0" hangingPunct="1">
-              <a:lnSpc>
-                <a:spcPct val="90000"/>
-              </a:lnSpc>
-              <a:spcBef>
-                <a:spcPts val="500"/>
-              </a:spcBef>
-              <a:buFont typeface="Arial" panose="020B0604020202020204" pitchFamily="34" charset="0"/>
-              <a:buChar char="•"/>
-              <a:defRPr sz="1800" kern="1200">
-                <a:solidFill>
-                  <a:schemeClr val="tx1"/>
-                </a:solidFill>
-                <a:latin typeface="+mn-lt"/>
-                <a:ea typeface="+mn-ea"/>
-                <a:cs typeface="+mn-cs"/>
-              </a:defRPr>
-            </a:lvl7pPr>
-            <a:lvl8pPr marL="3429000" indent="-228600" algn="l" defTabSz="914400" rtl="0" eaLnBrk="1" latinLnBrk="0" hangingPunct="1">
-              <a:lnSpc>
-                <a:spcPct val="90000"/>
-              </a:lnSpc>
-              <a:spcBef>
-                <a:spcPts val="500"/>
-              </a:spcBef>
-              <a:buFont typeface="Arial" panose="020B0604020202020204" pitchFamily="34" charset="0"/>
-              <a:buChar char="•"/>
-              <a:defRPr sz="1800" kern="1200">
-                <a:solidFill>
-                  <a:schemeClr val="tx1"/>
-                </a:solidFill>
-                <a:latin typeface="+mn-lt"/>
-                <a:ea typeface="+mn-ea"/>
-                <a:cs typeface="+mn-cs"/>
-              </a:defRPr>
-            </a:lvl8pPr>
-            <a:lvl9pPr marL="3886200" indent="-228600" algn="l" defTabSz="914400" rtl="0" eaLnBrk="1" latinLnBrk="0" hangingPunct="1">
-              <a:lnSpc>
-                <a:spcPct val="90000"/>
-              </a:lnSpc>
-              <a:spcBef>
-                <a:spcPts val="500"/>
-              </a:spcBef>
-              <a:buFont typeface="Arial" panose="020B0604020202020204" pitchFamily="34" charset="0"/>
-              <a:buChar char="•"/>
-              <a:defRPr sz="1800" kern="1200">
-                <a:solidFill>
-                  <a:schemeClr val="tx1"/>
-                </a:solidFill>
-                <a:latin typeface="+mn-lt"/>
-                <a:ea typeface="+mn-ea"/>
-                <a:cs typeface="+mn-cs"/>
-              </a:defRPr>
-            </a:lvl9pPr>
-          </a:lstStyle>
-          <a:p>
-            <a:pPr marL="0" indent="0">
-              <a:buNone/>
-            </a:pPr>
-            <a:r>
-              <a:rPr lang="en-US" sz="2400" b="1" dirty="0"/>
-              <a:t>Note</a:t>
-            </a:r>
-          </a:p>
-          <a:p>
-            <a:pPr marL="0" indent="0">
-              <a:buNone/>
-            </a:pPr>
-            <a:r>
-              <a:rPr lang="en-US" sz="2400" dirty="0"/>
-              <a:t>The full hash is quite long, but you can always use the first few digits</a:t>
-            </a:r>
           </a:p>
         </p:txBody>
       </p:sp>
@@ -6335,7 +6108,7 @@
                             </p:stCondLst>
                             <p:childTnLst>
                               <p:par>
-                                <p:cTn id="5" presetID="10" presetClass="entr" presetSubtype="0" fill="hold" grpId="0" nodeType="clickEffect">
+                                <p:cTn id="5" presetID="1" presetClass="entr" presetSubtype="0" fill="hold" grpId="0" nodeType="clickEffect">
                                   <p:stCondLst>
                                     <p:cond delay="0"/>
                                   </p:stCondLst>
@@ -6343,59 +6116,6 @@
                                     <p:set>
                                       <p:cBhvr>
                                         <p:cTn id="6" dur="1" fill="hold">
-                                          <p:stCondLst>
-                                            <p:cond delay="0"/>
-                                          </p:stCondLst>
-                                        </p:cTn>
-                                        <p:tgtEl>
-                                          <p:spTgt spid="26"/>
-                                        </p:tgtEl>
-                                        <p:attrNameLst>
-                                          <p:attrName>style.visibility</p:attrName>
-                                        </p:attrNameLst>
-                                      </p:cBhvr>
-                                      <p:to>
-                                        <p:strVal val="visible"/>
-                                      </p:to>
-                                    </p:set>
-                                    <p:animEffect transition="in" filter="fade">
-                                      <p:cBhvr>
-                                        <p:cTn id="7" dur="500"/>
-                                        <p:tgtEl>
-                                          <p:spTgt spid="26"/>
-                                        </p:tgtEl>
-                                      </p:cBhvr>
-                                    </p:animEffect>
-                                  </p:childTnLst>
-                                </p:cTn>
-                              </p:par>
-                            </p:childTnLst>
-                          </p:cTn>
-                        </p:par>
-                      </p:childTnLst>
-                    </p:cTn>
-                  </p:par>
-                  <p:par>
-                    <p:cTn id="8" fill="hold">
-                      <p:stCondLst>
-                        <p:cond delay="indefinite"/>
-                      </p:stCondLst>
-                      <p:childTnLst>
-                        <p:par>
-                          <p:cTn id="9" fill="hold">
-                            <p:stCondLst>
-                              <p:cond delay="0"/>
-                            </p:stCondLst>
-                            <p:childTnLst>
-                              <p:par>
-                                <p:cTn id="10" presetID="1" presetClass="entr" presetSubtype="0" fill="hold" grpId="0" nodeType="clickEffect">
-                                  <p:stCondLst>
-                                    <p:cond delay="0"/>
-                                  </p:stCondLst>
-                                  <p:childTnLst>
-                                    <p:set>
-                                      <p:cBhvr>
-                                        <p:cTn id="11" dur="1" fill="hold">
                                           <p:stCondLst>
                                             <p:cond delay="0"/>
                                           </p:stCondLst>
@@ -6443,7 +6163,6 @@
     </p:tnLst>
     <p:bldLst>
       <p:bldP spid="137" grpId="0" animBg="1"/>
-      <p:bldP spid="26" grpId="0" animBg="1"/>
     </p:bldLst>
   </p:timing>
 </p:sld>
@@ -31331,557 +31050,6 @@
           <p:cNvPr id="2" name="Titre 1">
             <a:extLst>
               <a:ext uri="{FF2B5EF4-FFF2-40B4-BE49-F238E27FC236}">
-                <a16:creationId xmlns:a16="http://schemas.microsoft.com/office/drawing/2014/main" id="{DE05AC53-76AC-4327-85F5-6677FFE00871}"/>
-              </a:ext>
-            </a:extLst>
-          </p:cNvPr>
-          <p:cNvSpPr>
-            <a:spLocks noGrp="1"/>
-          </p:cNvSpPr>
-          <p:nvPr>
-            <p:ph type="title"/>
-          </p:nvPr>
-        </p:nvSpPr>
-        <p:spPr/>
-        <p:txBody>
-          <a:bodyPr/>
-          <a:lstStyle/>
-          <a:p>
-            <a:r>
-              <a:rPr lang="en-US" dirty="0"/>
-              <a:t>Merge conflict are solved manually with a text editor</a:t>
-            </a:r>
-          </a:p>
-        </p:txBody>
-      </p:sp>
-      <p:sp>
-        <p:nvSpPr>
-          <p:cNvPr id="3" name="Espace réservé du contenu 2">
-            <a:extLst>
-              <a:ext uri="{FF2B5EF4-FFF2-40B4-BE49-F238E27FC236}">
-                <a16:creationId xmlns:a16="http://schemas.microsoft.com/office/drawing/2014/main" id="{046FEC3E-AE0E-40B3-8CB0-1D8EB6DDA586}"/>
-              </a:ext>
-            </a:extLst>
-          </p:cNvPr>
-          <p:cNvSpPr>
-            <a:spLocks noGrp="1"/>
-          </p:cNvSpPr>
-          <p:nvPr>
-            <p:ph sz="half" idx="1"/>
-          </p:nvPr>
-        </p:nvSpPr>
-        <p:spPr/>
-        <p:txBody>
-          <a:bodyPr>
-            <a:normAutofit/>
-          </a:bodyPr>
-          <a:lstStyle/>
-          <a:p>
-            <a:pPr marL="0" indent="0">
-              <a:buNone/>
-            </a:pPr>
-            <a:r>
-              <a:rPr lang="en-US" dirty="0"/>
-              <a:t>The conflicting file contain both information</a:t>
-            </a:r>
-          </a:p>
-          <a:p>
-            <a:pPr marL="0" indent="0">
-              <a:buNone/>
-            </a:pPr>
-            <a:endParaRPr lang="en-US" dirty="0"/>
-          </a:p>
-          <a:p>
-            <a:pPr marL="0" indent="0">
-              <a:buNone/>
-            </a:pPr>
-            <a:r>
-              <a:rPr lang="en-US" dirty="0">
-                <a:solidFill>
-                  <a:schemeClr val="accent1"/>
-                </a:solidFill>
-                <a:latin typeface="JuliaMono" panose="020B0609060300020004" pitchFamily="49" charset="0"/>
-                <a:ea typeface="JuliaMono" panose="020B0609060300020004" pitchFamily="49" charset="0"/>
-                <a:cs typeface="JuliaMono" panose="020B0609060300020004" pitchFamily="49" charset="0"/>
-              </a:rPr>
-              <a:t>&lt;&lt;&lt;&lt;&lt;&lt;&lt; HEAD</a:t>
-            </a:r>
-          </a:p>
-          <a:p>
-            <a:pPr marL="0" indent="0">
-              <a:buNone/>
-            </a:pPr>
-            <a:r>
-              <a:rPr lang="en-US" dirty="0">
-                <a:latin typeface="JuliaMono" panose="020B0609060300020004" pitchFamily="49" charset="0"/>
-                <a:ea typeface="JuliaMono" panose="020B0609060300020004" pitchFamily="49" charset="0"/>
-                <a:cs typeface="JuliaMono" panose="020B0609060300020004" pitchFamily="49" charset="0"/>
-              </a:rPr>
-              <a:t>The current version.</a:t>
-            </a:r>
-          </a:p>
-          <a:p>
-            <a:pPr marL="0" indent="0">
-              <a:buNone/>
-            </a:pPr>
-            <a:r>
-              <a:rPr lang="en-US" dirty="0">
-                <a:solidFill>
-                  <a:schemeClr val="accent1"/>
-                </a:solidFill>
-                <a:latin typeface="JuliaMono" panose="020B0609060300020004" pitchFamily="49" charset="0"/>
-                <a:ea typeface="JuliaMono" panose="020B0609060300020004" pitchFamily="49" charset="0"/>
-                <a:cs typeface="JuliaMono" panose="020B0609060300020004" pitchFamily="49" charset="0"/>
-              </a:rPr>
-              <a:t>=======</a:t>
-            </a:r>
-          </a:p>
-          <a:p>
-            <a:pPr marL="0" indent="0">
-              <a:buNone/>
-            </a:pPr>
-            <a:r>
-              <a:rPr lang="en-US" dirty="0">
-                <a:latin typeface="JuliaMono" panose="020B0609060300020004" pitchFamily="49" charset="0"/>
-                <a:ea typeface="JuliaMono" panose="020B0609060300020004" pitchFamily="49" charset="0"/>
-                <a:cs typeface="JuliaMono" panose="020B0609060300020004" pitchFamily="49" charset="0"/>
-              </a:rPr>
-              <a:t>Conflicting changes.</a:t>
-            </a:r>
-          </a:p>
-          <a:p>
-            <a:pPr marL="0" indent="0">
-              <a:buNone/>
-            </a:pPr>
-            <a:r>
-              <a:rPr lang="en-US" dirty="0">
-                <a:solidFill>
-                  <a:schemeClr val="accent1"/>
-                </a:solidFill>
-                <a:latin typeface="JuliaMono" panose="020B0609060300020004" pitchFamily="49" charset="0"/>
-                <a:ea typeface="JuliaMono" panose="020B0609060300020004" pitchFamily="49" charset="0"/>
-                <a:cs typeface="JuliaMono" panose="020B0609060300020004" pitchFamily="49" charset="0"/>
-              </a:rPr>
-              <a:t>&gt;&gt;&gt;&gt;&gt;&gt;&gt; exercise</a:t>
-            </a:r>
-          </a:p>
-          <a:p>
-            <a:pPr marL="0" indent="0">
-              <a:buNone/>
-            </a:pPr>
-            <a:endParaRPr lang="en-US" dirty="0"/>
-          </a:p>
-        </p:txBody>
-      </p:sp>
-      <p:sp>
-        <p:nvSpPr>
-          <p:cNvPr id="4" name="Espace réservé du contenu 3">
-            <a:extLst>
-              <a:ext uri="{FF2B5EF4-FFF2-40B4-BE49-F238E27FC236}">
-                <a16:creationId xmlns:a16="http://schemas.microsoft.com/office/drawing/2014/main" id="{C869CF5E-9CA4-405A-AF2D-50FDD6CD9081}"/>
-              </a:ext>
-            </a:extLst>
-          </p:cNvPr>
-          <p:cNvSpPr>
-            <a:spLocks noGrp="1"/>
-          </p:cNvSpPr>
-          <p:nvPr>
-            <p:ph sz="half" idx="2"/>
-          </p:nvPr>
-        </p:nvSpPr>
-        <p:spPr/>
-        <p:txBody>
-          <a:bodyPr>
-            <a:normAutofit/>
-          </a:bodyPr>
-          <a:lstStyle/>
-          <a:p>
-            <a:pPr marL="514350" indent="-514350">
-              <a:buAutoNum type="arabicPeriod"/>
-            </a:pPr>
-            <a:r>
-              <a:rPr lang="en-US" dirty="0"/>
-              <a:t>Open the conflicting file</a:t>
-            </a:r>
-          </a:p>
-          <a:p>
-            <a:pPr marL="514350" indent="-514350">
-              <a:buAutoNum type="arabicPeriod"/>
-            </a:pPr>
-            <a:r>
-              <a:rPr lang="en-US" dirty="0"/>
-              <a:t>Modify it to your liking</a:t>
-            </a:r>
-          </a:p>
-          <a:p>
-            <a:pPr marL="514350" indent="-514350">
-              <a:buAutoNum type="arabicPeriod"/>
-            </a:pPr>
-            <a:r>
-              <a:rPr lang="en-US" dirty="0"/>
-              <a:t>Commit it normally</a:t>
-            </a:r>
-          </a:p>
-        </p:txBody>
-      </p:sp>
-      <p:sp>
-        <p:nvSpPr>
-          <p:cNvPr id="7" name="Espace réservé du contenu 11">
-            <a:extLst>
-              <a:ext uri="{FF2B5EF4-FFF2-40B4-BE49-F238E27FC236}">
-                <a16:creationId xmlns:a16="http://schemas.microsoft.com/office/drawing/2014/main" id="{00F9FF59-632D-4449-BDD1-49BEBF2EABF5}"/>
-              </a:ext>
-            </a:extLst>
-          </p:cNvPr>
-          <p:cNvSpPr txBox="1">
-            <a:spLocks/>
-          </p:cNvSpPr>
-          <p:nvPr/>
-        </p:nvSpPr>
-        <p:spPr>
-          <a:xfrm>
-            <a:off x="6300595" y="3778430"/>
-            <a:ext cx="4693226" cy="1918327"/>
-          </a:xfrm>
-          <a:prstGeom prst="roundRect">
-            <a:avLst/>
-          </a:prstGeom>
-          <a:solidFill>
-            <a:schemeClr val="accent4">
-              <a:lumMod val="20000"/>
-              <a:lumOff val="80000"/>
-            </a:schemeClr>
-          </a:solidFill>
-          <a:ln w="38100">
-            <a:solidFill>
-              <a:schemeClr val="accent4">
-                <a:lumMod val="50000"/>
-              </a:schemeClr>
-            </a:solidFill>
-          </a:ln>
-        </p:spPr>
-        <p:txBody>
-          <a:bodyPr vert="horz" lIns="91440" tIns="45720" rIns="91440" bIns="45720" rtlCol="0">
-            <a:noAutofit/>
-          </a:bodyPr>
-          <a:lstStyle>
-            <a:lvl1pPr marL="228600" indent="-228600" algn="l" defTabSz="914400" rtl="0" eaLnBrk="1" latinLnBrk="0" hangingPunct="1">
-              <a:lnSpc>
-                <a:spcPct val="90000"/>
-              </a:lnSpc>
-              <a:spcBef>
-                <a:spcPts val="1000"/>
-              </a:spcBef>
-              <a:buFont typeface="Arial" panose="020B0604020202020204" pitchFamily="34" charset="0"/>
-              <a:buChar char="•"/>
-              <a:defRPr sz="2800" kern="1200">
-                <a:solidFill>
-                  <a:schemeClr val="tx1"/>
-                </a:solidFill>
-                <a:latin typeface="Palatino Linotype" panose="02040502050505030304" pitchFamily="18" charset="0"/>
-                <a:ea typeface="+mn-ea"/>
-                <a:cs typeface="+mn-cs"/>
-              </a:defRPr>
-            </a:lvl1pPr>
-            <a:lvl2pPr marL="685800" indent="-228600" algn="l" defTabSz="914400" rtl="0" eaLnBrk="1" latinLnBrk="0" hangingPunct="1">
-              <a:lnSpc>
-                <a:spcPct val="90000"/>
-              </a:lnSpc>
-              <a:spcBef>
-                <a:spcPts val="500"/>
-              </a:spcBef>
-              <a:buFont typeface="Arial" panose="020B0604020202020204" pitchFamily="34" charset="0"/>
-              <a:buChar char="•"/>
-              <a:defRPr sz="2400" kern="1200">
-                <a:solidFill>
-                  <a:schemeClr val="tx1"/>
-                </a:solidFill>
-                <a:latin typeface="Palatino Linotype" panose="02040502050505030304" pitchFamily="18" charset="0"/>
-                <a:ea typeface="+mn-ea"/>
-                <a:cs typeface="+mn-cs"/>
-              </a:defRPr>
-            </a:lvl2pPr>
-            <a:lvl3pPr marL="1143000" indent="-228600" algn="l" defTabSz="914400" rtl="0" eaLnBrk="1" latinLnBrk="0" hangingPunct="1">
-              <a:lnSpc>
-                <a:spcPct val="90000"/>
-              </a:lnSpc>
-              <a:spcBef>
-                <a:spcPts val="500"/>
-              </a:spcBef>
-              <a:buFont typeface="Arial" panose="020B0604020202020204" pitchFamily="34" charset="0"/>
-              <a:buChar char="•"/>
-              <a:defRPr sz="2000" kern="1200">
-                <a:solidFill>
-                  <a:schemeClr val="tx1"/>
-                </a:solidFill>
-                <a:latin typeface="Palatino Linotype" panose="02040502050505030304" pitchFamily="18" charset="0"/>
-                <a:ea typeface="+mn-ea"/>
-                <a:cs typeface="+mn-cs"/>
-              </a:defRPr>
-            </a:lvl3pPr>
-            <a:lvl4pPr marL="1600200" indent="-228600" algn="l" defTabSz="914400" rtl="0" eaLnBrk="1" latinLnBrk="0" hangingPunct="1">
-              <a:lnSpc>
-                <a:spcPct val="90000"/>
-              </a:lnSpc>
-              <a:spcBef>
-                <a:spcPts val="500"/>
-              </a:spcBef>
-              <a:buFont typeface="Arial" panose="020B0604020202020204" pitchFamily="34" charset="0"/>
-              <a:buChar char="•"/>
-              <a:defRPr sz="1800" kern="1200">
-                <a:solidFill>
-                  <a:schemeClr val="tx1"/>
-                </a:solidFill>
-                <a:latin typeface="Palatino Linotype" panose="02040502050505030304" pitchFamily="18" charset="0"/>
-                <a:ea typeface="+mn-ea"/>
-                <a:cs typeface="+mn-cs"/>
-              </a:defRPr>
-            </a:lvl4pPr>
-            <a:lvl5pPr marL="2057400" indent="-228600" algn="l" defTabSz="914400" rtl="0" eaLnBrk="1" latinLnBrk="0" hangingPunct="1">
-              <a:lnSpc>
-                <a:spcPct val="90000"/>
-              </a:lnSpc>
-              <a:spcBef>
-                <a:spcPts val="500"/>
-              </a:spcBef>
-              <a:buFont typeface="Arial" panose="020B0604020202020204" pitchFamily="34" charset="0"/>
-              <a:buChar char="•"/>
-              <a:defRPr sz="1800" kern="1200">
-                <a:solidFill>
-                  <a:schemeClr val="tx1"/>
-                </a:solidFill>
-                <a:latin typeface="Palatino Linotype" panose="02040502050505030304" pitchFamily="18" charset="0"/>
-                <a:ea typeface="+mn-ea"/>
-                <a:cs typeface="+mn-cs"/>
-              </a:defRPr>
-            </a:lvl5pPr>
-            <a:lvl6pPr marL="2514600" indent="-228600" algn="l" defTabSz="914400" rtl="0" eaLnBrk="1" latinLnBrk="0" hangingPunct="1">
-              <a:lnSpc>
-                <a:spcPct val="90000"/>
-              </a:lnSpc>
-              <a:spcBef>
-                <a:spcPts val="500"/>
-              </a:spcBef>
-              <a:buFont typeface="Arial" panose="020B0604020202020204" pitchFamily="34" charset="0"/>
-              <a:buChar char="•"/>
-              <a:defRPr sz="1800" kern="1200">
-                <a:solidFill>
-                  <a:schemeClr val="tx1"/>
-                </a:solidFill>
-                <a:latin typeface="+mn-lt"/>
-                <a:ea typeface="+mn-ea"/>
-                <a:cs typeface="+mn-cs"/>
-              </a:defRPr>
-            </a:lvl6pPr>
-            <a:lvl7pPr marL="2971800" indent="-228600" algn="l" defTabSz="914400" rtl="0" eaLnBrk="1" latinLnBrk="0" hangingPunct="1">
-              <a:lnSpc>
-                <a:spcPct val="90000"/>
-              </a:lnSpc>
-              <a:spcBef>
-                <a:spcPts val="500"/>
-              </a:spcBef>
-              <a:buFont typeface="Arial" panose="020B0604020202020204" pitchFamily="34" charset="0"/>
-              <a:buChar char="•"/>
-              <a:defRPr sz="1800" kern="1200">
-                <a:solidFill>
-                  <a:schemeClr val="tx1"/>
-                </a:solidFill>
-                <a:latin typeface="+mn-lt"/>
-                <a:ea typeface="+mn-ea"/>
-                <a:cs typeface="+mn-cs"/>
-              </a:defRPr>
-            </a:lvl7pPr>
-            <a:lvl8pPr marL="3429000" indent="-228600" algn="l" defTabSz="914400" rtl="0" eaLnBrk="1" latinLnBrk="0" hangingPunct="1">
-              <a:lnSpc>
-                <a:spcPct val="90000"/>
-              </a:lnSpc>
-              <a:spcBef>
-                <a:spcPts val="500"/>
-              </a:spcBef>
-              <a:buFont typeface="Arial" panose="020B0604020202020204" pitchFamily="34" charset="0"/>
-              <a:buChar char="•"/>
-              <a:defRPr sz="1800" kern="1200">
-                <a:solidFill>
-                  <a:schemeClr val="tx1"/>
-                </a:solidFill>
-                <a:latin typeface="+mn-lt"/>
-                <a:ea typeface="+mn-ea"/>
-                <a:cs typeface="+mn-cs"/>
-              </a:defRPr>
-            </a:lvl8pPr>
-            <a:lvl9pPr marL="3886200" indent="-228600" algn="l" defTabSz="914400" rtl="0" eaLnBrk="1" latinLnBrk="0" hangingPunct="1">
-              <a:lnSpc>
-                <a:spcPct val="90000"/>
-              </a:lnSpc>
-              <a:spcBef>
-                <a:spcPts val="500"/>
-              </a:spcBef>
-              <a:buFont typeface="Arial" panose="020B0604020202020204" pitchFamily="34" charset="0"/>
-              <a:buChar char="•"/>
-              <a:defRPr sz="1800" kern="1200">
-                <a:solidFill>
-                  <a:schemeClr val="tx1"/>
-                </a:solidFill>
-                <a:latin typeface="+mn-lt"/>
-                <a:ea typeface="+mn-ea"/>
-                <a:cs typeface="+mn-cs"/>
-              </a:defRPr>
-            </a:lvl9pPr>
-          </a:lstStyle>
-          <a:p>
-            <a:pPr marL="0" indent="0">
-              <a:buNone/>
-            </a:pPr>
-            <a:r>
-              <a:rPr lang="en-US" sz="2400" b="1" dirty="0"/>
-              <a:t>Exercise 7</a:t>
-            </a:r>
-          </a:p>
-          <a:p>
-            <a:pPr>
-              <a:buFontTx/>
-              <a:buChar char="-"/>
-            </a:pPr>
-            <a:r>
-              <a:rPr lang="en-US" sz="2400" dirty="0"/>
-              <a:t>Give me a minute again</a:t>
-            </a:r>
-          </a:p>
-          <a:p>
-            <a:pPr>
-              <a:buFontTx/>
-              <a:buChar char="-"/>
-            </a:pPr>
-            <a:r>
-              <a:rPr lang="en-US" sz="2400" dirty="0"/>
-              <a:t>Fetch and pull the changes</a:t>
-            </a:r>
-          </a:p>
-          <a:p>
-            <a:pPr>
-              <a:buFontTx/>
-              <a:buChar char="-"/>
-            </a:pPr>
-            <a:r>
-              <a:rPr lang="en-US" sz="2400" dirty="0"/>
-              <a:t>Resolve the merge conflict</a:t>
-            </a:r>
-          </a:p>
-        </p:txBody>
-      </p:sp>
-    </p:spTree>
-    <p:extLst>
-      <p:ext uri="{BB962C8B-B14F-4D97-AF65-F5344CB8AC3E}">
-        <p14:creationId xmlns:p14="http://schemas.microsoft.com/office/powerpoint/2010/main" val="2512930581"/>
-      </p:ext>
-    </p:extLst>
-  </p:cSld>
-  <p:clrMapOvr>
-    <a:masterClrMapping/>
-  </p:clrMapOvr>
-  <p:timing>
-    <p:tnLst>
-      <p:par>
-        <p:cTn id="1" dur="indefinite" restart="never" nodeType="tmRoot">
-          <p:childTnLst>
-            <p:seq concurrent="1" nextAc="seek">
-              <p:cTn id="2" dur="indefinite" nodeType="mainSeq">
-                <p:childTnLst>
-                  <p:par>
-                    <p:cTn id="3" fill="hold">
-                      <p:stCondLst>
-                        <p:cond delay="indefinite"/>
-                      </p:stCondLst>
-                      <p:childTnLst>
-                        <p:par>
-                          <p:cTn id="4" fill="hold">
-                            <p:stCondLst>
-                              <p:cond delay="0"/>
-                            </p:stCondLst>
-                            <p:childTnLst>
-                              <p:par>
-                                <p:cTn id="5" presetID="1" presetClass="entr" presetSubtype="0" fill="hold" grpId="0" nodeType="clickEffect">
-                                  <p:stCondLst>
-                                    <p:cond delay="0"/>
-                                  </p:stCondLst>
-                                  <p:childTnLst>
-                                    <p:set>
-                                      <p:cBhvr>
-                                        <p:cTn id="6" dur="1" fill="hold">
-                                          <p:stCondLst>
-                                            <p:cond delay="0"/>
-                                          </p:stCondLst>
-                                        </p:cTn>
-                                        <p:tgtEl>
-                                          <p:spTgt spid="7"/>
-                                        </p:tgtEl>
-                                        <p:attrNameLst>
-                                          <p:attrName>style.visibility</p:attrName>
-                                        </p:attrNameLst>
-                                      </p:cBhvr>
-                                      <p:to>
-                                        <p:strVal val="visible"/>
-                                      </p:to>
-                                    </p:set>
-                                  </p:childTnLst>
-                                </p:cTn>
-                              </p:par>
-                            </p:childTnLst>
-                          </p:cTn>
-                        </p:par>
-                      </p:childTnLst>
-                    </p:cTn>
-                  </p:par>
-                </p:childTnLst>
-              </p:cTn>
-              <p:prevCondLst>
-                <p:cond evt="onPrev" delay="0">
-                  <p:tgtEl>
-                    <p:sldTgt/>
-                  </p:tgtEl>
-                </p:cond>
-              </p:prevCondLst>
-              <p:nextCondLst>
-                <p:cond evt="onNext" delay="0">
-                  <p:tgtEl>
-                    <p:sldTgt/>
-                  </p:tgtEl>
-                </p:cond>
-              </p:nextCondLst>
-            </p:seq>
-          </p:childTnLst>
-        </p:cTn>
-      </p:par>
-    </p:tnLst>
-    <p:bldLst>
-      <p:bldP spid="7" grpId="0" animBg="1"/>
-    </p:bldLst>
-  </p:timing>
-</p:sld>
-</file>
-
-<file path=ppt/slides/slide22.xml><?xml version="1.0" encoding="utf-8"?>
-<p:sld xmlns:a="http://schemas.openxmlformats.org/drawingml/2006/main" xmlns:r="http://schemas.openxmlformats.org/officeDocument/2006/relationships" xmlns:p="http://schemas.openxmlformats.org/presentationml/2006/main">
-  <p:cSld>
-    <p:spTree>
-      <p:nvGrpSpPr>
-        <p:cNvPr id="1" name=""/>
-        <p:cNvGrpSpPr/>
-        <p:nvPr/>
-      </p:nvGrpSpPr>
-      <p:grpSpPr>
-        <a:xfrm>
-          <a:off x="0" y="0"/>
-          <a:ext cx="0" cy="0"/>
-          <a:chOff x="0" y="0"/>
-          <a:chExt cx="0" cy="0"/>
-        </a:xfrm>
-      </p:grpSpPr>
-      <p:sp>
-        <p:nvSpPr>
-          <p:cNvPr id="2" name="Titre 1">
-            <a:extLst>
-              <a:ext uri="{FF2B5EF4-FFF2-40B4-BE49-F238E27FC236}">
                 <a16:creationId xmlns:a16="http://schemas.microsoft.com/office/drawing/2014/main" id="{4906BABC-AF92-4620-893B-090627346661}"/>
               </a:ext>
             </a:extLst>
@@ -31900,7 +31068,7 @@
           <a:p>
             <a:r>
               <a:rPr lang="en-US" dirty="0"/>
-              <a:t>Branch : parallel histories that can be branched out or merged</a:t>
+              <a:t>Branch : branch out locally</a:t>
             </a:r>
           </a:p>
         </p:txBody>
@@ -35163,7 +34331,7 @@
 </p:sld>
 </file>
 
-<file path=ppt/slides/slide23.xml><?xml version="1.0" encoding="utf-8"?>
+<file path=ppt/slides/slide22.xml><?xml version="1.0" encoding="utf-8"?>
 <p:sld xmlns:a="http://schemas.openxmlformats.org/drawingml/2006/main" xmlns:r="http://schemas.openxmlformats.org/officeDocument/2006/relationships" xmlns:p="http://schemas.openxmlformats.org/presentationml/2006/main">
   <p:cSld>
     <p:spTree>
@@ -36237,7 +35405,7 @@
 </p:sld>
 </file>
 
-<file path=ppt/slides/slide24.xml><?xml version="1.0" encoding="utf-8"?>
+<file path=ppt/slides/slide23.xml><?xml version="1.0" encoding="utf-8"?>
 <p:sld xmlns:a="http://schemas.openxmlformats.org/drawingml/2006/main" xmlns:r="http://schemas.openxmlformats.org/officeDocument/2006/relationships" xmlns:p="http://schemas.openxmlformats.org/presentationml/2006/main">
   <p:cSld>
     <p:spTree>
@@ -36320,505 +35488,7 @@
 </p:sld>
 </file>
 
-<file path=ppt/slides/slide25.xml><?xml version="1.0" encoding="utf-8"?>
-<p:sld xmlns:a="http://schemas.openxmlformats.org/drawingml/2006/main" xmlns:r="http://schemas.openxmlformats.org/officeDocument/2006/relationships" xmlns:p="http://schemas.openxmlformats.org/presentationml/2006/main">
-  <p:cSld>
-    <p:spTree>
-      <p:nvGrpSpPr>
-        <p:cNvPr id="1" name=""/>
-        <p:cNvGrpSpPr/>
-        <p:nvPr/>
-      </p:nvGrpSpPr>
-      <p:grpSpPr>
-        <a:xfrm>
-          <a:off x="0" y="0"/>
-          <a:ext cx="0" cy="0"/>
-          <a:chOff x="0" y="0"/>
-          <a:chExt cx="0" cy="0"/>
-        </a:xfrm>
-      </p:grpSpPr>
-      <p:sp>
-        <p:nvSpPr>
-          <p:cNvPr id="2" name="Titre 1">
-            <a:extLst>
-              <a:ext uri="{FF2B5EF4-FFF2-40B4-BE49-F238E27FC236}">
-                <a16:creationId xmlns:a16="http://schemas.microsoft.com/office/drawing/2014/main" id="{68439DB6-7548-4585-A46C-5372048F84AE}"/>
-              </a:ext>
-            </a:extLst>
-          </p:cNvPr>
-          <p:cNvSpPr>
-            <a:spLocks noGrp="1"/>
-          </p:cNvSpPr>
-          <p:nvPr>
-            <p:ph type="title"/>
-          </p:nvPr>
-        </p:nvSpPr>
-        <p:spPr/>
-        <p:txBody>
-          <a:bodyPr/>
-          <a:lstStyle/>
-          <a:p>
-            <a:r>
-              <a:rPr lang="en-US" dirty="0">
-                <a:solidFill>
-                  <a:schemeClr val="accent1">
-                    <a:lumMod val="75000"/>
-                  </a:schemeClr>
-                </a:solidFill>
-                <a:latin typeface="JuliaMono" panose="020B0609060300020004" pitchFamily="49" charset="0"/>
-                <a:ea typeface="JuliaMono" panose="020B0609060300020004" pitchFamily="49" charset="0"/>
-                <a:cs typeface="JuliaMono" panose="020B0609060300020004" pitchFamily="49" charset="0"/>
-              </a:rPr>
-              <a:t>master</a:t>
-            </a:r>
-            <a:r>
-              <a:rPr lang="en-US" dirty="0">
-                <a:latin typeface="JuliaMono" panose="020B0609060300020004" pitchFamily="49" charset="0"/>
-                <a:ea typeface="JuliaMono" panose="020B0609060300020004" pitchFamily="49" charset="0"/>
-                <a:cs typeface="JuliaMono" panose="020B0609060300020004" pitchFamily="49" charset="0"/>
-              </a:rPr>
-              <a:t> </a:t>
-            </a:r>
-            <a:r>
-              <a:rPr lang="en-US" dirty="0"/>
-              <a:t>is the source of truth and should always be working</a:t>
-            </a:r>
-          </a:p>
-        </p:txBody>
-      </p:sp>
-      <p:sp>
-        <p:nvSpPr>
-          <p:cNvPr id="3" name="Espace réservé du contenu 2">
-            <a:extLst>
-              <a:ext uri="{FF2B5EF4-FFF2-40B4-BE49-F238E27FC236}">
-                <a16:creationId xmlns:a16="http://schemas.microsoft.com/office/drawing/2014/main" id="{797D11D5-1280-497B-B4D9-88891CA2C2A3}"/>
-              </a:ext>
-            </a:extLst>
-          </p:cNvPr>
-          <p:cNvSpPr>
-            <a:spLocks noGrp="1"/>
-          </p:cNvSpPr>
-          <p:nvPr>
-            <p:ph idx="1"/>
-          </p:nvPr>
-        </p:nvSpPr>
-        <p:spPr/>
-        <p:txBody>
-          <a:bodyPr/>
-          <a:lstStyle/>
-          <a:p>
-            <a:r>
-              <a:rPr lang="en-US" dirty="0"/>
-              <a:t>Development is done in separate branch</a:t>
-            </a:r>
-          </a:p>
-          <a:p>
-            <a:r>
-              <a:rPr lang="en-US" dirty="0"/>
-              <a:t>When a feature is implemented, the development branch is reviewed and merged into </a:t>
-            </a:r>
-            <a:r>
-              <a:rPr lang="en-US" dirty="0">
-                <a:solidFill>
-                  <a:schemeClr val="accent1">
-                    <a:lumMod val="75000"/>
-                  </a:schemeClr>
-                </a:solidFill>
-                <a:latin typeface="JuliaMono" panose="020B0609060300020004" pitchFamily="49" charset="0"/>
-                <a:ea typeface="JuliaMono" panose="020B0609060300020004" pitchFamily="49" charset="0"/>
-                <a:cs typeface="JuliaMono" panose="020B0609060300020004" pitchFamily="49" charset="0"/>
-              </a:rPr>
-              <a:t>master</a:t>
-            </a:r>
-          </a:p>
-          <a:p>
-            <a:r>
-              <a:rPr lang="en-US" dirty="0"/>
-              <a:t>On public repo it goes through pull requests</a:t>
-            </a:r>
-            <a:endParaRPr lang="en-US" dirty="0">
-              <a:solidFill>
-                <a:schemeClr val="accent1">
-                  <a:lumMod val="75000"/>
-                </a:schemeClr>
-              </a:solidFill>
-              <a:latin typeface="JuliaMono" panose="020B0609060300020004" pitchFamily="49" charset="0"/>
-              <a:ea typeface="JuliaMono" panose="020B0609060300020004" pitchFamily="49" charset="0"/>
-              <a:cs typeface="JuliaMono" panose="020B0609060300020004" pitchFamily="49" charset="0"/>
-            </a:endParaRPr>
-          </a:p>
-          <a:p>
-            <a:pPr marL="0" indent="0">
-              <a:buNone/>
-            </a:pPr>
-            <a:endParaRPr lang="en-US" dirty="0">
-              <a:solidFill>
-                <a:schemeClr val="accent1">
-                  <a:lumMod val="75000"/>
-                </a:schemeClr>
-              </a:solidFill>
-              <a:latin typeface="JuliaMono" panose="020B0609060300020004" pitchFamily="49" charset="0"/>
-              <a:ea typeface="JuliaMono" panose="020B0609060300020004" pitchFamily="49" charset="0"/>
-              <a:cs typeface="JuliaMono" panose="020B0609060300020004" pitchFamily="49" charset="0"/>
-            </a:endParaRPr>
-          </a:p>
-        </p:txBody>
-      </p:sp>
-      <p:sp>
-        <p:nvSpPr>
-          <p:cNvPr id="4" name="Espace réservé du contenu 11">
-            <a:extLst>
-              <a:ext uri="{FF2B5EF4-FFF2-40B4-BE49-F238E27FC236}">
-                <a16:creationId xmlns:a16="http://schemas.microsoft.com/office/drawing/2014/main" id="{3F4AACF6-99A2-41AD-93A4-EF1853C3FB8F}"/>
-              </a:ext>
-            </a:extLst>
-          </p:cNvPr>
-          <p:cNvSpPr txBox="1">
-            <a:spLocks/>
-          </p:cNvSpPr>
-          <p:nvPr/>
-        </p:nvSpPr>
-        <p:spPr>
-          <a:xfrm>
-            <a:off x="948559" y="5391807"/>
-            <a:ext cx="5565373" cy="1101068"/>
-          </a:xfrm>
-          <a:prstGeom prst="roundRect">
-            <a:avLst/>
-          </a:prstGeom>
-          <a:solidFill>
-            <a:schemeClr val="accent2">
-              <a:lumMod val="20000"/>
-              <a:lumOff val="80000"/>
-            </a:schemeClr>
-          </a:solidFill>
-          <a:ln w="38100">
-            <a:solidFill>
-              <a:schemeClr val="accent2">
-                <a:lumMod val="50000"/>
-              </a:schemeClr>
-            </a:solidFill>
-          </a:ln>
-        </p:spPr>
-        <p:txBody>
-          <a:bodyPr vert="horz" lIns="91440" tIns="45720" rIns="91440" bIns="45720" rtlCol="0">
-            <a:noAutofit/>
-          </a:bodyPr>
-          <a:lstStyle>
-            <a:lvl1pPr marL="228600" indent="-228600" algn="l" defTabSz="914400" rtl="0" eaLnBrk="1" latinLnBrk="0" hangingPunct="1">
-              <a:lnSpc>
-                <a:spcPct val="90000"/>
-              </a:lnSpc>
-              <a:spcBef>
-                <a:spcPts val="1000"/>
-              </a:spcBef>
-              <a:buFont typeface="Arial" panose="020B0604020202020204" pitchFamily="34" charset="0"/>
-              <a:buChar char="•"/>
-              <a:defRPr sz="2800" kern="1200">
-                <a:solidFill>
-                  <a:schemeClr val="tx1"/>
-                </a:solidFill>
-                <a:latin typeface="Palatino Linotype" panose="02040502050505030304" pitchFamily="18" charset="0"/>
-                <a:ea typeface="+mn-ea"/>
-                <a:cs typeface="+mn-cs"/>
-              </a:defRPr>
-            </a:lvl1pPr>
-            <a:lvl2pPr marL="685800" indent="-228600" algn="l" defTabSz="914400" rtl="0" eaLnBrk="1" latinLnBrk="0" hangingPunct="1">
-              <a:lnSpc>
-                <a:spcPct val="90000"/>
-              </a:lnSpc>
-              <a:spcBef>
-                <a:spcPts val="500"/>
-              </a:spcBef>
-              <a:buFont typeface="Arial" panose="020B0604020202020204" pitchFamily="34" charset="0"/>
-              <a:buChar char="•"/>
-              <a:defRPr sz="2400" kern="1200">
-                <a:solidFill>
-                  <a:schemeClr val="tx1"/>
-                </a:solidFill>
-                <a:latin typeface="Palatino Linotype" panose="02040502050505030304" pitchFamily="18" charset="0"/>
-                <a:ea typeface="+mn-ea"/>
-                <a:cs typeface="+mn-cs"/>
-              </a:defRPr>
-            </a:lvl2pPr>
-            <a:lvl3pPr marL="1143000" indent="-228600" algn="l" defTabSz="914400" rtl="0" eaLnBrk="1" latinLnBrk="0" hangingPunct="1">
-              <a:lnSpc>
-                <a:spcPct val="90000"/>
-              </a:lnSpc>
-              <a:spcBef>
-                <a:spcPts val="500"/>
-              </a:spcBef>
-              <a:buFont typeface="Arial" panose="020B0604020202020204" pitchFamily="34" charset="0"/>
-              <a:buChar char="•"/>
-              <a:defRPr sz="2000" kern="1200">
-                <a:solidFill>
-                  <a:schemeClr val="tx1"/>
-                </a:solidFill>
-                <a:latin typeface="Palatino Linotype" panose="02040502050505030304" pitchFamily="18" charset="0"/>
-                <a:ea typeface="+mn-ea"/>
-                <a:cs typeface="+mn-cs"/>
-              </a:defRPr>
-            </a:lvl3pPr>
-            <a:lvl4pPr marL="1600200" indent="-228600" algn="l" defTabSz="914400" rtl="0" eaLnBrk="1" latinLnBrk="0" hangingPunct="1">
-              <a:lnSpc>
-                <a:spcPct val="90000"/>
-              </a:lnSpc>
-              <a:spcBef>
-                <a:spcPts val="500"/>
-              </a:spcBef>
-              <a:buFont typeface="Arial" panose="020B0604020202020204" pitchFamily="34" charset="0"/>
-              <a:buChar char="•"/>
-              <a:defRPr sz="1800" kern="1200">
-                <a:solidFill>
-                  <a:schemeClr val="tx1"/>
-                </a:solidFill>
-                <a:latin typeface="Palatino Linotype" panose="02040502050505030304" pitchFamily="18" charset="0"/>
-                <a:ea typeface="+mn-ea"/>
-                <a:cs typeface="+mn-cs"/>
-              </a:defRPr>
-            </a:lvl4pPr>
-            <a:lvl5pPr marL="2057400" indent="-228600" algn="l" defTabSz="914400" rtl="0" eaLnBrk="1" latinLnBrk="0" hangingPunct="1">
-              <a:lnSpc>
-                <a:spcPct val="90000"/>
-              </a:lnSpc>
-              <a:spcBef>
-                <a:spcPts val="500"/>
-              </a:spcBef>
-              <a:buFont typeface="Arial" panose="020B0604020202020204" pitchFamily="34" charset="0"/>
-              <a:buChar char="•"/>
-              <a:defRPr sz="1800" kern="1200">
-                <a:solidFill>
-                  <a:schemeClr val="tx1"/>
-                </a:solidFill>
-                <a:latin typeface="Palatino Linotype" panose="02040502050505030304" pitchFamily="18" charset="0"/>
-                <a:ea typeface="+mn-ea"/>
-                <a:cs typeface="+mn-cs"/>
-              </a:defRPr>
-            </a:lvl5pPr>
-            <a:lvl6pPr marL="2514600" indent="-228600" algn="l" defTabSz="914400" rtl="0" eaLnBrk="1" latinLnBrk="0" hangingPunct="1">
-              <a:lnSpc>
-                <a:spcPct val="90000"/>
-              </a:lnSpc>
-              <a:spcBef>
-                <a:spcPts val="500"/>
-              </a:spcBef>
-              <a:buFont typeface="Arial" panose="020B0604020202020204" pitchFamily="34" charset="0"/>
-              <a:buChar char="•"/>
-              <a:defRPr sz="1800" kern="1200">
-                <a:solidFill>
-                  <a:schemeClr val="tx1"/>
-                </a:solidFill>
-                <a:latin typeface="+mn-lt"/>
-                <a:ea typeface="+mn-ea"/>
-                <a:cs typeface="+mn-cs"/>
-              </a:defRPr>
-            </a:lvl6pPr>
-            <a:lvl7pPr marL="2971800" indent="-228600" algn="l" defTabSz="914400" rtl="0" eaLnBrk="1" latinLnBrk="0" hangingPunct="1">
-              <a:lnSpc>
-                <a:spcPct val="90000"/>
-              </a:lnSpc>
-              <a:spcBef>
-                <a:spcPts val="500"/>
-              </a:spcBef>
-              <a:buFont typeface="Arial" panose="020B0604020202020204" pitchFamily="34" charset="0"/>
-              <a:buChar char="•"/>
-              <a:defRPr sz="1800" kern="1200">
-                <a:solidFill>
-                  <a:schemeClr val="tx1"/>
-                </a:solidFill>
-                <a:latin typeface="+mn-lt"/>
-                <a:ea typeface="+mn-ea"/>
-                <a:cs typeface="+mn-cs"/>
-              </a:defRPr>
-            </a:lvl7pPr>
-            <a:lvl8pPr marL="3429000" indent="-228600" algn="l" defTabSz="914400" rtl="0" eaLnBrk="1" latinLnBrk="0" hangingPunct="1">
-              <a:lnSpc>
-                <a:spcPct val="90000"/>
-              </a:lnSpc>
-              <a:spcBef>
-                <a:spcPts val="500"/>
-              </a:spcBef>
-              <a:buFont typeface="Arial" panose="020B0604020202020204" pitchFamily="34" charset="0"/>
-              <a:buChar char="•"/>
-              <a:defRPr sz="1800" kern="1200">
-                <a:solidFill>
-                  <a:schemeClr val="tx1"/>
-                </a:solidFill>
-                <a:latin typeface="+mn-lt"/>
-                <a:ea typeface="+mn-ea"/>
-                <a:cs typeface="+mn-cs"/>
-              </a:defRPr>
-            </a:lvl8pPr>
-            <a:lvl9pPr marL="3886200" indent="-228600" algn="l" defTabSz="914400" rtl="0" eaLnBrk="1" latinLnBrk="0" hangingPunct="1">
-              <a:lnSpc>
-                <a:spcPct val="90000"/>
-              </a:lnSpc>
-              <a:spcBef>
-                <a:spcPts val="500"/>
-              </a:spcBef>
-              <a:buFont typeface="Arial" panose="020B0604020202020204" pitchFamily="34" charset="0"/>
-              <a:buChar char="•"/>
-              <a:defRPr sz="1800" kern="1200">
-                <a:solidFill>
-                  <a:schemeClr val="tx1"/>
-                </a:solidFill>
-                <a:latin typeface="+mn-lt"/>
-                <a:ea typeface="+mn-ea"/>
-                <a:cs typeface="+mn-cs"/>
-              </a:defRPr>
-            </a:lvl9pPr>
-          </a:lstStyle>
-          <a:p>
-            <a:pPr marL="0" indent="0">
-              <a:buNone/>
-            </a:pPr>
-            <a:r>
-              <a:rPr lang="en-US" sz="2400" b="1" dirty="0"/>
-              <a:t>Note</a:t>
-            </a:r>
-            <a:endParaRPr lang="en-US" sz="2400" dirty="0"/>
-          </a:p>
-          <a:p>
-            <a:pPr marL="0" indent="0">
-              <a:buNone/>
-            </a:pPr>
-            <a:r>
-              <a:rPr lang="en-US" sz="2400" dirty="0"/>
-              <a:t>Sometime </a:t>
-            </a:r>
-            <a:r>
-              <a:rPr lang="en-US" sz="2400" dirty="0">
-                <a:solidFill>
-                  <a:schemeClr val="accent1">
-                    <a:lumMod val="75000"/>
-                  </a:schemeClr>
-                </a:solidFill>
-                <a:latin typeface="JuliaMono" panose="020B0609060300020004" pitchFamily="49" charset="0"/>
-                <a:ea typeface="JuliaMono" panose="020B0609060300020004" pitchFamily="49" charset="0"/>
-                <a:cs typeface="JuliaMono" panose="020B0609060300020004" pitchFamily="49" charset="0"/>
-              </a:rPr>
-              <a:t>master</a:t>
-            </a:r>
-            <a:r>
-              <a:rPr lang="en-US" sz="2400" dirty="0"/>
-              <a:t> is called </a:t>
-            </a:r>
-            <a:r>
-              <a:rPr lang="en-US" sz="2400" dirty="0">
-                <a:solidFill>
-                  <a:schemeClr val="accent1">
-                    <a:lumMod val="75000"/>
-                  </a:schemeClr>
-                </a:solidFill>
-                <a:latin typeface="JuliaMono" panose="020B0609060300020004" pitchFamily="49" charset="0"/>
-                <a:ea typeface="JuliaMono" panose="020B0609060300020004" pitchFamily="49" charset="0"/>
-                <a:cs typeface="JuliaMono" panose="020B0609060300020004" pitchFamily="49" charset="0"/>
-              </a:rPr>
-              <a:t>main</a:t>
-            </a:r>
-          </a:p>
-        </p:txBody>
-      </p:sp>
-    </p:spTree>
-    <p:extLst>
-      <p:ext uri="{BB962C8B-B14F-4D97-AF65-F5344CB8AC3E}">
-        <p14:creationId xmlns:p14="http://schemas.microsoft.com/office/powerpoint/2010/main" val="1708385374"/>
-      </p:ext>
-    </p:extLst>
-  </p:cSld>
-  <p:clrMapOvr>
-    <a:masterClrMapping/>
-  </p:clrMapOvr>
-  <p:timing>
-    <p:tnLst>
-      <p:par>
-        <p:cTn id="1" dur="indefinite" restart="never" nodeType="tmRoot">
-          <p:childTnLst>
-            <p:seq concurrent="1" nextAc="seek">
-              <p:cTn id="2" dur="indefinite" nodeType="mainSeq">
-                <p:childTnLst>
-                  <p:par>
-                    <p:cTn id="3" fill="hold">
-                      <p:stCondLst>
-                        <p:cond delay="indefinite"/>
-                      </p:stCondLst>
-                      <p:childTnLst>
-                        <p:par>
-                          <p:cTn id="4" fill="hold">
-                            <p:stCondLst>
-                              <p:cond delay="0"/>
-                            </p:stCondLst>
-                            <p:childTnLst>
-                              <p:par>
-                                <p:cTn id="5" presetID="10" presetClass="entr" presetSubtype="0" fill="hold" grpId="0" nodeType="clickEffect">
-                                  <p:stCondLst>
-                                    <p:cond delay="0"/>
-                                  </p:stCondLst>
-                                  <p:childTnLst>
-                                    <p:set>
-                                      <p:cBhvr>
-                                        <p:cTn id="6" dur="1" fill="hold">
-                                          <p:stCondLst>
-                                            <p:cond delay="0"/>
-                                          </p:stCondLst>
-                                        </p:cTn>
-                                        <p:tgtEl>
-                                          <p:spTgt spid="4"/>
-                                        </p:tgtEl>
-                                        <p:attrNameLst>
-                                          <p:attrName>style.visibility</p:attrName>
-                                        </p:attrNameLst>
-                                      </p:cBhvr>
-                                      <p:to>
-                                        <p:strVal val="visible"/>
-                                      </p:to>
-                                    </p:set>
-                                    <p:animEffect transition="in" filter="fade">
-                                      <p:cBhvr>
-                                        <p:cTn id="7" dur="500"/>
-                                        <p:tgtEl>
-                                          <p:spTgt spid="4"/>
-                                        </p:tgtEl>
-                                      </p:cBhvr>
-                                    </p:animEffect>
-                                  </p:childTnLst>
-                                </p:cTn>
-                              </p:par>
-                            </p:childTnLst>
-                          </p:cTn>
-                        </p:par>
-                      </p:childTnLst>
-                    </p:cTn>
-                  </p:par>
-                </p:childTnLst>
-              </p:cTn>
-              <p:prevCondLst>
-                <p:cond evt="onPrev" delay="0">
-                  <p:tgtEl>
-                    <p:sldTgt/>
-                  </p:tgtEl>
-                </p:cond>
-              </p:prevCondLst>
-              <p:nextCondLst>
-                <p:cond evt="onNext" delay="0">
-                  <p:tgtEl>
-                    <p:sldTgt/>
-                  </p:tgtEl>
-                </p:cond>
-              </p:nextCondLst>
-            </p:seq>
-          </p:childTnLst>
-        </p:cTn>
-      </p:par>
-    </p:tnLst>
-    <p:bldLst>
-      <p:bldP spid="4" grpId="0" animBg="1"/>
-    </p:bldLst>
-  </p:timing>
-</p:sld>
-</file>
-
-<file path=ppt/slides/slide26.xml><?xml version="1.0" encoding="utf-8"?>
+<file path=ppt/slides/slide24.xml><?xml version="1.0" encoding="utf-8"?>
 <p:sld xmlns:a="http://schemas.openxmlformats.org/drawingml/2006/main" xmlns:r="http://schemas.openxmlformats.org/officeDocument/2006/relationships" xmlns:p="http://schemas.openxmlformats.org/presentationml/2006/main">
   <p:cSld>
     <p:spTree>
@@ -39124,7 +37794,7 @@
 </p:sld>
 </file>
 
-<file path=ppt/slides/slide27.xml><?xml version="1.0" encoding="utf-8"?>
+<file path=ppt/slides/slide25.xml><?xml version="1.0" encoding="utf-8"?>
 <p:sld xmlns:a="http://schemas.openxmlformats.org/drawingml/2006/main" xmlns:r="http://schemas.openxmlformats.org/officeDocument/2006/relationships" xmlns:p="http://schemas.openxmlformats.org/presentationml/2006/main">
   <p:cSld>
     <p:spTree>
@@ -39250,7 +37920,7 @@
 </p:sld>
 </file>
 
-<file path=ppt/slides/slide28.xml><?xml version="1.0" encoding="utf-8"?>
+<file path=ppt/slides/slide26.xml><?xml version="1.0" encoding="utf-8"?>
 <p:sld xmlns:a="http://schemas.openxmlformats.org/drawingml/2006/main" xmlns:r="http://schemas.openxmlformats.org/officeDocument/2006/relationships" xmlns:p="http://schemas.openxmlformats.org/presentationml/2006/main">
   <p:cSld>
     <p:spTree>
@@ -39348,92 +38018,6 @@
     <p:extLst>
       <p:ext uri="{BB962C8B-B14F-4D97-AF65-F5344CB8AC3E}">
         <p14:creationId xmlns:p14="http://schemas.microsoft.com/office/powerpoint/2010/main" val="2956661915"/>
-      </p:ext>
-    </p:extLst>
-  </p:cSld>
-  <p:clrMapOvr>
-    <a:masterClrMapping/>
-  </p:clrMapOvr>
-</p:sld>
-</file>
-
-<file path=ppt/slides/slide29.xml><?xml version="1.0" encoding="utf-8"?>
-<p:sld xmlns:a="http://schemas.openxmlformats.org/drawingml/2006/main" xmlns:r="http://schemas.openxmlformats.org/officeDocument/2006/relationships" xmlns:p="http://schemas.openxmlformats.org/presentationml/2006/main">
-  <p:cSld>
-    <p:spTree>
-      <p:nvGrpSpPr>
-        <p:cNvPr id="1" name=""/>
-        <p:cNvGrpSpPr/>
-        <p:nvPr/>
-      </p:nvGrpSpPr>
-      <p:grpSpPr>
-        <a:xfrm>
-          <a:off x="0" y="0"/>
-          <a:ext cx="0" cy="0"/>
-          <a:chOff x="0" y="0"/>
-          <a:chExt cx="0" cy="0"/>
-        </a:xfrm>
-      </p:grpSpPr>
-      <p:sp>
-        <p:nvSpPr>
-          <p:cNvPr id="2" name="Titre 1">
-            <a:extLst>
-              <a:ext uri="{FF2B5EF4-FFF2-40B4-BE49-F238E27FC236}">
-                <a16:creationId xmlns:a16="http://schemas.microsoft.com/office/drawing/2014/main" id="{9B8AEF75-142F-4B6C-9861-985806D8037A}"/>
-              </a:ext>
-            </a:extLst>
-          </p:cNvPr>
-          <p:cNvSpPr>
-            <a:spLocks noGrp="1"/>
-          </p:cNvSpPr>
-          <p:nvPr>
-            <p:ph type="ctrTitle"/>
-          </p:nvPr>
-        </p:nvSpPr>
-        <p:spPr/>
-        <p:txBody>
-          <a:bodyPr/>
-          <a:lstStyle/>
-          <a:p>
-            <a:r>
-              <a:rPr lang="en-US" dirty="0"/>
-              <a:t>Those were the essentials of Git</a:t>
-            </a:r>
-          </a:p>
-        </p:txBody>
-      </p:sp>
-      <p:sp>
-        <p:nvSpPr>
-          <p:cNvPr id="3" name="Sous-titre 2">
-            <a:extLst>
-              <a:ext uri="{FF2B5EF4-FFF2-40B4-BE49-F238E27FC236}">
-                <a16:creationId xmlns:a16="http://schemas.microsoft.com/office/drawing/2014/main" id="{0D4A4271-2D57-490E-8007-3C32F0E7454A}"/>
-              </a:ext>
-            </a:extLst>
-          </p:cNvPr>
-          <p:cNvSpPr>
-            <a:spLocks noGrp="1"/>
-          </p:cNvSpPr>
-          <p:nvPr>
-            <p:ph type="subTitle" idx="1"/>
-          </p:nvPr>
-        </p:nvSpPr>
-        <p:spPr/>
-        <p:txBody>
-          <a:bodyPr/>
-          <a:lstStyle/>
-          <a:p>
-            <a:r>
-              <a:rPr lang="en-US" dirty="0"/>
-              <a:t>Thanks for your attention</a:t>
-            </a:r>
-          </a:p>
-        </p:txBody>
-      </p:sp>
-    </p:spTree>
-    <p:extLst>
-      <p:ext uri="{BB962C8B-B14F-4D97-AF65-F5344CB8AC3E}">
-        <p14:creationId xmlns:p14="http://schemas.microsoft.com/office/powerpoint/2010/main" val="750245488"/>
       </p:ext>
     </p:extLst>
   </p:cSld>
